--- a/Presentation/Presentation.pptx
+++ b/Presentation/Presentation.pptx
@@ -17,13 +17,14 @@
     <p:sldId id="267" r:id="rId11"/>
     <p:sldId id="268" r:id="rId12"/>
     <p:sldId id="269" r:id="rId13"/>
-    <p:sldId id="276" r:id="rId14"/>
-    <p:sldId id="273" r:id="rId15"/>
-    <p:sldId id="271" r:id="rId16"/>
-    <p:sldId id="272" r:id="rId17"/>
-    <p:sldId id="274" r:id="rId18"/>
-    <p:sldId id="259" r:id="rId19"/>
-    <p:sldId id="275" r:id="rId20"/>
+    <p:sldId id="277" r:id="rId14"/>
+    <p:sldId id="276" r:id="rId15"/>
+    <p:sldId id="273" r:id="rId16"/>
+    <p:sldId id="271" r:id="rId17"/>
+    <p:sldId id="272" r:id="rId18"/>
+    <p:sldId id="274" r:id="rId19"/>
+    <p:sldId id="259" r:id="rId20"/>
+    <p:sldId id="275" r:id="rId21"/>
   </p:sldIdLst>
   <p:sldSz cx="9144000" cy="6858000" type="screen4x3"/>
   <p:notesSz cx="6858000" cy="9144000"/>
@@ -296,7 +297,7 @@
           <a:p>
             <a:fld id="{842CD987-D5F0-423A-B571-656612AAA3E1}" type="datetimeFigureOut">
               <a:rPr lang="en-US" smtClean="0"/>
-              <a:t>5/3/2019</a:t>
+              <a:t>5/6/2019</a:t>
             </a:fld>
             <a:endParaRPr lang="en-US"/>
           </a:p>
@@ -459,7 +460,7 @@
           <a:p>
             <a:fld id="{842CD987-D5F0-423A-B571-656612AAA3E1}" type="datetimeFigureOut">
               <a:rPr lang="en-US" smtClean="0"/>
-              <a:t>5/3/2019</a:t>
+              <a:t>5/6/2019</a:t>
             </a:fld>
             <a:endParaRPr lang="en-US"/>
           </a:p>
@@ -632,7 +633,7 @@
           <a:p>
             <a:fld id="{842CD987-D5F0-423A-B571-656612AAA3E1}" type="datetimeFigureOut">
               <a:rPr lang="en-US" smtClean="0"/>
-              <a:t>5/3/2019</a:t>
+              <a:t>5/6/2019</a:t>
             </a:fld>
             <a:endParaRPr lang="en-US"/>
           </a:p>
@@ -795,7 +796,7 @@
           <a:p>
             <a:fld id="{842CD987-D5F0-423A-B571-656612AAA3E1}" type="datetimeFigureOut">
               <a:rPr lang="en-US" smtClean="0"/>
-              <a:t>5/3/2019</a:t>
+              <a:t>5/6/2019</a:t>
             </a:fld>
             <a:endParaRPr lang="en-US"/>
           </a:p>
@@ -1035,7 +1036,7 @@
           <a:p>
             <a:fld id="{842CD987-D5F0-423A-B571-656612AAA3E1}" type="datetimeFigureOut">
               <a:rPr lang="en-US" smtClean="0"/>
-              <a:t>5/3/2019</a:t>
+              <a:t>5/6/2019</a:t>
             </a:fld>
             <a:endParaRPr lang="en-US"/>
           </a:p>
@@ -1259,7 +1260,7 @@
           <a:p>
             <a:fld id="{842CD987-D5F0-423A-B571-656612AAA3E1}" type="datetimeFigureOut">
               <a:rPr lang="en-US" smtClean="0"/>
-              <a:t>5/3/2019</a:t>
+              <a:t>5/6/2019</a:t>
             </a:fld>
             <a:endParaRPr lang="en-US"/>
           </a:p>
@@ -1618,7 +1619,7 @@
           <a:p>
             <a:fld id="{842CD987-D5F0-423A-B571-656612AAA3E1}" type="datetimeFigureOut">
               <a:rPr lang="en-US" smtClean="0"/>
-              <a:t>5/3/2019</a:t>
+              <a:t>5/6/2019</a:t>
             </a:fld>
             <a:endParaRPr lang="en-US"/>
           </a:p>
@@ -1730,7 +1731,7 @@
           <a:p>
             <a:fld id="{842CD987-D5F0-423A-B571-656612AAA3E1}" type="datetimeFigureOut">
               <a:rPr lang="en-US" smtClean="0"/>
-              <a:t>5/3/2019</a:t>
+              <a:t>5/6/2019</a:t>
             </a:fld>
             <a:endParaRPr lang="en-US"/>
           </a:p>
@@ -1820,7 +1821,7 @@
           <a:p>
             <a:fld id="{842CD987-D5F0-423A-B571-656612AAA3E1}" type="datetimeFigureOut">
               <a:rPr lang="en-US" smtClean="0"/>
-              <a:t>5/3/2019</a:t>
+              <a:t>5/6/2019</a:t>
             </a:fld>
             <a:endParaRPr lang="en-US"/>
           </a:p>
@@ -2090,7 +2091,7 @@
           <a:p>
             <a:fld id="{842CD987-D5F0-423A-B571-656612AAA3E1}" type="datetimeFigureOut">
               <a:rPr lang="en-US" smtClean="0"/>
-              <a:t>5/3/2019</a:t>
+              <a:t>5/6/2019</a:t>
             </a:fld>
             <a:endParaRPr lang="en-US"/>
           </a:p>
@@ -2337,7 +2338,7 @@
           <a:p>
             <a:fld id="{842CD987-D5F0-423A-B571-656612AAA3E1}" type="datetimeFigureOut">
               <a:rPr lang="en-US" smtClean="0"/>
-              <a:t>5/3/2019</a:t>
+              <a:t>5/6/2019</a:t>
             </a:fld>
             <a:endParaRPr lang="en-US"/>
           </a:p>
@@ -2548,7 +2549,7 @@
           <a:p>
             <a:fld id="{842CD987-D5F0-423A-B571-656612AAA3E1}" type="datetimeFigureOut">
               <a:rPr lang="en-US" smtClean="0"/>
-              <a:t>5/3/2019</a:t>
+              <a:t>5/6/2019</a:t>
             </a:fld>
             <a:endParaRPr lang="en-US"/>
           </a:p>
@@ -3822,6 +3823,46 @@
           </a:p>
         </p:txBody>
       </p:sp>
+      <p:sp>
+        <p:nvSpPr>
+          <p:cNvPr id="2" name="TextBox 1"/>
+          <p:cNvSpPr txBox="1"/>
+          <p:nvPr/>
+        </p:nvSpPr>
+        <p:spPr>
+          <a:xfrm>
+            <a:off x="703638" y="3613035"/>
+            <a:ext cx="2363468" cy="646331"/>
+          </a:xfrm>
+          <a:prstGeom prst="rect">
+            <a:avLst/>
+          </a:prstGeom>
+          <a:noFill/>
+        </p:spPr>
+        <p:txBody>
+          <a:bodyPr wrap="none" rtlCol="0">
+            <a:spAutoFit/>
+          </a:bodyPr>
+          <a:lstStyle/>
+          <a:p>
+            <a:r>
+              <a:rPr lang="en-US" dirty="0" smtClean="0"/>
+              <a:t>May 2019</a:t>
+            </a:r>
+          </a:p>
+          <a:p>
+            <a:r>
+              <a:rPr lang="en-US" dirty="0" err="1" smtClean="0"/>
+              <a:t>Digilent</a:t>
+            </a:r>
+            <a:r>
+              <a:rPr lang="en-US" dirty="0" smtClean="0"/>
+              <a:t> Design Contest</a:t>
+            </a:r>
+            <a:endParaRPr lang="ro-RO" dirty="0"/>
+          </a:p>
+        </p:txBody>
+      </p:sp>
     </p:spTree>
     <p:extLst>
       <p:ext uri="{BB962C8B-B14F-4D97-AF65-F5344CB8AC3E}">
@@ -4146,7 +4187,7 @@
           <a:graphicData uri="http://schemas.openxmlformats.org/presentationml/2006/ole">
             <mc:AlternateContent xmlns:mc="http://schemas.openxmlformats.org/markup-compatibility/2006">
               <mc:Choice xmlns:v="urn:schemas-microsoft-com:vml" Requires="v">
-                <p:oleObj spid="_x0000_s5130" name="Visio" r:id="rId4" imgW="4686343" imgH="1304970" progId="Visio.Drawing.15">
+                <p:oleObj spid="_x0000_s5134" name="Visio" r:id="rId4" imgW="4686343" imgH="1304970" progId="Visio.Drawing.15">
                   <p:embed/>
                 </p:oleObj>
               </mc:Choice>
@@ -5397,7 +5438,7 @@
           <a:graphicData uri="http://schemas.openxmlformats.org/presentationml/2006/ole">
             <mc:AlternateContent xmlns:mc="http://schemas.openxmlformats.org/markup-compatibility/2006">
               <mc:Choice xmlns:v="urn:schemas-microsoft-com:vml" Requires="v">
-                <p:oleObj spid="_x0000_s6154" name="Visio" r:id="rId5" imgW="4095685" imgH="2543194" progId="Visio.Drawing.15">
+                <p:oleObj spid="_x0000_s6158" name="Visio" r:id="rId5" imgW="4095685" imgH="2543194" progId="Visio.Drawing.15">
                   <p:embed/>
                 </p:oleObj>
               </mc:Choice>
@@ -6076,7 +6117,7 @@
           <a:graphicData uri="http://schemas.openxmlformats.org/presentationml/2006/ole">
             <mc:AlternateContent xmlns:mc="http://schemas.openxmlformats.org/markup-compatibility/2006">
               <mc:Choice xmlns:v="urn:schemas-microsoft-com:vml" Requires="v">
-                <p:oleObj spid="_x0000_s7185" name="Visio" r:id="rId4" imgW="7353156" imgH="3066908" progId="Visio.Drawing.15">
+                <p:oleObj spid="_x0000_s7193" name="Visio" r:id="rId4" imgW="7353156" imgH="3066908" progId="Visio.Drawing.15">
                   <p:embed/>
                 </p:oleObj>
               </mc:Choice>
@@ -6221,7 +6262,7 @@
           <a:graphicData uri="http://schemas.openxmlformats.org/presentationml/2006/ole">
             <mc:AlternateContent xmlns:mc="http://schemas.openxmlformats.org/markup-compatibility/2006">
               <mc:Choice xmlns:v="urn:schemas-microsoft-com:vml" Requires="v">
-                <p:oleObj spid="_x0000_s7186" name="Visio" r:id="rId6" imgW="5934129" imgH="3390925" progId="Visio.Drawing.15">
+                <p:oleObj spid="_x0000_s7194" name="Visio" r:id="rId6" imgW="5934129" imgH="3390925" progId="Visio.Drawing.15">
                   <p:embed/>
                 </p:oleObj>
               </mc:Choice>
@@ -6436,6 +6477,547 @@
           <p:nvPr/>
         </p:nvPicPr>
         <p:blipFill>
+          <a:blip r:embed="rId3" cstate="print">
+            <a:extLst>
+              <a:ext uri="{28A0092B-C50C-407E-A947-70E740481C1C}">
+                <a14:useLocalDpi xmlns:a14="http://schemas.microsoft.com/office/drawing/2010/main" val="0"/>
+              </a:ext>
+            </a:extLst>
+          </a:blip>
+          <a:stretch>
+            <a:fillRect/>
+          </a:stretch>
+        </p:blipFill>
+        <p:spPr>
+          <a:xfrm>
+            <a:off x="381905" y="332656"/>
+            <a:ext cx="2497907" cy="648072"/>
+          </a:xfrm>
+          <a:prstGeom prst="rect">
+            <a:avLst/>
+          </a:prstGeom>
+        </p:spPr>
+      </p:pic>
+      <p:sp>
+        <p:nvSpPr>
+          <p:cNvPr id="2" name="Rectangle 1">
+            <a:extLst>
+              <a:ext uri="{FF2B5EF4-FFF2-40B4-BE49-F238E27FC236}">
+                <a16:creationId xmlns:a16="http://schemas.microsoft.com/office/drawing/2014/main" id="{20A5B0E5-E70C-476A-9B34-6A0055BDCB5A}"/>
+              </a:ext>
+            </a:extLst>
+          </p:cNvPr>
+          <p:cNvSpPr/>
+          <p:nvPr/>
+        </p:nvSpPr>
+        <p:spPr>
+          <a:xfrm>
+            <a:off x="-14575" y="1100452"/>
+            <a:ext cx="7617791" cy="646331"/>
+          </a:xfrm>
+          <a:prstGeom prst="rect">
+            <a:avLst/>
+          </a:prstGeom>
+        </p:spPr>
+        <p:txBody>
+          <a:bodyPr wrap="none">
+            <a:spAutoFit/>
+          </a:bodyPr>
+          <a:lstStyle/>
+          <a:p>
+            <a:pPr algn="r"/>
+            <a:r>
+              <a:rPr lang="en-US" sz="3600" b="1" dirty="0" smtClean="0">
+                <a:latin typeface="UT Sans Bold"/>
+              </a:rPr>
+              <a:t>Reading the DDR memory/ Test Mode</a:t>
+            </a:r>
+            <a:endParaRPr lang="en-US" sz="3600" b="1" dirty="0">
+              <a:latin typeface="UT Sans Bold"/>
+            </a:endParaRPr>
+          </a:p>
+        </p:txBody>
+      </p:sp>
+      <p:sp>
+        <p:nvSpPr>
+          <p:cNvPr id="3" name="Rectangle 2">
+            <a:extLst>
+              <a:ext uri="{FF2B5EF4-FFF2-40B4-BE49-F238E27FC236}">
+                <a16:creationId xmlns:a16="http://schemas.microsoft.com/office/drawing/2014/main" id="{DA820E59-69C1-434D-9DAF-DB9FB2947E00}"/>
+              </a:ext>
+            </a:extLst>
+          </p:cNvPr>
+          <p:cNvSpPr>
+            <a:spLocks noChangeArrowheads="1"/>
+          </p:cNvSpPr>
+          <p:nvPr/>
+        </p:nvSpPr>
+        <p:spPr bwMode="auto">
+          <a:xfrm>
+            <a:off x="-144524" y="1700808"/>
+            <a:ext cx="9144000" cy="0"/>
+          </a:xfrm>
+          <a:prstGeom prst="rect">
+            <a:avLst/>
+          </a:prstGeom>
+          <a:noFill/>
+          <a:ln>
+            <a:noFill/>
+          </a:ln>
+          <a:effectLst/>
+          <a:extLst>
+            <a:ext uri="{909E8E84-426E-40DD-AFC4-6F175D3DCCD1}">
+              <a14:hiddenFill xmlns:a14="http://schemas.microsoft.com/office/drawing/2010/main">
+                <a:solidFill>
+                  <a:schemeClr val="accent1"/>
+                </a:solidFill>
+              </a14:hiddenFill>
+            </a:ext>
+            <a:ext uri="{91240B29-F687-4F45-9708-019B960494DF}">
+              <a14:hiddenLine xmlns:a14="http://schemas.microsoft.com/office/drawing/2010/main" w="9525">
+                <a:solidFill>
+                  <a:schemeClr val="tx1"/>
+                </a:solidFill>
+                <a:miter lim="800000"/>
+                <a:headEnd/>
+                <a:tailEnd/>
+              </a14:hiddenLine>
+            </a:ext>
+            <a:ext uri="{AF507438-7753-43E0-B8FC-AC1667EBCBE1}">
+              <a14:hiddenEffects xmlns:a14="http://schemas.microsoft.com/office/drawing/2010/main">
+                <a:effectLst>
+                  <a:outerShdw dist="35921" dir="2700000" algn="ctr" rotWithShape="0">
+                    <a:schemeClr val="bg2"/>
+                  </a:outerShdw>
+                </a:effectLst>
+              </a14:hiddenEffects>
+            </a:ext>
+          </a:extLst>
+        </p:spPr>
+        <p:txBody>
+          <a:bodyPr vert="horz" wrap="none" lIns="91440" tIns="45720" rIns="91440" bIns="45720" numCol="1" anchor="ctr" anchorCtr="0" compatLnSpc="1">
+            <a:prstTxWarp prst="textNoShape">
+              <a:avLst/>
+            </a:prstTxWarp>
+            <a:spAutoFit/>
+          </a:bodyPr>
+          <a:lstStyle/>
+          <a:p>
+            <a:endParaRPr lang="en-US"/>
+          </a:p>
+        </p:txBody>
+      </p:sp>
+      <p:sp>
+        <p:nvSpPr>
+          <p:cNvPr id="9" name="Rectangle 4">
+            <a:extLst>
+              <a:ext uri="{FF2B5EF4-FFF2-40B4-BE49-F238E27FC236}">
+                <a16:creationId xmlns:a16="http://schemas.microsoft.com/office/drawing/2014/main" id="{3FF2CEB6-212F-44BA-94CE-F02CBA1CD010}"/>
+              </a:ext>
+            </a:extLst>
+          </p:cNvPr>
+          <p:cNvSpPr>
+            <a:spLocks noChangeArrowheads="1"/>
+          </p:cNvSpPr>
+          <p:nvPr/>
+        </p:nvSpPr>
+        <p:spPr bwMode="auto">
+          <a:xfrm flipV="1">
+            <a:off x="360016" y="3282537"/>
+            <a:ext cx="7778148" cy="45719"/>
+          </a:xfrm>
+          <a:prstGeom prst="rect">
+            <a:avLst/>
+          </a:prstGeom>
+          <a:noFill/>
+          <a:ln>
+            <a:noFill/>
+          </a:ln>
+          <a:effectLst/>
+          <a:extLst>
+            <a:ext uri="{909E8E84-426E-40DD-AFC4-6F175D3DCCD1}">
+              <a14:hiddenFill xmlns:a14="http://schemas.microsoft.com/office/drawing/2010/main">
+                <a:solidFill>
+                  <a:schemeClr val="accent1"/>
+                </a:solidFill>
+              </a14:hiddenFill>
+            </a:ext>
+            <a:ext uri="{91240B29-F687-4F45-9708-019B960494DF}">
+              <a14:hiddenLine xmlns:a14="http://schemas.microsoft.com/office/drawing/2010/main" w="9525">
+                <a:solidFill>
+                  <a:schemeClr val="tx1"/>
+                </a:solidFill>
+                <a:miter lim="800000"/>
+                <a:headEnd/>
+                <a:tailEnd/>
+              </a14:hiddenLine>
+            </a:ext>
+            <a:ext uri="{AF507438-7753-43E0-B8FC-AC1667EBCBE1}">
+              <a14:hiddenEffects xmlns:a14="http://schemas.microsoft.com/office/drawing/2010/main">
+                <a:effectLst>
+                  <a:outerShdw dist="35921" dir="2700000" algn="ctr" rotWithShape="0">
+                    <a:schemeClr val="bg2"/>
+                  </a:outerShdw>
+                </a:effectLst>
+              </a14:hiddenEffects>
+            </a:ext>
+          </a:extLst>
+        </p:spPr>
+        <p:txBody>
+          <a:bodyPr vert="horz" wrap="square" lIns="91440" tIns="45720" rIns="91440" bIns="45720" numCol="1" anchor="ctr" anchorCtr="0" compatLnSpc="1">
+            <a:prstTxWarp prst="textNoShape">
+              <a:avLst/>
+            </a:prstTxWarp>
+            <a:spAutoFit/>
+          </a:bodyPr>
+          <a:lstStyle/>
+          <a:p>
+            <a:endParaRPr lang="en-US"/>
+          </a:p>
+        </p:txBody>
+      </p:sp>
+      <p:sp>
+        <p:nvSpPr>
+          <p:cNvPr id="11" name="Rectangle 2"/>
+          <p:cNvSpPr>
+            <a:spLocks noChangeArrowheads="1"/>
+          </p:cNvSpPr>
+          <p:nvPr/>
+        </p:nvSpPr>
+        <p:spPr bwMode="auto">
+          <a:xfrm>
+            <a:off x="2430065" y="3043965"/>
+            <a:ext cx="9144000" cy="0"/>
+          </a:xfrm>
+          <a:prstGeom prst="rect">
+            <a:avLst/>
+          </a:prstGeom>
+          <a:noFill/>
+          <a:ln>
+            <a:noFill/>
+          </a:ln>
+          <a:effectLst/>
+          <a:extLst>
+            <a:ext uri="{909E8E84-426E-40DD-AFC4-6F175D3DCCD1}">
+              <a14:hiddenFill xmlns:a14="http://schemas.microsoft.com/office/drawing/2010/main">
+                <a:solidFill>
+                  <a:schemeClr val="accent1"/>
+                </a:solidFill>
+              </a14:hiddenFill>
+            </a:ext>
+            <a:ext uri="{91240B29-F687-4F45-9708-019B960494DF}">
+              <a14:hiddenLine xmlns:a14="http://schemas.microsoft.com/office/drawing/2010/main" w="9525">
+                <a:solidFill>
+                  <a:schemeClr val="tx1"/>
+                </a:solidFill>
+                <a:miter lim="800000"/>
+                <a:headEnd/>
+                <a:tailEnd/>
+              </a14:hiddenLine>
+            </a:ext>
+            <a:ext uri="{AF507438-7753-43E0-B8FC-AC1667EBCBE1}">
+              <a14:hiddenEffects xmlns:a14="http://schemas.microsoft.com/office/drawing/2010/main">
+                <a:effectLst>
+                  <a:outerShdw dist="35921" dir="2700000" algn="ctr" rotWithShape="0">
+                    <a:schemeClr val="bg2"/>
+                  </a:outerShdw>
+                </a:effectLst>
+              </a14:hiddenEffects>
+            </a:ext>
+          </a:extLst>
+        </p:spPr>
+        <p:txBody>
+          <a:bodyPr vert="horz" wrap="none" lIns="91440" tIns="45720" rIns="91440" bIns="45720" numCol="1" anchor="ctr" anchorCtr="0" compatLnSpc="1">
+            <a:prstTxWarp prst="textNoShape">
+              <a:avLst/>
+            </a:prstTxWarp>
+            <a:spAutoFit/>
+          </a:bodyPr>
+          <a:lstStyle/>
+          <a:p>
+            <a:endParaRPr lang="ro-RO"/>
+          </a:p>
+        </p:txBody>
+      </p:sp>
+      <p:graphicFrame>
+        <p:nvGraphicFramePr>
+          <p:cNvPr id="12" name="Object 11"/>
+          <p:cNvGraphicFramePr>
+            <a:graphicFrameLocks noChangeAspect="1"/>
+          </p:cNvGraphicFramePr>
+          <p:nvPr>
+            <p:extLst>
+              <p:ext uri="{D42A27DB-BD31-4B8C-83A1-F6EECF244321}">
+                <p14:modId xmlns:p14="http://schemas.microsoft.com/office/powerpoint/2010/main" val="3940417529"/>
+              </p:ext>
+            </p:extLst>
+          </p:nvPr>
+        </p:nvGraphicFramePr>
+        <p:xfrm>
+          <a:off x="215516" y="1985354"/>
+          <a:ext cx="6226189" cy="3575641"/>
+        </p:xfrm>
+        <a:graphic>
+          <a:graphicData uri="http://schemas.openxmlformats.org/presentationml/2006/ole">
+            <mc:AlternateContent xmlns:mc="http://schemas.openxmlformats.org/markup-compatibility/2006">
+              <mc:Choice xmlns:v="urn:schemas-microsoft-com:vml" Requires="v">
+                <p:oleObj spid="_x0000_s10246" r:id="rId4" imgW="5705443" imgH="3276702" progId="Visio.Drawing.15">
+                  <p:embed/>
+                </p:oleObj>
+              </mc:Choice>
+              <mc:Fallback>
+                <p:oleObj r:id="rId4" imgW="5705443" imgH="3276702" progId="Visio.Drawing.15">
+                  <p:embed/>
+                  <p:pic>
+                    <p:nvPicPr>
+                      <p:cNvPr id="0" name="Object 1"/>
+                      <p:cNvPicPr>
+                        <a:picLocks noChangeAspect="1" noChangeArrowheads="1"/>
+                      </p:cNvPicPr>
+                      <p:nvPr/>
+                    </p:nvPicPr>
+                    <p:blipFill>
+                      <a:blip r:embed="rId5">
+                        <a:extLst>
+                          <a:ext uri="{28A0092B-C50C-407E-A947-70E740481C1C}">
+                            <a14:useLocalDpi xmlns:a14="http://schemas.microsoft.com/office/drawing/2010/main" val="0"/>
+                          </a:ext>
+                        </a:extLst>
+                      </a:blip>
+                      <a:srcRect/>
+                      <a:stretch>
+                        <a:fillRect/>
+                      </a:stretch>
+                    </p:blipFill>
+                    <p:spPr bwMode="auto">
+                      <a:xfrm>
+                        <a:off x="215516" y="1985354"/>
+                        <a:ext cx="6226189" cy="3575641"/>
+                      </a:xfrm>
+                      <a:prstGeom prst="rect">
+                        <a:avLst/>
+                      </a:prstGeom>
+                      <a:noFill/>
+                    </p:spPr>
+                  </p:pic>
+                </p:oleObj>
+              </mc:Fallback>
+            </mc:AlternateContent>
+          </a:graphicData>
+        </a:graphic>
+      </p:graphicFrame>
+      <p:sp>
+        <p:nvSpPr>
+          <p:cNvPr id="13" name="TextBox 12"/>
+          <p:cNvSpPr txBox="1"/>
+          <p:nvPr/>
+        </p:nvSpPr>
+        <p:spPr>
+          <a:xfrm>
+            <a:off x="86962" y="4732077"/>
+            <a:ext cx="4409092" cy="923330"/>
+          </a:xfrm>
+          <a:prstGeom prst="rect">
+            <a:avLst/>
+          </a:prstGeom>
+          <a:noFill/>
+        </p:spPr>
+        <p:txBody>
+          <a:bodyPr wrap="none" rtlCol="0">
+            <a:spAutoFit/>
+          </a:bodyPr>
+          <a:lstStyle/>
+          <a:p>
+            <a:r>
+              <a:rPr lang="en-US" dirty="0" smtClean="0"/>
+              <a:t>Read image from DDR, each </a:t>
+            </a:r>
+          </a:p>
+          <a:p>
+            <a:r>
+              <a:rPr lang="en-US" dirty="0" smtClean="0"/>
+              <a:t>layer written on a separate memory location.</a:t>
+            </a:r>
+          </a:p>
+          <a:p>
+            <a:r>
+              <a:rPr lang="en-US" dirty="0" smtClean="0"/>
+              <a:t>Create input image stream.</a:t>
+            </a:r>
+            <a:endParaRPr lang="ro-RO" dirty="0"/>
+          </a:p>
+        </p:txBody>
+      </p:sp>
+    </p:spTree>
+    <p:extLst>
+      <p:ext uri="{BB962C8B-B14F-4D97-AF65-F5344CB8AC3E}">
+        <p14:creationId xmlns:p14="http://schemas.microsoft.com/office/powerpoint/2010/main" val="2707866377"/>
+      </p:ext>
+    </p:extLst>
+  </p:cSld>
+  <p:clrMapOvr>
+    <a:masterClrMapping/>
+  </p:clrMapOvr>
+</p:sld>
+</file>
+
+<file path=ppt/slides/slide14.xml><?xml version="1.0" encoding="utf-8"?>
+<p:sld xmlns:a="http://schemas.openxmlformats.org/drawingml/2006/main" xmlns:r="http://schemas.openxmlformats.org/officeDocument/2006/relationships" xmlns:p="http://schemas.openxmlformats.org/presentationml/2006/main">
+  <p:cSld>
+    <p:spTree>
+      <p:nvGrpSpPr>
+        <p:cNvPr id="1" name=""/>
+        <p:cNvGrpSpPr/>
+        <p:nvPr/>
+      </p:nvGrpSpPr>
+      <p:grpSpPr>
+        <a:xfrm>
+          <a:off x="0" y="0"/>
+          <a:ext cx="0" cy="0"/>
+          <a:chOff x="0" y="0"/>
+          <a:chExt cx="0" cy="0"/>
+        </a:xfrm>
+      </p:grpSpPr>
+      <p:grpSp>
+        <p:nvGrpSpPr>
+          <p:cNvPr id="4" name="Group 3"/>
+          <p:cNvGrpSpPr/>
+          <p:nvPr/>
+        </p:nvGrpSpPr>
+        <p:grpSpPr>
+          <a:xfrm>
+            <a:off x="8460432" y="6237312"/>
+            <a:ext cx="216000" cy="216000"/>
+            <a:chOff x="2772000" y="1932221"/>
+            <a:chExt cx="2340000" cy="2340000"/>
+          </a:xfrm>
+        </p:grpSpPr>
+        <p:sp>
+          <p:nvSpPr>
+            <p:cNvPr id="5" name="Rectangle 4"/>
+            <p:cNvSpPr/>
+            <p:nvPr/>
+          </p:nvSpPr>
+          <p:spPr>
+            <a:xfrm>
+              <a:off x="2772000" y="1932221"/>
+              <a:ext cx="2340000" cy="2340000"/>
+            </a:xfrm>
+            <a:prstGeom prst="rect">
+              <a:avLst/>
+            </a:prstGeom>
+            <a:solidFill>
+              <a:schemeClr val="bg1">
+                <a:lumMod val="75000"/>
+              </a:schemeClr>
+            </a:solidFill>
+            <a:ln>
+              <a:noFill/>
+            </a:ln>
+          </p:spPr>
+          <p:style>
+            <a:lnRef idx="2">
+              <a:schemeClr val="accent1">
+                <a:shade val="50000"/>
+              </a:schemeClr>
+            </a:lnRef>
+            <a:fillRef idx="1">
+              <a:schemeClr val="accent1"/>
+            </a:fillRef>
+            <a:effectRef idx="0">
+              <a:schemeClr val="accent1"/>
+            </a:effectRef>
+            <a:fontRef idx="minor">
+              <a:schemeClr val="lt1"/>
+            </a:fontRef>
+          </p:style>
+          <p:txBody>
+            <a:bodyPr rtlCol="0" anchor="ctr"/>
+            <a:lstStyle/>
+            <a:p>
+              <a:pPr algn="ctr"/>
+              <a:endParaRPr lang="en-US">
+                <a:ln>
+                  <a:solidFill>
+                    <a:schemeClr val="bg2">
+                      <a:lumMod val="75000"/>
+                    </a:schemeClr>
+                  </a:solidFill>
+                </a:ln>
+                <a:solidFill>
+                  <a:schemeClr val="tx1"/>
+                </a:solidFill>
+              </a:endParaRPr>
+            </a:p>
+          </p:txBody>
+        </p:sp>
+        <p:sp>
+          <p:nvSpPr>
+            <p:cNvPr id="6" name="Rectangle 5"/>
+            <p:cNvSpPr/>
+            <p:nvPr/>
+          </p:nvSpPr>
+          <p:spPr>
+            <a:xfrm>
+              <a:off x="3546000" y="2706221"/>
+              <a:ext cx="792000" cy="792000"/>
+            </a:xfrm>
+            <a:prstGeom prst="rect">
+              <a:avLst/>
+            </a:prstGeom>
+            <a:solidFill>
+              <a:schemeClr val="bg1"/>
+            </a:solidFill>
+            <a:ln>
+              <a:noFill/>
+            </a:ln>
+          </p:spPr>
+          <p:style>
+            <a:lnRef idx="2">
+              <a:schemeClr val="accent1">
+                <a:shade val="50000"/>
+              </a:schemeClr>
+            </a:lnRef>
+            <a:fillRef idx="1">
+              <a:schemeClr val="accent1"/>
+            </a:fillRef>
+            <a:effectRef idx="0">
+              <a:schemeClr val="accent1"/>
+            </a:effectRef>
+            <a:fontRef idx="minor">
+              <a:schemeClr val="lt1"/>
+            </a:fontRef>
+          </p:style>
+          <p:txBody>
+            <a:bodyPr rtlCol="0" anchor="ctr"/>
+            <a:lstStyle/>
+            <a:p>
+              <a:pPr algn="ctr"/>
+              <a:endParaRPr lang="en-US">
+                <a:ln>
+                  <a:solidFill>
+                    <a:schemeClr val="bg2">
+                      <a:lumMod val="75000"/>
+                    </a:schemeClr>
+                  </a:solidFill>
+                </a:ln>
+                <a:solidFill>
+                  <a:schemeClr val="tx1"/>
+                </a:solidFill>
+              </a:endParaRPr>
+            </a:p>
+          </p:txBody>
+        </p:sp>
+      </p:grpSp>
+      <p:pic>
+        <p:nvPicPr>
+          <p:cNvPr id="7" name="Picture 6"/>
+          <p:cNvPicPr>
+            <a:picLocks noChangeAspect="1"/>
+          </p:cNvPicPr>
+          <p:nvPr/>
+        </p:nvPicPr>
+        <p:blipFill>
           <a:blip r:embed="rId2" cstate="print">
             <a:extLst>
               <a:ext uri="{28A0092B-C50C-407E-A947-70E740481C1C}">
@@ -6638,7 +7220,7 @@
 </p:sld>
 </file>
 
-<file path=ppt/slides/slide14.xml><?xml version="1.0" encoding="utf-8"?>
+<file path=ppt/slides/slide15.xml><?xml version="1.0" encoding="utf-8"?>
 <p:sld xmlns:a="http://schemas.openxmlformats.org/drawingml/2006/main" xmlns:r="http://schemas.openxmlformats.org/officeDocument/2006/relationships" xmlns:p="http://schemas.openxmlformats.org/presentationml/2006/main">
   <p:cSld>
     <p:spTree>
@@ -7295,7 +7877,7 @@
 </p:sld>
 </file>
 
-<file path=ppt/slides/slide15.xml><?xml version="1.0" encoding="utf-8"?>
+<file path=ppt/slides/slide16.xml><?xml version="1.0" encoding="utf-8"?>
 <p:sld xmlns:a="http://schemas.openxmlformats.org/drawingml/2006/main" xmlns:r="http://schemas.openxmlformats.org/officeDocument/2006/relationships" xmlns:p="http://schemas.openxmlformats.org/presentationml/2006/main">
   <p:cSld>
     <p:spTree>
@@ -7641,7 +8223,7 @@
           <a:graphicData uri="http://schemas.openxmlformats.org/presentationml/2006/ole">
             <mc:AlternateContent xmlns:mc="http://schemas.openxmlformats.org/markup-compatibility/2006">
               <mc:Choice xmlns:v="urn:schemas-microsoft-com:vml" Requires="v">
-                <p:oleObj spid="_x0000_s8201" name="Visio" r:id="rId4" imgW="6114942" imgH="1533417" progId="Visio.Drawing.15">
+                <p:oleObj spid="_x0000_s8205" name="Visio" r:id="rId4" imgW="6114942" imgH="1533417" progId="Visio.Drawing.15">
                   <p:embed/>
                 </p:oleObj>
               </mc:Choice>
@@ -8538,7 +9120,7 @@
 </p:sld>
 </file>
 
-<file path=ppt/slides/slide16.xml><?xml version="1.0" encoding="utf-8"?>
+<file path=ppt/slides/slide17.xml><?xml version="1.0" encoding="utf-8"?>
 <p:sld xmlns:a="http://schemas.openxmlformats.org/drawingml/2006/main" xmlns:r="http://schemas.openxmlformats.org/officeDocument/2006/relationships" xmlns:p="http://schemas.openxmlformats.org/presentationml/2006/main">
   <p:cSld>
     <p:spTree>
@@ -8883,7 +9465,7 @@
           <a:graphicData uri="http://schemas.openxmlformats.org/presentationml/2006/ole">
             <mc:AlternateContent xmlns:mc="http://schemas.openxmlformats.org/markup-compatibility/2006">
               <mc:Choice xmlns:v="urn:schemas-microsoft-com:vml" Requires="v">
-                <p:oleObj spid="_x0000_s9231" name="Visio" r:id="rId4" imgW="6905700" imgH="2609939" progId="Visio.Drawing.15">
+                <p:oleObj spid="_x0000_s9239" name="Visio" r:id="rId4" imgW="6905700" imgH="2609939" progId="Visio.Drawing.15">
                   <p:embed/>
                 </p:oleObj>
               </mc:Choice>
@@ -9034,7 +9616,7 @@
           <a:graphicData uri="http://schemas.openxmlformats.org/presentationml/2006/ole">
             <mc:AlternateContent xmlns:mc="http://schemas.openxmlformats.org/markup-compatibility/2006">
               <mc:Choice xmlns:v="urn:schemas-microsoft-com:vml" Requires="v">
-                <p:oleObj spid="_x0000_s9232" name="Visio" r:id="rId6" imgW="4791043" imgH="8105743" progId="Visio.Drawing.15">
+                <p:oleObj spid="_x0000_s9240" name="Visio" r:id="rId6" imgW="4791043" imgH="8105743" progId="Visio.Drawing.15">
                   <p:embed/>
                 </p:oleObj>
               </mc:Choice>
@@ -9101,7 +9683,7 @@
 </p:sld>
 </file>
 
-<file path=ppt/slides/slide17.xml><?xml version="1.0" encoding="utf-8"?>
+<file path=ppt/slides/slide18.xml><?xml version="1.0" encoding="utf-8"?>
 <p:sld xmlns:a="http://schemas.openxmlformats.org/drawingml/2006/main" xmlns:r="http://schemas.openxmlformats.org/officeDocument/2006/relationships" xmlns:p="http://schemas.openxmlformats.org/presentationml/2006/main">
   <p:cSld>
     <p:spTree>
@@ -9546,7 +10128,7 @@
 </p:sld>
 </file>
 
-<file path=ppt/slides/slide18.xml><?xml version="1.0" encoding="utf-8"?>
+<file path=ppt/slides/slide19.xml><?xml version="1.0" encoding="utf-8"?>
 <p:sld xmlns:a="http://schemas.openxmlformats.org/drawingml/2006/main" xmlns:r="http://schemas.openxmlformats.org/officeDocument/2006/relationships" xmlns:p="http://schemas.openxmlformats.org/presentationml/2006/main">
   <p:cSld>
     <p:spTree>
@@ -9947,234 +10529,6 @@
 </p:sld>
 </file>
 
-<file path=ppt/slides/slide19.xml><?xml version="1.0" encoding="utf-8"?>
-<p:sld xmlns:a="http://schemas.openxmlformats.org/drawingml/2006/main" xmlns:r="http://schemas.openxmlformats.org/officeDocument/2006/relationships" xmlns:p="http://schemas.openxmlformats.org/presentationml/2006/main">
-  <p:cSld>
-    <p:spTree>
-      <p:nvGrpSpPr>
-        <p:cNvPr id="1" name=""/>
-        <p:cNvGrpSpPr/>
-        <p:nvPr/>
-      </p:nvGrpSpPr>
-      <p:grpSpPr>
-        <a:xfrm>
-          <a:off x="0" y="0"/>
-          <a:ext cx="0" cy="0"/>
-          <a:chOff x="0" y="0"/>
-          <a:chExt cx="0" cy="0"/>
-        </a:xfrm>
-      </p:grpSpPr>
-      <p:grpSp>
-        <p:nvGrpSpPr>
-          <p:cNvPr id="4" name="Group 3"/>
-          <p:cNvGrpSpPr/>
-          <p:nvPr/>
-        </p:nvGrpSpPr>
-        <p:grpSpPr>
-          <a:xfrm>
-            <a:off x="8460432" y="6237312"/>
-            <a:ext cx="216000" cy="216000"/>
-            <a:chOff x="2772000" y="1932221"/>
-            <a:chExt cx="2340000" cy="2340000"/>
-          </a:xfrm>
-        </p:grpSpPr>
-        <p:sp>
-          <p:nvSpPr>
-            <p:cNvPr id="5" name="Rectangle 4"/>
-            <p:cNvSpPr/>
-            <p:nvPr/>
-          </p:nvSpPr>
-          <p:spPr>
-            <a:xfrm>
-              <a:off x="2772000" y="1932221"/>
-              <a:ext cx="2340000" cy="2340000"/>
-            </a:xfrm>
-            <a:prstGeom prst="rect">
-              <a:avLst/>
-            </a:prstGeom>
-            <a:solidFill>
-              <a:schemeClr val="bg1">
-                <a:lumMod val="75000"/>
-              </a:schemeClr>
-            </a:solidFill>
-            <a:ln>
-              <a:noFill/>
-            </a:ln>
-          </p:spPr>
-          <p:style>
-            <a:lnRef idx="2">
-              <a:schemeClr val="accent1">
-                <a:shade val="50000"/>
-              </a:schemeClr>
-            </a:lnRef>
-            <a:fillRef idx="1">
-              <a:schemeClr val="accent1"/>
-            </a:fillRef>
-            <a:effectRef idx="0">
-              <a:schemeClr val="accent1"/>
-            </a:effectRef>
-            <a:fontRef idx="minor">
-              <a:schemeClr val="lt1"/>
-            </a:fontRef>
-          </p:style>
-          <p:txBody>
-            <a:bodyPr rtlCol="0" anchor="ctr"/>
-            <a:lstStyle/>
-            <a:p>
-              <a:pPr algn="ctr"/>
-              <a:endParaRPr lang="en-US">
-                <a:ln>
-                  <a:solidFill>
-                    <a:schemeClr val="bg2">
-                      <a:lumMod val="75000"/>
-                    </a:schemeClr>
-                  </a:solidFill>
-                </a:ln>
-                <a:solidFill>
-                  <a:schemeClr val="tx1"/>
-                </a:solidFill>
-              </a:endParaRPr>
-            </a:p>
-          </p:txBody>
-        </p:sp>
-        <p:sp>
-          <p:nvSpPr>
-            <p:cNvPr id="6" name="Rectangle 5"/>
-            <p:cNvSpPr/>
-            <p:nvPr/>
-          </p:nvSpPr>
-          <p:spPr>
-            <a:xfrm>
-              <a:off x="3546000" y="2706221"/>
-              <a:ext cx="792000" cy="792000"/>
-            </a:xfrm>
-            <a:prstGeom prst="rect">
-              <a:avLst/>
-            </a:prstGeom>
-            <a:solidFill>
-              <a:schemeClr val="bg1"/>
-            </a:solidFill>
-            <a:ln>
-              <a:noFill/>
-            </a:ln>
-          </p:spPr>
-          <p:style>
-            <a:lnRef idx="2">
-              <a:schemeClr val="accent1">
-                <a:shade val="50000"/>
-              </a:schemeClr>
-            </a:lnRef>
-            <a:fillRef idx="1">
-              <a:schemeClr val="accent1"/>
-            </a:fillRef>
-            <a:effectRef idx="0">
-              <a:schemeClr val="accent1"/>
-            </a:effectRef>
-            <a:fontRef idx="minor">
-              <a:schemeClr val="lt1"/>
-            </a:fontRef>
-          </p:style>
-          <p:txBody>
-            <a:bodyPr rtlCol="0" anchor="ctr"/>
-            <a:lstStyle/>
-            <a:p>
-              <a:pPr algn="ctr"/>
-              <a:endParaRPr lang="en-US">
-                <a:ln>
-                  <a:solidFill>
-                    <a:schemeClr val="bg2">
-                      <a:lumMod val="75000"/>
-                    </a:schemeClr>
-                  </a:solidFill>
-                </a:ln>
-                <a:solidFill>
-                  <a:schemeClr val="tx1"/>
-                </a:solidFill>
-              </a:endParaRPr>
-            </a:p>
-          </p:txBody>
-        </p:sp>
-      </p:grpSp>
-      <p:pic>
-        <p:nvPicPr>
-          <p:cNvPr id="7" name="Picture 6"/>
-          <p:cNvPicPr>
-            <a:picLocks noChangeAspect="1"/>
-          </p:cNvPicPr>
-          <p:nvPr/>
-        </p:nvPicPr>
-        <p:blipFill>
-          <a:blip r:embed="rId2" cstate="print">
-            <a:extLst>
-              <a:ext uri="{28A0092B-C50C-407E-A947-70E740481C1C}">
-                <a14:useLocalDpi xmlns:a14="http://schemas.microsoft.com/office/drawing/2010/main" val="0"/>
-              </a:ext>
-            </a:extLst>
-          </a:blip>
-          <a:stretch>
-            <a:fillRect/>
-          </a:stretch>
-        </p:blipFill>
-        <p:spPr>
-          <a:xfrm>
-            <a:off x="381905" y="332656"/>
-            <a:ext cx="2497907" cy="648072"/>
-          </a:xfrm>
-          <a:prstGeom prst="rect">
-            <a:avLst/>
-          </a:prstGeom>
-        </p:spPr>
-      </p:pic>
-      <p:sp>
-        <p:nvSpPr>
-          <p:cNvPr id="8" name="TextBox 7">
-            <a:extLst>
-              <a:ext uri="{FF2B5EF4-FFF2-40B4-BE49-F238E27FC236}">
-                <a16:creationId xmlns:a16="http://schemas.microsoft.com/office/drawing/2014/main" id="{EAA6C1AB-CCDF-48DE-ABC5-F2E6E6781219}"/>
-              </a:ext>
-            </a:extLst>
-          </p:cNvPr>
-          <p:cNvSpPr txBox="1"/>
-          <p:nvPr/>
-        </p:nvSpPr>
-        <p:spPr>
-          <a:xfrm>
-            <a:off x="3275856" y="2132856"/>
-            <a:ext cx="3054524" cy="1107996"/>
-          </a:xfrm>
-          <a:prstGeom prst="rect">
-            <a:avLst/>
-          </a:prstGeom>
-          <a:noFill/>
-        </p:spPr>
-        <p:txBody>
-          <a:bodyPr wrap="square" rtlCol="0">
-            <a:spAutoFit/>
-          </a:bodyPr>
-          <a:lstStyle/>
-          <a:p>
-            <a:r>
-              <a:rPr lang="en-US" sz="6600" dirty="0">
-                <a:latin typeface="UT Sans Bold"/>
-              </a:rPr>
-              <a:t>DEMO</a:t>
-            </a:r>
-          </a:p>
-        </p:txBody>
-      </p:sp>
-    </p:spTree>
-    <p:extLst>
-      <p:ext uri="{BB962C8B-B14F-4D97-AF65-F5344CB8AC3E}">
-        <p14:creationId xmlns:p14="http://schemas.microsoft.com/office/powerpoint/2010/main" val="2217453342"/>
-      </p:ext>
-    </p:extLst>
-  </p:cSld>
-  <p:clrMapOvr>
-    <a:masterClrMapping/>
-  </p:clrMapOvr>
-</p:sld>
-</file>
-
 <file path=ppt/slides/slide2.xml><?xml version="1.0" encoding="utf-8"?>
 <p:sld xmlns:a="http://schemas.openxmlformats.org/drawingml/2006/main" xmlns:r="http://schemas.openxmlformats.org/officeDocument/2006/relationships" xmlns:p="http://schemas.openxmlformats.org/presentationml/2006/main">
   <p:cSld>
@@ -10367,8 +10721,8 @@
         </p:nvSpPr>
         <p:spPr>
           <a:xfrm>
-            <a:off x="575556" y="1124744"/>
-            <a:ext cx="3054524" cy="646331"/>
+            <a:off x="397991" y="1124742"/>
+            <a:ext cx="3325999" cy="646331"/>
           </a:xfrm>
           <a:prstGeom prst="rect">
             <a:avLst/>
@@ -10750,6 +11104,234 @@
 </p:sld>
 </file>
 
+<file path=ppt/slides/slide20.xml><?xml version="1.0" encoding="utf-8"?>
+<p:sld xmlns:a="http://schemas.openxmlformats.org/drawingml/2006/main" xmlns:r="http://schemas.openxmlformats.org/officeDocument/2006/relationships" xmlns:p="http://schemas.openxmlformats.org/presentationml/2006/main">
+  <p:cSld>
+    <p:spTree>
+      <p:nvGrpSpPr>
+        <p:cNvPr id="1" name=""/>
+        <p:cNvGrpSpPr/>
+        <p:nvPr/>
+      </p:nvGrpSpPr>
+      <p:grpSpPr>
+        <a:xfrm>
+          <a:off x="0" y="0"/>
+          <a:ext cx="0" cy="0"/>
+          <a:chOff x="0" y="0"/>
+          <a:chExt cx="0" cy="0"/>
+        </a:xfrm>
+      </p:grpSpPr>
+      <p:grpSp>
+        <p:nvGrpSpPr>
+          <p:cNvPr id="4" name="Group 3"/>
+          <p:cNvGrpSpPr/>
+          <p:nvPr/>
+        </p:nvGrpSpPr>
+        <p:grpSpPr>
+          <a:xfrm>
+            <a:off x="8460432" y="6237312"/>
+            <a:ext cx="216000" cy="216000"/>
+            <a:chOff x="2772000" y="1932221"/>
+            <a:chExt cx="2340000" cy="2340000"/>
+          </a:xfrm>
+        </p:grpSpPr>
+        <p:sp>
+          <p:nvSpPr>
+            <p:cNvPr id="5" name="Rectangle 4"/>
+            <p:cNvSpPr/>
+            <p:nvPr/>
+          </p:nvSpPr>
+          <p:spPr>
+            <a:xfrm>
+              <a:off x="2772000" y="1932221"/>
+              <a:ext cx="2340000" cy="2340000"/>
+            </a:xfrm>
+            <a:prstGeom prst="rect">
+              <a:avLst/>
+            </a:prstGeom>
+            <a:solidFill>
+              <a:schemeClr val="bg1">
+                <a:lumMod val="75000"/>
+              </a:schemeClr>
+            </a:solidFill>
+            <a:ln>
+              <a:noFill/>
+            </a:ln>
+          </p:spPr>
+          <p:style>
+            <a:lnRef idx="2">
+              <a:schemeClr val="accent1">
+                <a:shade val="50000"/>
+              </a:schemeClr>
+            </a:lnRef>
+            <a:fillRef idx="1">
+              <a:schemeClr val="accent1"/>
+            </a:fillRef>
+            <a:effectRef idx="0">
+              <a:schemeClr val="accent1"/>
+            </a:effectRef>
+            <a:fontRef idx="minor">
+              <a:schemeClr val="lt1"/>
+            </a:fontRef>
+          </p:style>
+          <p:txBody>
+            <a:bodyPr rtlCol="0" anchor="ctr"/>
+            <a:lstStyle/>
+            <a:p>
+              <a:pPr algn="ctr"/>
+              <a:endParaRPr lang="en-US">
+                <a:ln>
+                  <a:solidFill>
+                    <a:schemeClr val="bg2">
+                      <a:lumMod val="75000"/>
+                    </a:schemeClr>
+                  </a:solidFill>
+                </a:ln>
+                <a:solidFill>
+                  <a:schemeClr val="tx1"/>
+                </a:solidFill>
+              </a:endParaRPr>
+            </a:p>
+          </p:txBody>
+        </p:sp>
+        <p:sp>
+          <p:nvSpPr>
+            <p:cNvPr id="6" name="Rectangle 5"/>
+            <p:cNvSpPr/>
+            <p:nvPr/>
+          </p:nvSpPr>
+          <p:spPr>
+            <a:xfrm>
+              <a:off x="3546000" y="2706221"/>
+              <a:ext cx="792000" cy="792000"/>
+            </a:xfrm>
+            <a:prstGeom prst="rect">
+              <a:avLst/>
+            </a:prstGeom>
+            <a:solidFill>
+              <a:schemeClr val="bg1"/>
+            </a:solidFill>
+            <a:ln>
+              <a:noFill/>
+            </a:ln>
+          </p:spPr>
+          <p:style>
+            <a:lnRef idx="2">
+              <a:schemeClr val="accent1">
+                <a:shade val="50000"/>
+              </a:schemeClr>
+            </a:lnRef>
+            <a:fillRef idx="1">
+              <a:schemeClr val="accent1"/>
+            </a:fillRef>
+            <a:effectRef idx="0">
+              <a:schemeClr val="accent1"/>
+            </a:effectRef>
+            <a:fontRef idx="minor">
+              <a:schemeClr val="lt1"/>
+            </a:fontRef>
+          </p:style>
+          <p:txBody>
+            <a:bodyPr rtlCol="0" anchor="ctr"/>
+            <a:lstStyle/>
+            <a:p>
+              <a:pPr algn="ctr"/>
+              <a:endParaRPr lang="en-US">
+                <a:ln>
+                  <a:solidFill>
+                    <a:schemeClr val="bg2">
+                      <a:lumMod val="75000"/>
+                    </a:schemeClr>
+                  </a:solidFill>
+                </a:ln>
+                <a:solidFill>
+                  <a:schemeClr val="tx1"/>
+                </a:solidFill>
+              </a:endParaRPr>
+            </a:p>
+          </p:txBody>
+        </p:sp>
+      </p:grpSp>
+      <p:pic>
+        <p:nvPicPr>
+          <p:cNvPr id="7" name="Picture 6"/>
+          <p:cNvPicPr>
+            <a:picLocks noChangeAspect="1"/>
+          </p:cNvPicPr>
+          <p:nvPr/>
+        </p:nvPicPr>
+        <p:blipFill>
+          <a:blip r:embed="rId2" cstate="print">
+            <a:extLst>
+              <a:ext uri="{28A0092B-C50C-407E-A947-70E740481C1C}">
+                <a14:useLocalDpi xmlns:a14="http://schemas.microsoft.com/office/drawing/2010/main" val="0"/>
+              </a:ext>
+            </a:extLst>
+          </a:blip>
+          <a:stretch>
+            <a:fillRect/>
+          </a:stretch>
+        </p:blipFill>
+        <p:spPr>
+          <a:xfrm>
+            <a:off x="381905" y="332656"/>
+            <a:ext cx="2497907" cy="648072"/>
+          </a:xfrm>
+          <a:prstGeom prst="rect">
+            <a:avLst/>
+          </a:prstGeom>
+        </p:spPr>
+      </p:pic>
+      <p:sp>
+        <p:nvSpPr>
+          <p:cNvPr id="8" name="TextBox 7">
+            <a:extLst>
+              <a:ext uri="{FF2B5EF4-FFF2-40B4-BE49-F238E27FC236}">
+                <a16:creationId xmlns:a16="http://schemas.microsoft.com/office/drawing/2014/main" id="{EAA6C1AB-CCDF-48DE-ABC5-F2E6E6781219}"/>
+              </a:ext>
+            </a:extLst>
+          </p:cNvPr>
+          <p:cNvSpPr txBox="1"/>
+          <p:nvPr/>
+        </p:nvSpPr>
+        <p:spPr>
+          <a:xfrm>
+            <a:off x="3275856" y="2132856"/>
+            <a:ext cx="3054524" cy="1107996"/>
+          </a:xfrm>
+          <a:prstGeom prst="rect">
+            <a:avLst/>
+          </a:prstGeom>
+          <a:noFill/>
+        </p:spPr>
+        <p:txBody>
+          <a:bodyPr wrap="square" rtlCol="0">
+            <a:spAutoFit/>
+          </a:bodyPr>
+          <a:lstStyle/>
+          <a:p>
+            <a:r>
+              <a:rPr lang="en-US" sz="6600" dirty="0">
+                <a:latin typeface="UT Sans Bold"/>
+              </a:rPr>
+              <a:t>DEMO</a:t>
+            </a:r>
+          </a:p>
+        </p:txBody>
+      </p:sp>
+    </p:spTree>
+    <p:extLst>
+      <p:ext uri="{BB962C8B-B14F-4D97-AF65-F5344CB8AC3E}">
+        <p14:creationId xmlns:p14="http://schemas.microsoft.com/office/powerpoint/2010/main" val="2217453342"/>
+      </p:ext>
+    </p:extLst>
+  </p:cSld>
+  <p:clrMapOvr>
+    <a:masterClrMapping/>
+  </p:clrMapOvr>
+</p:sld>
+</file>
+
 <file path=ppt/slides/slide3.xml><?xml version="1.0" encoding="utf-8"?>
 <p:sld xmlns:a="http://schemas.openxmlformats.org/drawingml/2006/main" xmlns:r="http://schemas.openxmlformats.org/officeDocument/2006/relationships" xmlns:p="http://schemas.openxmlformats.org/presentationml/2006/main">
   <p:cSld>
@@ -10943,7 +11525,7 @@
         <p:spPr>
           <a:xfrm>
             <a:off x="575556" y="1124744"/>
-            <a:ext cx="3528392" cy="646331"/>
+            <a:ext cx="3816424" cy="646331"/>
           </a:xfrm>
           <a:prstGeom prst="rect">
             <a:avLst/>
@@ -10989,7 +11571,7 @@
         <p:spPr>
           <a:xfrm>
             <a:off x="575556" y="1771075"/>
-            <a:ext cx="3260573" cy="1754326"/>
+            <a:ext cx="3816424" cy="1754326"/>
           </a:xfrm>
           <a:prstGeom prst="rect">
             <a:avLst/>
@@ -10997,7 +11579,7 @@
           <a:noFill/>
         </p:spPr>
         <p:txBody>
-          <a:bodyPr wrap="none" rtlCol="0">
+          <a:bodyPr wrap="square" rtlCol="0">
             <a:spAutoFit/>
           </a:bodyPr>
           <a:lstStyle/>
@@ -11457,7 +12039,7 @@
           <a:graphicData uri="http://schemas.openxmlformats.org/presentationml/2006/ole">
             <mc:AlternateContent xmlns:mc="http://schemas.openxmlformats.org/markup-compatibility/2006">
               <mc:Choice xmlns:v="urn:schemas-microsoft-com:vml" Requires="v">
-                <p:oleObj spid="_x0000_s1035" name="Visio" r:id="rId4" imgW="4419772" imgH="4210101" progId="Visio.Drawing.15">
+                <p:oleObj spid="_x0000_s1039" name="Visio" r:id="rId4" imgW="4419772" imgH="4210101" progId="Visio.Drawing.15">
                   <p:embed/>
                 </p:oleObj>
               </mc:Choice>
@@ -12065,7 +12647,7 @@
         <p:spPr>
           <a:xfrm>
             <a:off x="287524" y="1232756"/>
-            <a:ext cx="4932548" cy="646331"/>
+            <a:ext cx="5328592" cy="646331"/>
           </a:xfrm>
           <a:prstGeom prst="rect">
             <a:avLst/>
@@ -13033,7 +13615,7 @@
           <a:graphicData uri="http://schemas.openxmlformats.org/presentationml/2006/ole">
             <mc:AlternateContent xmlns:mc="http://schemas.openxmlformats.org/markup-compatibility/2006">
               <mc:Choice xmlns:v="urn:schemas-microsoft-com:vml" Requires="v">
-                <p:oleObj spid="_x0000_s2058" name="Visio" r:id="rId5" imgW="6372214" imgH="8305634" progId="Visio.Drawing.15">
+                <p:oleObj spid="_x0000_s2062" name="Visio" r:id="rId5" imgW="6372214" imgH="8305634" progId="Visio.Drawing.15">
                   <p:embed/>
                 </p:oleObj>
               </mc:Choice>
@@ -13739,7 +14321,7 @@
           <a:graphicData uri="http://schemas.openxmlformats.org/presentationml/2006/ole">
             <mc:AlternateContent xmlns:mc="http://schemas.openxmlformats.org/markup-compatibility/2006">
               <mc:Choice xmlns:v="urn:schemas-microsoft-com:vml" Requires="v">
-                <p:oleObj spid="_x0000_s3093" name="Visio" r:id="rId5" imgW="4476599" imgH="2933687" progId="Visio.Drawing.15">
+                <p:oleObj spid="_x0000_s3101" name="Visio" r:id="rId5" imgW="4476599" imgH="2933687" progId="Visio.Drawing.15">
                   <p:embed/>
                 </p:oleObj>
               </mc:Choice>
@@ -13890,7 +14472,7 @@
           <a:graphicData uri="http://schemas.openxmlformats.org/presentationml/2006/ole">
             <mc:AlternateContent xmlns:mc="http://schemas.openxmlformats.org/markup-compatibility/2006">
               <mc:Choice xmlns:v="urn:schemas-microsoft-com:vml" Requires="v">
-                <p:oleObj spid="_x0000_s3094" name="Visio" r:id="rId7" imgW="4933972" imgH="561828" progId="Visio.Drawing.15">
+                <p:oleObj spid="_x0000_s3102" name="Visio" r:id="rId7" imgW="4933972" imgH="561828" progId="Visio.Drawing.15">
                   <p:embed/>
                 </p:oleObj>
               </mc:Choice>
@@ -14596,7 +15178,7 @@
           <a:graphicData uri="http://schemas.openxmlformats.org/presentationml/2006/ole">
             <mc:AlternateContent xmlns:mc="http://schemas.openxmlformats.org/markup-compatibility/2006">
               <mc:Choice xmlns:v="urn:schemas-microsoft-com:vml" Requires="v">
-                <p:oleObj spid="_x0000_s4106" name="Visio" r:id="rId4" imgW="4791043" imgH="1771497" progId="Visio.Drawing.15">
+                <p:oleObj spid="_x0000_s4110" name="Visio" r:id="rId4" imgW="4791043" imgH="1771497" progId="Visio.Drawing.15">
                   <p:embed/>
                 </p:oleObj>
               </mc:Choice>

--- a/Presentation/Presentation.pptx
+++ b/Presentation/Presentation.pptx
@@ -11,20 +11,22 @@
     <p:sldId id="261" r:id="rId5"/>
     <p:sldId id="262" r:id="rId6"/>
     <p:sldId id="263" r:id="rId7"/>
-    <p:sldId id="264" r:id="rId8"/>
-    <p:sldId id="265" r:id="rId9"/>
-    <p:sldId id="266" r:id="rId10"/>
-    <p:sldId id="267" r:id="rId11"/>
-    <p:sldId id="268" r:id="rId12"/>
-    <p:sldId id="269" r:id="rId13"/>
+    <p:sldId id="269" r:id="rId8"/>
+    <p:sldId id="264" r:id="rId9"/>
+    <p:sldId id="265" r:id="rId10"/>
+    <p:sldId id="266" r:id="rId11"/>
+    <p:sldId id="267" r:id="rId12"/>
+    <p:sldId id="268" r:id="rId13"/>
     <p:sldId id="277" r:id="rId14"/>
-    <p:sldId id="276" r:id="rId15"/>
-    <p:sldId id="273" r:id="rId16"/>
-    <p:sldId id="271" r:id="rId17"/>
-    <p:sldId id="272" r:id="rId18"/>
+    <p:sldId id="279" r:id="rId15"/>
+    <p:sldId id="276" r:id="rId16"/>
+    <p:sldId id="273" r:id="rId17"/>
+    <p:sldId id="271" r:id="rId18"/>
     <p:sldId id="274" r:id="rId19"/>
-    <p:sldId id="259" r:id="rId20"/>
-    <p:sldId id="275" r:id="rId21"/>
+    <p:sldId id="272" r:id="rId20"/>
+    <p:sldId id="278" r:id="rId21"/>
+    <p:sldId id="259" r:id="rId22"/>
+    <p:sldId id="275" r:id="rId23"/>
   </p:sldIdLst>
   <p:sldSz cx="9144000" cy="6858000" type="screen4x3"/>
   <p:notesSz cx="6858000" cy="9144000"/>
@@ -297,7 +299,7 @@
           <a:p>
             <a:fld id="{842CD987-D5F0-423A-B571-656612AAA3E1}" type="datetimeFigureOut">
               <a:rPr lang="en-US" smtClean="0"/>
-              <a:t>5/6/2019</a:t>
+              <a:t>5/10/2019</a:t>
             </a:fld>
             <a:endParaRPr lang="en-US"/>
           </a:p>
@@ -460,7 +462,7 @@
           <a:p>
             <a:fld id="{842CD987-D5F0-423A-B571-656612AAA3E1}" type="datetimeFigureOut">
               <a:rPr lang="en-US" smtClean="0"/>
-              <a:t>5/6/2019</a:t>
+              <a:t>5/10/2019</a:t>
             </a:fld>
             <a:endParaRPr lang="en-US"/>
           </a:p>
@@ -633,7 +635,7 @@
           <a:p>
             <a:fld id="{842CD987-D5F0-423A-B571-656612AAA3E1}" type="datetimeFigureOut">
               <a:rPr lang="en-US" smtClean="0"/>
-              <a:t>5/6/2019</a:t>
+              <a:t>5/10/2019</a:t>
             </a:fld>
             <a:endParaRPr lang="en-US"/>
           </a:p>
@@ -796,7 +798,7 @@
           <a:p>
             <a:fld id="{842CD987-D5F0-423A-B571-656612AAA3E1}" type="datetimeFigureOut">
               <a:rPr lang="en-US" smtClean="0"/>
-              <a:t>5/6/2019</a:t>
+              <a:t>5/10/2019</a:t>
             </a:fld>
             <a:endParaRPr lang="en-US"/>
           </a:p>
@@ -1036,7 +1038,7 @@
           <a:p>
             <a:fld id="{842CD987-D5F0-423A-B571-656612AAA3E1}" type="datetimeFigureOut">
               <a:rPr lang="en-US" smtClean="0"/>
-              <a:t>5/6/2019</a:t>
+              <a:t>5/10/2019</a:t>
             </a:fld>
             <a:endParaRPr lang="en-US"/>
           </a:p>
@@ -1260,7 +1262,7 @@
           <a:p>
             <a:fld id="{842CD987-D5F0-423A-B571-656612AAA3E1}" type="datetimeFigureOut">
               <a:rPr lang="en-US" smtClean="0"/>
-              <a:t>5/6/2019</a:t>
+              <a:t>5/10/2019</a:t>
             </a:fld>
             <a:endParaRPr lang="en-US"/>
           </a:p>
@@ -1619,7 +1621,7 @@
           <a:p>
             <a:fld id="{842CD987-D5F0-423A-B571-656612AAA3E1}" type="datetimeFigureOut">
               <a:rPr lang="en-US" smtClean="0"/>
-              <a:t>5/6/2019</a:t>
+              <a:t>5/10/2019</a:t>
             </a:fld>
             <a:endParaRPr lang="en-US"/>
           </a:p>
@@ -1731,7 +1733,7 @@
           <a:p>
             <a:fld id="{842CD987-D5F0-423A-B571-656612AAA3E1}" type="datetimeFigureOut">
               <a:rPr lang="en-US" smtClean="0"/>
-              <a:t>5/6/2019</a:t>
+              <a:t>5/10/2019</a:t>
             </a:fld>
             <a:endParaRPr lang="en-US"/>
           </a:p>
@@ -1821,7 +1823,7 @@
           <a:p>
             <a:fld id="{842CD987-D5F0-423A-B571-656612AAA3E1}" type="datetimeFigureOut">
               <a:rPr lang="en-US" smtClean="0"/>
-              <a:t>5/6/2019</a:t>
+              <a:t>5/10/2019</a:t>
             </a:fld>
             <a:endParaRPr lang="en-US"/>
           </a:p>
@@ -2091,7 +2093,7 @@
           <a:p>
             <a:fld id="{842CD987-D5F0-423A-B571-656612AAA3E1}" type="datetimeFigureOut">
               <a:rPr lang="en-US" smtClean="0"/>
-              <a:t>5/6/2019</a:t>
+              <a:t>5/10/2019</a:t>
             </a:fld>
             <a:endParaRPr lang="en-US"/>
           </a:p>
@@ -2338,7 +2340,7 @@
           <a:p>
             <a:fld id="{842CD987-D5F0-423A-B571-656612AAA3E1}" type="datetimeFigureOut">
               <a:rPr lang="en-US" smtClean="0"/>
-              <a:t>5/6/2019</a:t>
+              <a:t>5/10/2019</a:t>
             </a:fld>
             <a:endParaRPr lang="en-US"/>
           </a:p>
@@ -2549,7 +2551,7 @@
           <a:p>
             <a:fld id="{842CD987-D5F0-423A-B571-656612AAA3E1}" type="datetimeFigureOut">
               <a:rPr lang="en-US" smtClean="0"/>
-              <a:t>5/6/2019</a:t>
+              <a:t>5/10/2019</a:t>
             </a:fld>
             <a:endParaRPr lang="en-US"/>
           </a:p>
@@ -3823,46 +3825,6 @@
           </a:p>
         </p:txBody>
       </p:sp>
-      <p:sp>
-        <p:nvSpPr>
-          <p:cNvPr id="2" name="TextBox 1"/>
-          <p:cNvSpPr txBox="1"/>
-          <p:nvPr/>
-        </p:nvSpPr>
-        <p:spPr>
-          <a:xfrm>
-            <a:off x="703638" y="3613035"/>
-            <a:ext cx="2363468" cy="646331"/>
-          </a:xfrm>
-          <a:prstGeom prst="rect">
-            <a:avLst/>
-          </a:prstGeom>
-          <a:noFill/>
-        </p:spPr>
-        <p:txBody>
-          <a:bodyPr wrap="none" rtlCol="0">
-            <a:spAutoFit/>
-          </a:bodyPr>
-          <a:lstStyle/>
-          <a:p>
-            <a:r>
-              <a:rPr lang="en-US" dirty="0" smtClean="0"/>
-              <a:t>May 2019</a:t>
-            </a:r>
-          </a:p>
-          <a:p>
-            <a:r>
-              <a:rPr lang="en-US" dirty="0" err="1" smtClean="0"/>
-              <a:t>Digilent</a:t>
-            </a:r>
-            <a:r>
-              <a:rPr lang="en-US" dirty="0" smtClean="0"/>
-              <a:t> Design Contest</a:t>
-            </a:r>
-            <a:endParaRPr lang="ro-RO" dirty="0"/>
-          </a:p>
-        </p:txBody>
-      </p:sp>
     </p:spTree>
     <p:extLst>
       <p:ext uri="{BB962C8B-B14F-4D97-AF65-F5344CB8AC3E}">
@@ -4056,10 +4018,10 @@
       </p:pic>
       <p:sp>
         <p:nvSpPr>
-          <p:cNvPr id="8" name="Rectangle 7">
+          <p:cNvPr id="2" name="Rectangle 1">
             <a:extLst>
               <a:ext uri="{FF2B5EF4-FFF2-40B4-BE49-F238E27FC236}">
-                <a16:creationId xmlns:a16="http://schemas.microsoft.com/office/drawing/2014/main" id="{17B5440F-692A-4AA0-92D4-46D69052672E}"/>
+                <a16:creationId xmlns:a16="http://schemas.microsoft.com/office/drawing/2014/main" id="{E1DB0BBC-37F2-4814-8887-65D4C1D486C4}"/>
               </a:ext>
             </a:extLst>
           </p:cNvPr>
@@ -4069,7 +4031,7 @@
         <p:spPr>
           <a:xfrm>
             <a:off x="134894" y="1233626"/>
-            <a:ext cx="3523080" cy="646331"/>
+            <a:ext cx="2981522" cy="646331"/>
           </a:xfrm>
           <a:prstGeom prst="rect">
             <a:avLst/>
@@ -4085,17 +4047,17 @@
               <a:rPr lang="en-US" sz="3600" dirty="0">
                 <a:latin typeface="UT Sans Bold"/>
               </a:rPr>
-              <a:t>Image sharpening</a:t>
+              <a:t>Edge detection</a:t>
             </a:r>
           </a:p>
         </p:txBody>
       </p:sp>
       <p:sp>
         <p:nvSpPr>
-          <p:cNvPr id="2" name="Rectangle 2">
+          <p:cNvPr id="3" name="Rectangle 2">
             <a:extLst>
               <a:ext uri="{FF2B5EF4-FFF2-40B4-BE49-F238E27FC236}">
-                <a16:creationId xmlns:a16="http://schemas.microsoft.com/office/drawing/2014/main" id="{6C868E64-F271-4014-A5FD-824C93534A3A}"/>
+                <a16:creationId xmlns:a16="http://schemas.microsoft.com/office/drawing/2014/main" id="{419B6475-1E1A-400B-8E72-B123A232FA55}"/>
               </a:ext>
             </a:extLst>
           </p:cNvPr>
@@ -4106,7 +4068,7 @@
         </p:nvSpPr>
         <p:spPr bwMode="auto">
           <a:xfrm>
-            <a:off x="3321703" y="1340768"/>
+            <a:off x="2865176" y="2132856"/>
             <a:ext cx="9144000" cy="0"/>
           </a:xfrm>
           <a:prstGeom prst="rect">
@@ -4161,6 +4123,721 @@
       </p:sp>
       <p:graphicFrame>
         <p:nvGraphicFramePr>
+          <p:cNvPr id="8" name="Object 7">
+            <a:extLst>
+              <a:ext uri="{FF2B5EF4-FFF2-40B4-BE49-F238E27FC236}">
+                <a16:creationId xmlns:a16="http://schemas.microsoft.com/office/drawing/2014/main" id="{8B5E35CE-1346-4724-BEBC-6D63B14B2FA8}"/>
+              </a:ext>
+            </a:extLst>
+          </p:cNvPr>
+          <p:cNvGraphicFramePr>
+            <a:graphicFrameLocks noChangeAspect="1"/>
+          </p:cNvGraphicFramePr>
+          <p:nvPr>
+            <p:extLst>
+              <p:ext uri="{D42A27DB-BD31-4B8C-83A1-F6EECF244321}">
+                <p14:modId xmlns:p14="http://schemas.microsoft.com/office/powerpoint/2010/main" val="2614314306"/>
+              </p:ext>
+            </p:extLst>
+          </p:nvPr>
+        </p:nvGraphicFramePr>
+        <p:xfrm>
+          <a:off x="383075" y="2091596"/>
+          <a:ext cx="6219825" cy="2286000"/>
+        </p:xfrm>
+        <a:graphic>
+          <a:graphicData uri="http://schemas.openxmlformats.org/presentationml/2006/ole">
+            <mc:AlternateContent xmlns:mc="http://schemas.openxmlformats.org/markup-compatibility/2006">
+              <mc:Choice xmlns:v="urn:schemas-microsoft-com:vml" Requires="v">
+                <p:oleObj spid="_x0000_s4109" name="Visio" r:id="rId4" imgW="4791043" imgH="1771497" progId="Visio.Drawing.15">
+                  <p:embed/>
+                </p:oleObj>
+              </mc:Choice>
+              <mc:Fallback>
+                <p:oleObj name="Visio" r:id="rId4" imgW="4791043" imgH="1771497" progId="Visio.Drawing.15">
+                  <p:embed/>
+                  <p:pic>
+                    <p:nvPicPr>
+                      <p:cNvPr id="0" name="Object 1"/>
+                      <p:cNvPicPr>
+                        <a:picLocks noChangeAspect="1" noChangeArrowheads="1"/>
+                      </p:cNvPicPr>
+                      <p:nvPr/>
+                    </p:nvPicPr>
+                    <p:blipFill>
+                      <a:blip r:embed="rId5">
+                        <a:extLst>
+                          <a:ext uri="{28A0092B-C50C-407E-A947-70E740481C1C}">
+                            <a14:useLocalDpi xmlns:a14="http://schemas.microsoft.com/office/drawing/2010/main" val="0"/>
+                          </a:ext>
+                        </a:extLst>
+                      </a:blip>
+                      <a:srcRect/>
+                      <a:stretch>
+                        <a:fillRect/>
+                      </a:stretch>
+                    </p:blipFill>
+                    <p:spPr bwMode="auto">
+                      <a:xfrm>
+                        <a:off x="383075" y="2091596"/>
+                        <a:ext cx="6219825" cy="2286000"/>
+                      </a:xfrm>
+                      <a:prstGeom prst="rect">
+                        <a:avLst/>
+                      </a:prstGeom>
+                      <a:noFill/>
+                      <a:extLst>
+                        <a:ext uri="{909E8E84-426E-40DD-AFC4-6F175D3DCCD1}">
+                          <a14:hiddenFill xmlns:a14="http://schemas.microsoft.com/office/drawing/2010/main">
+                            <a:solidFill>
+                              <a:srgbClr val="FFFFFF"/>
+                            </a:solidFill>
+                          </a14:hiddenFill>
+                        </a:ext>
+                      </a:extLst>
+                    </p:spPr>
+                  </p:pic>
+                </p:oleObj>
+              </mc:Fallback>
+            </mc:AlternateContent>
+          </a:graphicData>
+        </a:graphic>
+      </p:graphicFrame>
+      <p:pic>
+        <p:nvPicPr>
+          <p:cNvPr id="10" name="Picture 9">
+            <a:extLst>
+              <a:ext uri="{FF2B5EF4-FFF2-40B4-BE49-F238E27FC236}">
+                <a16:creationId xmlns:a16="http://schemas.microsoft.com/office/drawing/2014/main" id="{FE19CDFE-4893-4AF0-B5CA-0773C90F2E0E}"/>
+              </a:ext>
+            </a:extLst>
+          </p:cNvPr>
+          <p:cNvPicPr>
+            <a:picLocks noChangeAspect="1"/>
+          </p:cNvPicPr>
+          <p:nvPr/>
+        </p:nvPicPr>
+        <p:blipFill>
+          <a:blip r:embed="rId6">
+            <a:extLst>
+              <a:ext uri="{28A0092B-C50C-407E-A947-70E740481C1C}">
+                <a14:useLocalDpi xmlns:a14="http://schemas.microsoft.com/office/drawing/2010/main" val="0"/>
+              </a:ext>
+            </a:extLst>
+          </a:blip>
+          <a:stretch>
+            <a:fillRect/>
+          </a:stretch>
+        </p:blipFill>
+        <p:spPr>
+          <a:xfrm>
+            <a:off x="4824722" y="855476"/>
+            <a:ext cx="2339566" cy="1476747"/>
+          </a:xfrm>
+          <a:prstGeom prst="rect">
+            <a:avLst/>
+          </a:prstGeom>
+        </p:spPr>
+      </p:pic>
+      <p:pic>
+        <p:nvPicPr>
+          <p:cNvPr id="11" name="Picture 10">
+            <a:extLst>
+              <a:ext uri="{FF2B5EF4-FFF2-40B4-BE49-F238E27FC236}">
+                <a16:creationId xmlns:a16="http://schemas.microsoft.com/office/drawing/2014/main" id="{3F3EE3D2-A766-4DBE-A8DE-20C22CCC0345}"/>
+              </a:ext>
+            </a:extLst>
+          </p:cNvPr>
+          <p:cNvPicPr/>
+          <p:nvPr/>
+        </p:nvPicPr>
+        <p:blipFill>
+          <a:blip r:embed="rId7" cstate="print">
+            <a:extLst>
+              <a:ext uri="{28A0092B-C50C-407E-A947-70E740481C1C}">
+                <a14:useLocalDpi xmlns:a14="http://schemas.microsoft.com/office/drawing/2010/main" val="0"/>
+              </a:ext>
+            </a:extLst>
+          </a:blip>
+          <a:srcRect/>
+          <a:stretch>
+            <a:fillRect/>
+          </a:stretch>
+        </p:blipFill>
+        <p:spPr bwMode="auto">
+          <a:xfrm>
+            <a:off x="755015" y="4685951"/>
+            <a:ext cx="3240898" cy="1622807"/>
+          </a:xfrm>
+          <a:prstGeom prst="rect">
+            <a:avLst/>
+          </a:prstGeom>
+          <a:noFill/>
+          <a:ln>
+            <a:noFill/>
+          </a:ln>
+        </p:spPr>
+      </p:pic>
+      <p:pic>
+        <p:nvPicPr>
+          <p:cNvPr id="12" name="Picture 11">
+            <a:extLst>
+              <a:ext uri="{FF2B5EF4-FFF2-40B4-BE49-F238E27FC236}">
+                <a16:creationId xmlns:a16="http://schemas.microsoft.com/office/drawing/2014/main" id="{A40C6534-9852-47FA-9DD1-2270C46FD7A7}"/>
+              </a:ext>
+            </a:extLst>
+          </p:cNvPr>
+          <p:cNvPicPr/>
+          <p:nvPr/>
+        </p:nvPicPr>
+        <p:blipFill>
+          <a:blip r:embed="rId8" cstate="print">
+            <a:extLst>
+              <a:ext uri="{28A0092B-C50C-407E-A947-70E740481C1C}">
+                <a14:useLocalDpi xmlns:a14="http://schemas.microsoft.com/office/drawing/2010/main" val="0"/>
+              </a:ext>
+            </a:extLst>
+          </a:blip>
+          <a:srcRect/>
+          <a:stretch>
+            <a:fillRect/>
+          </a:stretch>
+        </p:blipFill>
+        <p:spPr bwMode="auto">
+          <a:xfrm>
+            <a:off x="4982451" y="4675814"/>
+            <a:ext cx="3240898" cy="1632944"/>
+          </a:xfrm>
+          <a:prstGeom prst="rect">
+            <a:avLst/>
+          </a:prstGeom>
+          <a:noFill/>
+          <a:ln>
+            <a:noFill/>
+          </a:ln>
+        </p:spPr>
+      </p:pic>
+      <p:sp>
+        <p:nvSpPr>
+          <p:cNvPr id="13" name="Arrow: Right 12">
+            <a:extLst>
+              <a:ext uri="{FF2B5EF4-FFF2-40B4-BE49-F238E27FC236}">
+                <a16:creationId xmlns:a16="http://schemas.microsoft.com/office/drawing/2014/main" id="{B3F536FA-4447-412D-9D8E-E3D04F03345D}"/>
+              </a:ext>
+            </a:extLst>
+          </p:cNvPr>
+          <p:cNvSpPr/>
+          <p:nvPr/>
+        </p:nvSpPr>
+        <p:spPr>
+          <a:xfrm>
+            <a:off x="4068638" y="5289231"/>
+            <a:ext cx="756084" cy="432048"/>
+          </a:xfrm>
+          <a:prstGeom prst="rightArrow">
+            <a:avLst/>
+          </a:prstGeom>
+        </p:spPr>
+        <p:style>
+          <a:lnRef idx="2">
+            <a:schemeClr val="accent1">
+              <a:shade val="50000"/>
+            </a:schemeClr>
+          </a:lnRef>
+          <a:fillRef idx="1">
+            <a:schemeClr val="accent1"/>
+          </a:fillRef>
+          <a:effectRef idx="0">
+            <a:schemeClr val="accent1"/>
+          </a:effectRef>
+          <a:fontRef idx="minor">
+            <a:schemeClr val="lt1"/>
+          </a:fontRef>
+        </p:style>
+        <p:txBody>
+          <a:bodyPr rtlCol="0" anchor="ctr"/>
+          <a:lstStyle/>
+          <a:p>
+            <a:pPr algn="ctr"/>
+            <a:endParaRPr lang="en-US"/>
+          </a:p>
+        </p:txBody>
+      </p:sp>
+    </p:spTree>
+    <p:extLst>
+      <p:ext uri="{BB962C8B-B14F-4D97-AF65-F5344CB8AC3E}">
+        <p14:creationId xmlns:p14="http://schemas.microsoft.com/office/powerpoint/2010/main" val="2511448505"/>
+      </p:ext>
+    </p:extLst>
+  </p:cSld>
+  <p:clrMapOvr>
+    <a:masterClrMapping/>
+  </p:clrMapOvr>
+  <p:timing>
+    <p:tnLst>
+      <p:par>
+        <p:cTn id="1" dur="indefinite" restart="never" nodeType="tmRoot">
+          <p:childTnLst>
+            <p:seq concurrent="1" nextAc="seek">
+              <p:cTn id="2" dur="indefinite" nodeType="mainSeq">
+                <p:childTnLst>
+                  <p:par>
+                    <p:cTn id="3" fill="hold">
+                      <p:stCondLst>
+                        <p:cond delay="indefinite"/>
+                      </p:stCondLst>
+                      <p:childTnLst>
+                        <p:par>
+                          <p:cTn id="4" fill="hold">
+                            <p:stCondLst>
+                              <p:cond delay="0"/>
+                            </p:stCondLst>
+                            <p:childTnLst>
+                              <p:par>
+                                <p:cTn id="5" presetID="1" presetClass="entr" presetSubtype="0" fill="hold" nodeType="clickEffect">
+                                  <p:stCondLst>
+                                    <p:cond delay="0"/>
+                                  </p:stCondLst>
+                                  <p:childTnLst>
+                                    <p:set>
+                                      <p:cBhvr>
+                                        <p:cTn id="6" dur="1" fill="hold">
+                                          <p:stCondLst>
+                                            <p:cond delay="0"/>
+                                          </p:stCondLst>
+                                        </p:cTn>
+                                        <p:tgtEl>
+                                          <p:spTgt spid="8"/>
+                                        </p:tgtEl>
+                                        <p:attrNameLst>
+                                          <p:attrName>style.visibility</p:attrName>
+                                        </p:attrNameLst>
+                                      </p:cBhvr>
+                                      <p:to>
+                                        <p:strVal val="visible"/>
+                                      </p:to>
+                                    </p:set>
+                                  </p:childTnLst>
+                                </p:cTn>
+                              </p:par>
+                            </p:childTnLst>
+                          </p:cTn>
+                        </p:par>
+                      </p:childTnLst>
+                    </p:cTn>
+                  </p:par>
+                  <p:par>
+                    <p:cTn id="7" fill="hold">
+                      <p:stCondLst>
+                        <p:cond delay="indefinite"/>
+                      </p:stCondLst>
+                      <p:childTnLst>
+                        <p:par>
+                          <p:cTn id="8" fill="hold">
+                            <p:stCondLst>
+                              <p:cond delay="0"/>
+                            </p:stCondLst>
+                            <p:childTnLst>
+                              <p:par>
+                                <p:cTn id="9" presetID="1" presetClass="entr" presetSubtype="0" fill="hold" nodeType="clickEffect">
+                                  <p:stCondLst>
+                                    <p:cond delay="0"/>
+                                  </p:stCondLst>
+                                  <p:childTnLst>
+                                    <p:set>
+                                      <p:cBhvr>
+                                        <p:cTn id="10" dur="1" fill="hold">
+                                          <p:stCondLst>
+                                            <p:cond delay="0"/>
+                                          </p:stCondLst>
+                                        </p:cTn>
+                                        <p:tgtEl>
+                                          <p:spTgt spid="11"/>
+                                        </p:tgtEl>
+                                        <p:attrNameLst>
+                                          <p:attrName>style.visibility</p:attrName>
+                                        </p:attrNameLst>
+                                      </p:cBhvr>
+                                      <p:to>
+                                        <p:strVal val="visible"/>
+                                      </p:to>
+                                    </p:set>
+                                  </p:childTnLst>
+                                </p:cTn>
+                              </p:par>
+                              <p:par>
+                                <p:cTn id="11" presetID="1" presetClass="entr" presetSubtype="0" fill="hold" grpId="0" nodeType="withEffect">
+                                  <p:stCondLst>
+                                    <p:cond delay="0"/>
+                                  </p:stCondLst>
+                                  <p:childTnLst>
+                                    <p:set>
+                                      <p:cBhvr>
+                                        <p:cTn id="12" dur="1" fill="hold">
+                                          <p:stCondLst>
+                                            <p:cond delay="0"/>
+                                          </p:stCondLst>
+                                        </p:cTn>
+                                        <p:tgtEl>
+                                          <p:spTgt spid="13"/>
+                                        </p:tgtEl>
+                                        <p:attrNameLst>
+                                          <p:attrName>style.visibility</p:attrName>
+                                        </p:attrNameLst>
+                                      </p:cBhvr>
+                                      <p:to>
+                                        <p:strVal val="visible"/>
+                                      </p:to>
+                                    </p:set>
+                                  </p:childTnLst>
+                                </p:cTn>
+                              </p:par>
+                              <p:par>
+                                <p:cTn id="13" presetID="1" presetClass="entr" presetSubtype="0" fill="hold" nodeType="withEffect">
+                                  <p:stCondLst>
+                                    <p:cond delay="0"/>
+                                  </p:stCondLst>
+                                  <p:childTnLst>
+                                    <p:set>
+                                      <p:cBhvr>
+                                        <p:cTn id="14" dur="1" fill="hold">
+                                          <p:stCondLst>
+                                            <p:cond delay="0"/>
+                                          </p:stCondLst>
+                                        </p:cTn>
+                                        <p:tgtEl>
+                                          <p:spTgt spid="12"/>
+                                        </p:tgtEl>
+                                        <p:attrNameLst>
+                                          <p:attrName>style.visibility</p:attrName>
+                                        </p:attrNameLst>
+                                      </p:cBhvr>
+                                      <p:to>
+                                        <p:strVal val="visible"/>
+                                      </p:to>
+                                    </p:set>
+                                  </p:childTnLst>
+                                </p:cTn>
+                              </p:par>
+                            </p:childTnLst>
+                          </p:cTn>
+                        </p:par>
+                      </p:childTnLst>
+                    </p:cTn>
+                  </p:par>
+                </p:childTnLst>
+              </p:cTn>
+              <p:prevCondLst>
+                <p:cond evt="onPrev" delay="0">
+                  <p:tgtEl>
+                    <p:sldTgt/>
+                  </p:tgtEl>
+                </p:cond>
+              </p:prevCondLst>
+              <p:nextCondLst>
+                <p:cond evt="onNext" delay="0">
+                  <p:tgtEl>
+                    <p:sldTgt/>
+                  </p:tgtEl>
+                </p:cond>
+              </p:nextCondLst>
+            </p:seq>
+          </p:childTnLst>
+        </p:cTn>
+      </p:par>
+    </p:tnLst>
+    <p:bldLst>
+      <p:bldP spid="13" grpId="0" animBg="1"/>
+    </p:bldLst>
+  </p:timing>
+</p:sld>
+</file>
+
+<file path=ppt/slides/slide11.xml><?xml version="1.0" encoding="utf-8"?>
+<p:sld xmlns:a="http://schemas.openxmlformats.org/drawingml/2006/main" xmlns:r="http://schemas.openxmlformats.org/officeDocument/2006/relationships" xmlns:p="http://schemas.openxmlformats.org/presentationml/2006/main">
+  <p:cSld>
+    <p:spTree>
+      <p:nvGrpSpPr>
+        <p:cNvPr id="1" name=""/>
+        <p:cNvGrpSpPr/>
+        <p:nvPr/>
+      </p:nvGrpSpPr>
+      <p:grpSpPr>
+        <a:xfrm>
+          <a:off x="0" y="0"/>
+          <a:ext cx="0" cy="0"/>
+          <a:chOff x="0" y="0"/>
+          <a:chExt cx="0" cy="0"/>
+        </a:xfrm>
+      </p:grpSpPr>
+      <p:grpSp>
+        <p:nvGrpSpPr>
+          <p:cNvPr id="4" name="Group 3"/>
+          <p:cNvGrpSpPr/>
+          <p:nvPr/>
+        </p:nvGrpSpPr>
+        <p:grpSpPr>
+          <a:xfrm>
+            <a:off x="8460432" y="6237312"/>
+            <a:ext cx="216000" cy="216000"/>
+            <a:chOff x="2772000" y="1932221"/>
+            <a:chExt cx="2340000" cy="2340000"/>
+          </a:xfrm>
+        </p:grpSpPr>
+        <p:sp>
+          <p:nvSpPr>
+            <p:cNvPr id="5" name="Rectangle 4"/>
+            <p:cNvSpPr/>
+            <p:nvPr/>
+          </p:nvSpPr>
+          <p:spPr>
+            <a:xfrm>
+              <a:off x="2772000" y="1932221"/>
+              <a:ext cx="2340000" cy="2340000"/>
+            </a:xfrm>
+            <a:prstGeom prst="rect">
+              <a:avLst/>
+            </a:prstGeom>
+            <a:solidFill>
+              <a:schemeClr val="bg1">
+                <a:lumMod val="75000"/>
+              </a:schemeClr>
+            </a:solidFill>
+            <a:ln>
+              <a:noFill/>
+            </a:ln>
+          </p:spPr>
+          <p:style>
+            <a:lnRef idx="2">
+              <a:schemeClr val="accent1">
+                <a:shade val="50000"/>
+              </a:schemeClr>
+            </a:lnRef>
+            <a:fillRef idx="1">
+              <a:schemeClr val="accent1"/>
+            </a:fillRef>
+            <a:effectRef idx="0">
+              <a:schemeClr val="accent1"/>
+            </a:effectRef>
+            <a:fontRef idx="minor">
+              <a:schemeClr val="lt1"/>
+            </a:fontRef>
+          </p:style>
+          <p:txBody>
+            <a:bodyPr rtlCol="0" anchor="ctr"/>
+            <a:lstStyle/>
+            <a:p>
+              <a:pPr algn="ctr"/>
+              <a:endParaRPr lang="en-US">
+                <a:ln>
+                  <a:solidFill>
+                    <a:schemeClr val="bg2">
+                      <a:lumMod val="75000"/>
+                    </a:schemeClr>
+                  </a:solidFill>
+                </a:ln>
+                <a:solidFill>
+                  <a:schemeClr val="tx1"/>
+                </a:solidFill>
+              </a:endParaRPr>
+            </a:p>
+          </p:txBody>
+        </p:sp>
+        <p:sp>
+          <p:nvSpPr>
+            <p:cNvPr id="6" name="Rectangle 5"/>
+            <p:cNvSpPr/>
+            <p:nvPr/>
+          </p:nvSpPr>
+          <p:spPr>
+            <a:xfrm>
+              <a:off x="3546000" y="2706221"/>
+              <a:ext cx="792000" cy="792000"/>
+            </a:xfrm>
+            <a:prstGeom prst="rect">
+              <a:avLst/>
+            </a:prstGeom>
+            <a:solidFill>
+              <a:schemeClr val="bg1"/>
+            </a:solidFill>
+            <a:ln>
+              <a:noFill/>
+            </a:ln>
+          </p:spPr>
+          <p:style>
+            <a:lnRef idx="2">
+              <a:schemeClr val="accent1">
+                <a:shade val="50000"/>
+              </a:schemeClr>
+            </a:lnRef>
+            <a:fillRef idx="1">
+              <a:schemeClr val="accent1"/>
+            </a:fillRef>
+            <a:effectRef idx="0">
+              <a:schemeClr val="accent1"/>
+            </a:effectRef>
+            <a:fontRef idx="minor">
+              <a:schemeClr val="lt1"/>
+            </a:fontRef>
+          </p:style>
+          <p:txBody>
+            <a:bodyPr rtlCol="0" anchor="ctr"/>
+            <a:lstStyle/>
+            <a:p>
+              <a:pPr algn="ctr"/>
+              <a:endParaRPr lang="en-US">
+                <a:ln>
+                  <a:solidFill>
+                    <a:schemeClr val="bg2">
+                      <a:lumMod val="75000"/>
+                    </a:schemeClr>
+                  </a:solidFill>
+                </a:ln>
+                <a:solidFill>
+                  <a:schemeClr val="tx1"/>
+                </a:solidFill>
+              </a:endParaRPr>
+            </a:p>
+          </p:txBody>
+        </p:sp>
+      </p:grpSp>
+      <p:pic>
+        <p:nvPicPr>
+          <p:cNvPr id="7" name="Picture 6"/>
+          <p:cNvPicPr>
+            <a:picLocks noChangeAspect="1"/>
+          </p:cNvPicPr>
+          <p:nvPr/>
+        </p:nvPicPr>
+        <p:blipFill>
+          <a:blip r:embed="rId3" cstate="print">
+            <a:extLst>
+              <a:ext uri="{28A0092B-C50C-407E-A947-70E740481C1C}">
+                <a14:useLocalDpi xmlns:a14="http://schemas.microsoft.com/office/drawing/2010/main" val="0"/>
+              </a:ext>
+            </a:extLst>
+          </a:blip>
+          <a:stretch>
+            <a:fillRect/>
+          </a:stretch>
+        </p:blipFill>
+        <p:spPr>
+          <a:xfrm>
+            <a:off x="381905" y="332656"/>
+            <a:ext cx="2497907" cy="648072"/>
+          </a:xfrm>
+          <a:prstGeom prst="rect">
+            <a:avLst/>
+          </a:prstGeom>
+        </p:spPr>
+      </p:pic>
+      <p:sp>
+        <p:nvSpPr>
+          <p:cNvPr id="8" name="Rectangle 7">
+            <a:extLst>
+              <a:ext uri="{FF2B5EF4-FFF2-40B4-BE49-F238E27FC236}">
+                <a16:creationId xmlns:a16="http://schemas.microsoft.com/office/drawing/2014/main" id="{17B5440F-692A-4AA0-92D4-46D69052672E}"/>
+              </a:ext>
+            </a:extLst>
+          </p:cNvPr>
+          <p:cNvSpPr/>
+          <p:nvPr/>
+        </p:nvSpPr>
+        <p:spPr>
+          <a:xfrm>
+            <a:off x="134894" y="1233626"/>
+            <a:ext cx="3523080" cy="646331"/>
+          </a:xfrm>
+          <a:prstGeom prst="rect">
+            <a:avLst/>
+          </a:prstGeom>
+        </p:spPr>
+        <p:txBody>
+          <a:bodyPr wrap="none">
+            <a:spAutoFit/>
+          </a:bodyPr>
+          <a:lstStyle/>
+          <a:p>
+            <a:r>
+              <a:rPr lang="en-US" sz="3600" dirty="0">
+                <a:latin typeface="UT Sans Bold"/>
+              </a:rPr>
+              <a:t>Image sharpening</a:t>
+            </a:r>
+          </a:p>
+        </p:txBody>
+      </p:sp>
+      <p:sp>
+        <p:nvSpPr>
+          <p:cNvPr id="2" name="Rectangle 2">
+            <a:extLst>
+              <a:ext uri="{FF2B5EF4-FFF2-40B4-BE49-F238E27FC236}">
+                <a16:creationId xmlns:a16="http://schemas.microsoft.com/office/drawing/2014/main" id="{6C868E64-F271-4014-A5FD-824C93534A3A}"/>
+              </a:ext>
+            </a:extLst>
+          </p:cNvPr>
+          <p:cNvSpPr>
+            <a:spLocks noChangeArrowheads="1"/>
+          </p:cNvSpPr>
+          <p:nvPr/>
+        </p:nvSpPr>
+        <p:spPr bwMode="auto">
+          <a:xfrm>
+            <a:off x="3321703" y="1340768"/>
+            <a:ext cx="9144000" cy="0"/>
+          </a:xfrm>
+          <a:prstGeom prst="rect">
+            <a:avLst/>
+          </a:prstGeom>
+          <a:noFill/>
+          <a:ln>
+            <a:noFill/>
+          </a:ln>
+          <a:effectLst/>
+          <a:extLst>
+            <a:ext uri="{909E8E84-426E-40DD-AFC4-6F175D3DCCD1}">
+              <a14:hiddenFill xmlns:a14="http://schemas.microsoft.com/office/drawing/2010/main">
+                <a:solidFill>
+                  <a:schemeClr val="accent1"/>
+                </a:solidFill>
+              </a14:hiddenFill>
+            </a:ext>
+            <a:ext uri="{91240B29-F687-4F45-9708-019B960494DF}">
+              <a14:hiddenLine xmlns:a14="http://schemas.microsoft.com/office/drawing/2010/main" w="9525">
+                <a:solidFill>
+                  <a:schemeClr val="tx1"/>
+                </a:solidFill>
+                <a:miter lim="800000"/>
+                <a:headEnd/>
+                <a:tailEnd/>
+              </a14:hiddenLine>
+            </a:ext>
+            <a:ext uri="{AF507438-7753-43E0-B8FC-AC1667EBCBE1}">
+              <a14:hiddenEffects xmlns:a14="http://schemas.microsoft.com/office/drawing/2010/main">
+                <a:effectLst>
+                  <a:outerShdw dist="35921" dir="2700000" algn="ctr" rotWithShape="0">
+                    <a:schemeClr val="bg2"/>
+                  </a:outerShdw>
+                </a:effectLst>
+              </a14:hiddenEffects>
+            </a:ext>
+          </a:extLst>
+        </p:spPr>
+        <p:txBody>
+          <a:bodyPr vert="horz" wrap="none" lIns="91440" tIns="45720" rIns="91440" bIns="45720" numCol="1" anchor="ctr" anchorCtr="0" compatLnSpc="1">
+            <a:prstTxWarp prst="textNoShape">
+              <a:avLst/>
+            </a:prstTxWarp>
+            <a:spAutoFit/>
+          </a:bodyPr>
+          <a:lstStyle/>
+          <a:p>
+            <a:endParaRPr lang="en-US"/>
+          </a:p>
+        </p:txBody>
+      </p:sp>
+      <p:graphicFrame>
+        <p:nvGraphicFramePr>
           <p:cNvPr id="3" name="Object 2">
             <a:extLst>
               <a:ext uri="{FF2B5EF4-FFF2-40B4-BE49-F238E27FC236}">
@@ -4187,7 +4864,7 @@
           <a:graphicData uri="http://schemas.openxmlformats.org/presentationml/2006/ole">
             <mc:AlternateContent xmlns:mc="http://schemas.openxmlformats.org/markup-compatibility/2006">
               <mc:Choice xmlns:v="urn:schemas-microsoft-com:vml" Requires="v">
-                <p:oleObj spid="_x0000_s5134" name="Visio" r:id="rId4" imgW="4686343" imgH="1304970" progId="Visio.Drawing.15">
+                <p:oleObj spid="_x0000_s5133" name="Visio" r:id="rId4" imgW="4686343" imgH="1304970" progId="Visio.Drawing.15">
                   <p:embed/>
                 </p:oleObj>
               </mc:Choice>
@@ -4898,7 +5575,7 @@
 </p:sld>
 </file>
 
-<file path=ppt/slides/slide11.xml><?xml version="1.0" encoding="utf-8"?>
+<file path=ppt/slides/slide12.xml><?xml version="1.0" encoding="utf-8"?>
 <p:sld xmlns:a="http://schemas.openxmlformats.org/drawingml/2006/main" xmlns:r="http://schemas.openxmlformats.org/officeDocument/2006/relationships" xmlns:p="http://schemas.openxmlformats.org/presentationml/2006/main">
   <p:cSld>
     <p:spTree>
@@ -5438,7 +6115,7 @@
           <a:graphicData uri="http://schemas.openxmlformats.org/presentationml/2006/ole">
             <mc:AlternateContent xmlns:mc="http://schemas.openxmlformats.org/markup-compatibility/2006">
               <mc:Choice xmlns:v="urn:schemas-microsoft-com:vml" Requires="v">
-                <p:oleObj spid="_x0000_s6158" name="Visio" r:id="rId5" imgW="4095685" imgH="2543194" progId="Visio.Drawing.15">
+                <p:oleObj spid="_x0000_s6157" name="Visio" r:id="rId5" imgW="4095685" imgH="2543194" progId="Visio.Drawing.15">
                   <p:embed/>
                 </p:oleObj>
               </mc:Choice>
@@ -5806,7 +6483,7 @@
 </p:sld>
 </file>
 
-<file path=ppt/slides/slide12.xml><?xml version="1.0" encoding="utf-8"?>
+<file path=ppt/slides/slide13.xml><?xml version="1.0" encoding="utf-8"?>
 <p:sld xmlns:a="http://schemas.openxmlformats.org/drawingml/2006/main" xmlns:r="http://schemas.openxmlformats.org/officeDocument/2006/relationships" xmlns:p="http://schemas.openxmlformats.org/presentationml/2006/main">
   <p:cSld>
     <p:spTree>
@@ -5986,10 +6663,10 @@
       </p:pic>
       <p:sp>
         <p:nvSpPr>
-          <p:cNvPr id="2" name="Rectangle 1">
+          <p:cNvPr id="8" name="Rectangle 7">
             <a:extLst>
               <a:ext uri="{FF2B5EF4-FFF2-40B4-BE49-F238E27FC236}">
-                <a16:creationId xmlns:a16="http://schemas.microsoft.com/office/drawing/2014/main" id="{20A5B0E5-E70C-476A-9B34-6A0055BDCB5A}"/>
+                <a16:creationId xmlns:a16="http://schemas.microsoft.com/office/drawing/2014/main" id="{D8D0E6A6-871B-40CB-8474-EF83C507DFEF}"/>
               </a:ext>
             </a:extLst>
           </p:cNvPr>
@@ -5998,8 +6675,8 @@
         </p:nvSpPr>
         <p:spPr>
           <a:xfrm>
-            <a:off x="107504" y="1196752"/>
-            <a:ext cx="5346977" cy="646331"/>
+            <a:off x="134894" y="1233626"/>
+            <a:ext cx="1846852" cy="646331"/>
           </a:xfrm>
           <a:prstGeom prst="rect">
             <a:avLst/>
@@ -6012,11 +6689,17 @@
           <a:lstStyle/>
           <a:p>
             <a:r>
-              <a:rPr lang="en-US" sz="3600" b="1" dirty="0">
-                <a:latin typeface="UT Sans Bold"/>
+              <a:rPr lang="en-US" sz="3600" dirty="0" smtClean="0">
+                <a:solidFill>
+                  <a:srgbClr val="000000"/>
+                </a:solidFill>
+                <a:latin typeface="Calibri" panose="020F0502020204030204" pitchFamily="34" charset="0"/>
               </a:rPr>
-              <a:t>Creating the 3x3 submatrix</a:t>
-            </a:r>
+              <a:t>AXI Read</a:t>
+            </a:r>
+            <a:endParaRPr lang="en-US" sz="3600" dirty="0">
+              <a:latin typeface="UT Sans Bold"/>
+            </a:endParaRPr>
           </a:p>
         </p:txBody>
       </p:sp>
@@ -6025,7 +6708,7 @@
           <p:cNvPr id="3" name="Rectangle 2">
             <a:extLst>
               <a:ext uri="{FF2B5EF4-FFF2-40B4-BE49-F238E27FC236}">
-                <a16:creationId xmlns:a16="http://schemas.microsoft.com/office/drawing/2014/main" id="{DA820E59-69C1-434D-9DAF-DB9FB2947E00}"/>
+                <a16:creationId xmlns:a16="http://schemas.microsoft.com/office/drawing/2014/main" id="{3905A521-30B0-45F9-A174-9AD8F1E524CF}"/>
               </a:ext>
             </a:extLst>
           </p:cNvPr>
@@ -6036,7 +6719,7 @@
         </p:nvSpPr>
         <p:spPr bwMode="auto">
           <a:xfrm>
-            <a:off x="-144524" y="1700808"/>
+            <a:off x="3573015" y="189269"/>
             <a:ext cx="9144000" cy="0"/>
           </a:xfrm>
           <a:prstGeom prst="rect">
@@ -6089,100 +6772,81 @@
           </a:p>
         </p:txBody>
       </p:sp>
-      <p:graphicFrame>
-        <p:nvGraphicFramePr>
-          <p:cNvPr id="8" name="Object 7">
-            <a:extLst>
-              <a:ext uri="{FF2B5EF4-FFF2-40B4-BE49-F238E27FC236}">
-                <a16:creationId xmlns:a16="http://schemas.microsoft.com/office/drawing/2014/main" id="{F3BE990C-6BA8-4650-B940-99FA551E161E}"/>
-              </a:ext>
-            </a:extLst>
-          </p:cNvPr>
-          <p:cNvGraphicFramePr>
-            <a:graphicFrameLocks noChangeAspect="1"/>
-          </p:cNvGraphicFramePr>
-          <p:nvPr>
-            <p:extLst>
-              <p:ext uri="{D42A27DB-BD31-4B8C-83A1-F6EECF244321}">
-                <p14:modId xmlns:p14="http://schemas.microsoft.com/office/powerpoint/2010/main" val="2228150312"/>
-              </p:ext>
-            </p:extLst>
-          </p:nvPr>
-        </p:nvGraphicFramePr>
-        <p:xfrm>
-          <a:off x="1096315" y="1831396"/>
-          <a:ext cx="6305550" cy="2628900"/>
-        </p:xfrm>
-        <a:graphic>
-          <a:graphicData uri="http://schemas.openxmlformats.org/presentationml/2006/ole">
-            <mc:AlternateContent xmlns:mc="http://schemas.openxmlformats.org/markup-compatibility/2006">
-              <mc:Choice xmlns:v="urn:schemas-microsoft-com:vml" Requires="v">
-                <p:oleObj spid="_x0000_s7193" name="Visio" r:id="rId4" imgW="7353156" imgH="3066908" progId="Visio.Drawing.15">
-                  <p:embed/>
-                </p:oleObj>
-              </mc:Choice>
-              <mc:Fallback>
-                <p:oleObj name="Visio" r:id="rId4" imgW="7353156" imgH="3066908" progId="Visio.Drawing.15">
-                  <p:embed/>
-                  <p:pic>
-                    <p:nvPicPr>
-                      <p:cNvPr id="0" name="Object 1"/>
-                      <p:cNvPicPr>
-                        <a:picLocks noChangeAspect="1" noChangeArrowheads="1"/>
-                      </p:cNvPicPr>
-                      <p:nvPr/>
-                    </p:nvPicPr>
-                    <p:blipFill>
-                      <a:blip r:embed="rId5"/>
-                      <a:srcRect/>
-                      <a:stretch>
-                        <a:fillRect/>
-                      </a:stretch>
-                    </p:blipFill>
-                    <p:spPr bwMode="auto">
-                      <a:xfrm>
-                        <a:off x="1096315" y="1831396"/>
-                        <a:ext cx="6305550" cy="2628900"/>
-                      </a:xfrm>
-                      <a:prstGeom prst="rect">
-                        <a:avLst/>
-                      </a:prstGeom>
-                      <a:noFill/>
-                      <a:extLst>
-                        <a:ext uri="{909E8E84-426E-40DD-AFC4-6F175D3DCCD1}">
-                          <a14:hiddenFill xmlns:a14="http://schemas.microsoft.com/office/drawing/2010/main">
-                            <a:solidFill>
-                              <a:srgbClr val="FFFFFF"/>
-                            </a:solidFill>
-                          </a14:hiddenFill>
-                        </a:ext>
-                      </a:extLst>
-                    </p:spPr>
-                  </p:pic>
-                </p:oleObj>
-              </mc:Fallback>
-            </mc:AlternateContent>
-          </a:graphicData>
-        </a:graphic>
-      </p:graphicFrame>
       <p:sp>
         <p:nvSpPr>
-          <p:cNvPr id="9" name="Rectangle 4">
-            <a:extLst>
-              <a:ext uri="{FF2B5EF4-FFF2-40B4-BE49-F238E27FC236}">
-                <a16:creationId xmlns:a16="http://schemas.microsoft.com/office/drawing/2014/main" id="{3FF2CEB6-212F-44BA-94CE-F02CBA1CD010}"/>
-              </a:ext>
-            </a:extLst>
-          </p:cNvPr>
+          <p:cNvPr id="13" name="Rectangle 2"/>
           <p:cNvSpPr>
             <a:spLocks noChangeArrowheads="1"/>
           </p:cNvSpPr>
           <p:nvPr/>
         </p:nvSpPr>
         <p:spPr bwMode="auto">
-          <a:xfrm flipV="1">
-            <a:off x="360016" y="3282537"/>
-            <a:ext cx="7778148" cy="45719"/>
+          <a:xfrm>
+            <a:off x="0" y="0"/>
+            <a:ext cx="9144000" cy="0"/>
+          </a:xfrm>
+          <a:prstGeom prst="rect">
+            <a:avLst/>
+          </a:prstGeom>
+          <a:noFill/>
+          <a:ln>
+            <a:noFill/>
+          </a:ln>
+          <a:effectLst/>
+          <a:extLst>
+            <a:ext uri="{909E8E84-426E-40DD-AFC4-6F175D3DCCD1}">
+              <a14:hiddenFill xmlns:a14="http://schemas.microsoft.com/office/drawing/2010/main">
+                <a:solidFill>
+                  <a:schemeClr val="accent1"/>
+                </a:solidFill>
+              </a14:hiddenFill>
+            </a:ext>
+            <a:ext uri="{91240B29-F687-4F45-9708-019B960494DF}">
+              <a14:hiddenLine xmlns:a14="http://schemas.microsoft.com/office/drawing/2010/main" w="9525">
+                <a:solidFill>
+                  <a:schemeClr val="tx1"/>
+                </a:solidFill>
+                <a:miter lim="800000"/>
+                <a:headEnd/>
+                <a:tailEnd/>
+              </a14:hiddenLine>
+            </a:ext>
+            <a:ext uri="{AF507438-7753-43E0-B8FC-AC1667EBCBE1}">
+              <a14:hiddenEffects xmlns:a14="http://schemas.microsoft.com/office/drawing/2010/main">
+                <a:effectLst>
+                  <a:outerShdw dist="35921" dir="2700000" algn="ctr" rotWithShape="0">
+                    <a:schemeClr val="bg2"/>
+                  </a:outerShdw>
+                </a:effectLst>
+              </a14:hiddenEffects>
+            </a:ext>
+          </a:extLst>
+        </p:spPr>
+        <p:txBody>
+          <a:bodyPr vert="horz" wrap="none" lIns="91440" tIns="45720" rIns="91440" bIns="45720" numCol="1" anchor="ctr" anchorCtr="0" compatLnSpc="1">
+            <a:prstTxWarp prst="textNoShape">
+              <a:avLst/>
+            </a:prstTxWarp>
+            <a:spAutoFit/>
+          </a:bodyPr>
+          <a:lstStyle/>
+          <a:p>
+            <a:endParaRPr lang="ro-RO"/>
+          </a:p>
+        </p:txBody>
+      </p:sp>
+      <p:sp>
+        <p:nvSpPr>
+          <p:cNvPr id="15" name="Rectangle 4"/>
+          <p:cNvSpPr>
+            <a:spLocks noChangeArrowheads="1"/>
+          </p:cNvSpPr>
+          <p:nvPr/>
+        </p:nvSpPr>
+        <p:spPr bwMode="auto">
+          <a:xfrm>
+            <a:off x="720276" y="2312875"/>
+            <a:ext cx="11193169" cy="45719"/>
           </a:xfrm>
           <a:prstGeom prst="rect">
             <a:avLst/>
@@ -6230,538 +6894,29 @@
           </a:bodyPr>
           <a:lstStyle/>
           <a:p>
-            <a:endParaRPr lang="en-US"/>
+            <a:endParaRPr lang="ro-RO"/>
           </a:p>
         </p:txBody>
       </p:sp>
       <p:graphicFrame>
         <p:nvGraphicFramePr>
-          <p:cNvPr id="10" name="Object 9">
-            <a:extLst>
-              <a:ext uri="{FF2B5EF4-FFF2-40B4-BE49-F238E27FC236}">
-                <a16:creationId xmlns:a16="http://schemas.microsoft.com/office/drawing/2014/main" id="{5150E314-300C-42DE-8200-9CCBCE128320}"/>
-              </a:ext>
-            </a:extLst>
-          </p:cNvPr>
+          <p:cNvPr id="16" name="Object 15"/>
           <p:cNvGraphicFramePr>
             <a:graphicFrameLocks noChangeAspect="1"/>
           </p:cNvGraphicFramePr>
           <p:nvPr>
-            <p:extLst>
-              <p:ext uri="{D42A27DB-BD31-4B8C-83A1-F6EECF244321}">
-                <p14:modId xmlns:p14="http://schemas.microsoft.com/office/powerpoint/2010/main" val="3120996288"/>
-              </p:ext>
-            </p:extLst>
+            <p:extLst/>
           </p:nvPr>
         </p:nvGraphicFramePr>
         <p:xfrm>
-          <a:off x="1511660" y="3825044"/>
-          <a:ext cx="5039592" cy="2884397"/>
+          <a:off x="1709614" y="2353614"/>
+          <a:ext cx="6984071" cy="4010886"/>
         </p:xfrm>
         <a:graphic>
           <a:graphicData uri="http://schemas.openxmlformats.org/presentationml/2006/ole">
             <mc:AlternateContent xmlns:mc="http://schemas.openxmlformats.org/markup-compatibility/2006">
               <mc:Choice xmlns:v="urn:schemas-microsoft-com:vml" Requires="v">
-                <p:oleObj spid="_x0000_s7194" name="Visio" r:id="rId6" imgW="5934129" imgH="3390925" progId="Visio.Drawing.15">
-                  <p:embed/>
-                </p:oleObj>
-              </mc:Choice>
-              <mc:Fallback>
-                <p:oleObj name="Visio" r:id="rId6" imgW="5934129" imgH="3390925" progId="Visio.Drawing.15">
-                  <p:embed/>
-                  <p:pic>
-                    <p:nvPicPr>
-                      <p:cNvPr id="0" name="Object 3"/>
-                      <p:cNvPicPr>
-                        <a:picLocks noChangeAspect="1" noChangeArrowheads="1"/>
-                      </p:cNvPicPr>
-                      <p:nvPr/>
-                    </p:nvPicPr>
-                    <p:blipFill>
-                      <a:blip r:embed="rId7">
-                        <a:extLst>
-                          <a:ext uri="{28A0092B-C50C-407E-A947-70E740481C1C}">
-                            <a14:useLocalDpi xmlns:a14="http://schemas.microsoft.com/office/drawing/2010/main" val="0"/>
-                          </a:ext>
-                        </a:extLst>
-                      </a:blip>
-                      <a:srcRect/>
-                      <a:stretch>
-                        <a:fillRect/>
-                      </a:stretch>
-                    </p:blipFill>
-                    <p:spPr bwMode="auto">
-                      <a:xfrm>
-                        <a:off x="1511660" y="3825044"/>
-                        <a:ext cx="5039592" cy="2884397"/>
-                      </a:xfrm>
-                      <a:prstGeom prst="rect">
-                        <a:avLst/>
-                      </a:prstGeom>
-                      <a:noFill/>
-                    </p:spPr>
-                  </p:pic>
-                </p:oleObj>
-              </mc:Fallback>
-            </mc:AlternateContent>
-          </a:graphicData>
-        </a:graphic>
-      </p:graphicFrame>
-    </p:spTree>
-    <p:extLst>
-      <p:ext uri="{BB962C8B-B14F-4D97-AF65-F5344CB8AC3E}">
-        <p14:creationId xmlns:p14="http://schemas.microsoft.com/office/powerpoint/2010/main" val="1586514665"/>
-      </p:ext>
-    </p:extLst>
-  </p:cSld>
-  <p:clrMapOvr>
-    <a:masterClrMapping/>
-  </p:clrMapOvr>
-</p:sld>
-</file>
-
-<file path=ppt/slides/slide13.xml><?xml version="1.0" encoding="utf-8"?>
-<p:sld xmlns:a="http://schemas.openxmlformats.org/drawingml/2006/main" xmlns:r="http://schemas.openxmlformats.org/officeDocument/2006/relationships" xmlns:p="http://schemas.openxmlformats.org/presentationml/2006/main">
-  <p:cSld>
-    <p:spTree>
-      <p:nvGrpSpPr>
-        <p:cNvPr id="1" name=""/>
-        <p:cNvGrpSpPr/>
-        <p:nvPr/>
-      </p:nvGrpSpPr>
-      <p:grpSpPr>
-        <a:xfrm>
-          <a:off x="0" y="0"/>
-          <a:ext cx="0" cy="0"/>
-          <a:chOff x="0" y="0"/>
-          <a:chExt cx="0" cy="0"/>
-        </a:xfrm>
-      </p:grpSpPr>
-      <p:grpSp>
-        <p:nvGrpSpPr>
-          <p:cNvPr id="4" name="Group 3"/>
-          <p:cNvGrpSpPr/>
-          <p:nvPr/>
-        </p:nvGrpSpPr>
-        <p:grpSpPr>
-          <a:xfrm>
-            <a:off x="8460432" y="6237312"/>
-            <a:ext cx="216000" cy="216000"/>
-            <a:chOff x="2772000" y="1932221"/>
-            <a:chExt cx="2340000" cy="2340000"/>
-          </a:xfrm>
-        </p:grpSpPr>
-        <p:sp>
-          <p:nvSpPr>
-            <p:cNvPr id="5" name="Rectangle 4"/>
-            <p:cNvSpPr/>
-            <p:nvPr/>
-          </p:nvSpPr>
-          <p:spPr>
-            <a:xfrm>
-              <a:off x="2772000" y="1932221"/>
-              <a:ext cx="2340000" cy="2340000"/>
-            </a:xfrm>
-            <a:prstGeom prst="rect">
-              <a:avLst/>
-            </a:prstGeom>
-            <a:solidFill>
-              <a:schemeClr val="bg1">
-                <a:lumMod val="75000"/>
-              </a:schemeClr>
-            </a:solidFill>
-            <a:ln>
-              <a:noFill/>
-            </a:ln>
-          </p:spPr>
-          <p:style>
-            <a:lnRef idx="2">
-              <a:schemeClr val="accent1">
-                <a:shade val="50000"/>
-              </a:schemeClr>
-            </a:lnRef>
-            <a:fillRef idx="1">
-              <a:schemeClr val="accent1"/>
-            </a:fillRef>
-            <a:effectRef idx="0">
-              <a:schemeClr val="accent1"/>
-            </a:effectRef>
-            <a:fontRef idx="minor">
-              <a:schemeClr val="lt1"/>
-            </a:fontRef>
-          </p:style>
-          <p:txBody>
-            <a:bodyPr rtlCol="0" anchor="ctr"/>
-            <a:lstStyle/>
-            <a:p>
-              <a:pPr algn="ctr"/>
-              <a:endParaRPr lang="en-US">
-                <a:ln>
-                  <a:solidFill>
-                    <a:schemeClr val="bg2">
-                      <a:lumMod val="75000"/>
-                    </a:schemeClr>
-                  </a:solidFill>
-                </a:ln>
-                <a:solidFill>
-                  <a:schemeClr val="tx1"/>
-                </a:solidFill>
-              </a:endParaRPr>
-            </a:p>
-          </p:txBody>
-        </p:sp>
-        <p:sp>
-          <p:nvSpPr>
-            <p:cNvPr id="6" name="Rectangle 5"/>
-            <p:cNvSpPr/>
-            <p:nvPr/>
-          </p:nvSpPr>
-          <p:spPr>
-            <a:xfrm>
-              <a:off x="3546000" y="2706221"/>
-              <a:ext cx="792000" cy="792000"/>
-            </a:xfrm>
-            <a:prstGeom prst="rect">
-              <a:avLst/>
-            </a:prstGeom>
-            <a:solidFill>
-              <a:schemeClr val="bg1"/>
-            </a:solidFill>
-            <a:ln>
-              <a:noFill/>
-            </a:ln>
-          </p:spPr>
-          <p:style>
-            <a:lnRef idx="2">
-              <a:schemeClr val="accent1">
-                <a:shade val="50000"/>
-              </a:schemeClr>
-            </a:lnRef>
-            <a:fillRef idx="1">
-              <a:schemeClr val="accent1"/>
-            </a:fillRef>
-            <a:effectRef idx="0">
-              <a:schemeClr val="accent1"/>
-            </a:effectRef>
-            <a:fontRef idx="minor">
-              <a:schemeClr val="lt1"/>
-            </a:fontRef>
-          </p:style>
-          <p:txBody>
-            <a:bodyPr rtlCol="0" anchor="ctr"/>
-            <a:lstStyle/>
-            <a:p>
-              <a:pPr algn="ctr"/>
-              <a:endParaRPr lang="en-US">
-                <a:ln>
-                  <a:solidFill>
-                    <a:schemeClr val="bg2">
-                      <a:lumMod val="75000"/>
-                    </a:schemeClr>
-                  </a:solidFill>
-                </a:ln>
-                <a:solidFill>
-                  <a:schemeClr val="tx1"/>
-                </a:solidFill>
-              </a:endParaRPr>
-            </a:p>
-          </p:txBody>
-        </p:sp>
-      </p:grpSp>
-      <p:pic>
-        <p:nvPicPr>
-          <p:cNvPr id="7" name="Picture 6"/>
-          <p:cNvPicPr>
-            <a:picLocks noChangeAspect="1"/>
-          </p:cNvPicPr>
-          <p:nvPr/>
-        </p:nvPicPr>
-        <p:blipFill>
-          <a:blip r:embed="rId3" cstate="print">
-            <a:extLst>
-              <a:ext uri="{28A0092B-C50C-407E-A947-70E740481C1C}">
-                <a14:useLocalDpi xmlns:a14="http://schemas.microsoft.com/office/drawing/2010/main" val="0"/>
-              </a:ext>
-            </a:extLst>
-          </a:blip>
-          <a:stretch>
-            <a:fillRect/>
-          </a:stretch>
-        </p:blipFill>
-        <p:spPr>
-          <a:xfrm>
-            <a:off x="381905" y="332656"/>
-            <a:ext cx="2497907" cy="648072"/>
-          </a:xfrm>
-          <a:prstGeom prst="rect">
-            <a:avLst/>
-          </a:prstGeom>
-        </p:spPr>
-      </p:pic>
-      <p:sp>
-        <p:nvSpPr>
-          <p:cNvPr id="2" name="Rectangle 1">
-            <a:extLst>
-              <a:ext uri="{FF2B5EF4-FFF2-40B4-BE49-F238E27FC236}">
-                <a16:creationId xmlns:a16="http://schemas.microsoft.com/office/drawing/2014/main" id="{20A5B0E5-E70C-476A-9B34-6A0055BDCB5A}"/>
-              </a:ext>
-            </a:extLst>
-          </p:cNvPr>
-          <p:cNvSpPr/>
-          <p:nvPr/>
-        </p:nvSpPr>
-        <p:spPr>
-          <a:xfrm>
-            <a:off x="-14575" y="1100452"/>
-            <a:ext cx="7617791" cy="646331"/>
-          </a:xfrm>
-          <a:prstGeom prst="rect">
-            <a:avLst/>
-          </a:prstGeom>
-        </p:spPr>
-        <p:txBody>
-          <a:bodyPr wrap="none">
-            <a:spAutoFit/>
-          </a:bodyPr>
-          <a:lstStyle/>
-          <a:p>
-            <a:pPr algn="r"/>
-            <a:r>
-              <a:rPr lang="en-US" sz="3600" b="1" dirty="0" smtClean="0">
-                <a:latin typeface="UT Sans Bold"/>
-              </a:rPr>
-              <a:t>Reading the DDR memory/ Test Mode</a:t>
-            </a:r>
-            <a:endParaRPr lang="en-US" sz="3600" b="1" dirty="0">
-              <a:latin typeface="UT Sans Bold"/>
-            </a:endParaRPr>
-          </a:p>
-        </p:txBody>
-      </p:sp>
-      <p:sp>
-        <p:nvSpPr>
-          <p:cNvPr id="3" name="Rectangle 2">
-            <a:extLst>
-              <a:ext uri="{FF2B5EF4-FFF2-40B4-BE49-F238E27FC236}">
-                <a16:creationId xmlns:a16="http://schemas.microsoft.com/office/drawing/2014/main" id="{DA820E59-69C1-434D-9DAF-DB9FB2947E00}"/>
-              </a:ext>
-            </a:extLst>
-          </p:cNvPr>
-          <p:cNvSpPr>
-            <a:spLocks noChangeArrowheads="1"/>
-          </p:cNvSpPr>
-          <p:nvPr/>
-        </p:nvSpPr>
-        <p:spPr bwMode="auto">
-          <a:xfrm>
-            <a:off x="-144524" y="1700808"/>
-            <a:ext cx="9144000" cy="0"/>
-          </a:xfrm>
-          <a:prstGeom prst="rect">
-            <a:avLst/>
-          </a:prstGeom>
-          <a:noFill/>
-          <a:ln>
-            <a:noFill/>
-          </a:ln>
-          <a:effectLst/>
-          <a:extLst>
-            <a:ext uri="{909E8E84-426E-40DD-AFC4-6F175D3DCCD1}">
-              <a14:hiddenFill xmlns:a14="http://schemas.microsoft.com/office/drawing/2010/main">
-                <a:solidFill>
-                  <a:schemeClr val="accent1"/>
-                </a:solidFill>
-              </a14:hiddenFill>
-            </a:ext>
-            <a:ext uri="{91240B29-F687-4F45-9708-019B960494DF}">
-              <a14:hiddenLine xmlns:a14="http://schemas.microsoft.com/office/drawing/2010/main" w="9525">
-                <a:solidFill>
-                  <a:schemeClr val="tx1"/>
-                </a:solidFill>
-                <a:miter lim="800000"/>
-                <a:headEnd/>
-                <a:tailEnd/>
-              </a14:hiddenLine>
-            </a:ext>
-            <a:ext uri="{AF507438-7753-43E0-B8FC-AC1667EBCBE1}">
-              <a14:hiddenEffects xmlns:a14="http://schemas.microsoft.com/office/drawing/2010/main">
-                <a:effectLst>
-                  <a:outerShdw dist="35921" dir="2700000" algn="ctr" rotWithShape="0">
-                    <a:schemeClr val="bg2"/>
-                  </a:outerShdw>
-                </a:effectLst>
-              </a14:hiddenEffects>
-            </a:ext>
-          </a:extLst>
-        </p:spPr>
-        <p:txBody>
-          <a:bodyPr vert="horz" wrap="none" lIns="91440" tIns="45720" rIns="91440" bIns="45720" numCol="1" anchor="ctr" anchorCtr="0" compatLnSpc="1">
-            <a:prstTxWarp prst="textNoShape">
-              <a:avLst/>
-            </a:prstTxWarp>
-            <a:spAutoFit/>
-          </a:bodyPr>
-          <a:lstStyle/>
-          <a:p>
-            <a:endParaRPr lang="en-US"/>
-          </a:p>
-        </p:txBody>
-      </p:sp>
-      <p:sp>
-        <p:nvSpPr>
-          <p:cNvPr id="9" name="Rectangle 4">
-            <a:extLst>
-              <a:ext uri="{FF2B5EF4-FFF2-40B4-BE49-F238E27FC236}">
-                <a16:creationId xmlns:a16="http://schemas.microsoft.com/office/drawing/2014/main" id="{3FF2CEB6-212F-44BA-94CE-F02CBA1CD010}"/>
-              </a:ext>
-            </a:extLst>
-          </p:cNvPr>
-          <p:cNvSpPr>
-            <a:spLocks noChangeArrowheads="1"/>
-          </p:cNvSpPr>
-          <p:nvPr/>
-        </p:nvSpPr>
-        <p:spPr bwMode="auto">
-          <a:xfrm flipV="1">
-            <a:off x="360016" y="3282537"/>
-            <a:ext cx="7778148" cy="45719"/>
-          </a:xfrm>
-          <a:prstGeom prst="rect">
-            <a:avLst/>
-          </a:prstGeom>
-          <a:noFill/>
-          <a:ln>
-            <a:noFill/>
-          </a:ln>
-          <a:effectLst/>
-          <a:extLst>
-            <a:ext uri="{909E8E84-426E-40DD-AFC4-6F175D3DCCD1}">
-              <a14:hiddenFill xmlns:a14="http://schemas.microsoft.com/office/drawing/2010/main">
-                <a:solidFill>
-                  <a:schemeClr val="accent1"/>
-                </a:solidFill>
-              </a14:hiddenFill>
-            </a:ext>
-            <a:ext uri="{91240B29-F687-4F45-9708-019B960494DF}">
-              <a14:hiddenLine xmlns:a14="http://schemas.microsoft.com/office/drawing/2010/main" w="9525">
-                <a:solidFill>
-                  <a:schemeClr val="tx1"/>
-                </a:solidFill>
-                <a:miter lim="800000"/>
-                <a:headEnd/>
-                <a:tailEnd/>
-              </a14:hiddenLine>
-            </a:ext>
-            <a:ext uri="{AF507438-7753-43E0-B8FC-AC1667EBCBE1}">
-              <a14:hiddenEffects xmlns:a14="http://schemas.microsoft.com/office/drawing/2010/main">
-                <a:effectLst>
-                  <a:outerShdw dist="35921" dir="2700000" algn="ctr" rotWithShape="0">
-                    <a:schemeClr val="bg2"/>
-                  </a:outerShdw>
-                </a:effectLst>
-              </a14:hiddenEffects>
-            </a:ext>
-          </a:extLst>
-        </p:spPr>
-        <p:txBody>
-          <a:bodyPr vert="horz" wrap="square" lIns="91440" tIns="45720" rIns="91440" bIns="45720" numCol="1" anchor="ctr" anchorCtr="0" compatLnSpc="1">
-            <a:prstTxWarp prst="textNoShape">
-              <a:avLst/>
-            </a:prstTxWarp>
-            <a:spAutoFit/>
-          </a:bodyPr>
-          <a:lstStyle/>
-          <a:p>
-            <a:endParaRPr lang="en-US"/>
-          </a:p>
-        </p:txBody>
-      </p:sp>
-      <p:sp>
-        <p:nvSpPr>
-          <p:cNvPr id="11" name="Rectangle 2"/>
-          <p:cNvSpPr>
-            <a:spLocks noChangeArrowheads="1"/>
-          </p:cNvSpPr>
-          <p:nvPr/>
-        </p:nvSpPr>
-        <p:spPr bwMode="auto">
-          <a:xfrm>
-            <a:off x="2430065" y="3043965"/>
-            <a:ext cx="9144000" cy="0"/>
-          </a:xfrm>
-          <a:prstGeom prst="rect">
-            <a:avLst/>
-          </a:prstGeom>
-          <a:noFill/>
-          <a:ln>
-            <a:noFill/>
-          </a:ln>
-          <a:effectLst/>
-          <a:extLst>
-            <a:ext uri="{909E8E84-426E-40DD-AFC4-6F175D3DCCD1}">
-              <a14:hiddenFill xmlns:a14="http://schemas.microsoft.com/office/drawing/2010/main">
-                <a:solidFill>
-                  <a:schemeClr val="accent1"/>
-                </a:solidFill>
-              </a14:hiddenFill>
-            </a:ext>
-            <a:ext uri="{91240B29-F687-4F45-9708-019B960494DF}">
-              <a14:hiddenLine xmlns:a14="http://schemas.microsoft.com/office/drawing/2010/main" w="9525">
-                <a:solidFill>
-                  <a:schemeClr val="tx1"/>
-                </a:solidFill>
-                <a:miter lim="800000"/>
-                <a:headEnd/>
-                <a:tailEnd/>
-              </a14:hiddenLine>
-            </a:ext>
-            <a:ext uri="{AF507438-7753-43E0-B8FC-AC1667EBCBE1}">
-              <a14:hiddenEffects xmlns:a14="http://schemas.microsoft.com/office/drawing/2010/main">
-                <a:effectLst>
-                  <a:outerShdw dist="35921" dir="2700000" algn="ctr" rotWithShape="0">
-                    <a:schemeClr val="bg2"/>
-                  </a:outerShdw>
-                </a:effectLst>
-              </a14:hiddenEffects>
-            </a:ext>
-          </a:extLst>
-        </p:spPr>
-        <p:txBody>
-          <a:bodyPr vert="horz" wrap="none" lIns="91440" tIns="45720" rIns="91440" bIns="45720" numCol="1" anchor="ctr" anchorCtr="0" compatLnSpc="1">
-            <a:prstTxWarp prst="textNoShape">
-              <a:avLst/>
-            </a:prstTxWarp>
-            <a:spAutoFit/>
-          </a:bodyPr>
-          <a:lstStyle/>
-          <a:p>
-            <a:endParaRPr lang="ro-RO"/>
-          </a:p>
-        </p:txBody>
-      </p:sp>
-      <p:graphicFrame>
-        <p:nvGraphicFramePr>
-          <p:cNvPr id="12" name="Object 11"/>
-          <p:cNvGraphicFramePr>
-            <a:graphicFrameLocks noChangeAspect="1"/>
-          </p:cNvGraphicFramePr>
-          <p:nvPr>
-            <p:extLst>
-              <p:ext uri="{D42A27DB-BD31-4B8C-83A1-F6EECF244321}">
-                <p14:modId xmlns:p14="http://schemas.microsoft.com/office/powerpoint/2010/main" val="3940417529"/>
-              </p:ext>
-            </p:extLst>
-          </p:nvPr>
-        </p:nvGraphicFramePr>
-        <p:xfrm>
-          <a:off x="215516" y="1985354"/>
-          <a:ext cx="6226189" cy="3575641"/>
-        </p:xfrm>
-        <a:graphic>
-          <a:graphicData uri="http://schemas.openxmlformats.org/presentationml/2006/ole">
-            <mc:AlternateContent xmlns:mc="http://schemas.openxmlformats.org/markup-compatibility/2006">
-              <mc:Choice xmlns:v="urn:schemas-microsoft-com:vml" Requires="v">
-                <p:oleObj spid="_x0000_s10246" r:id="rId4" imgW="5705443" imgH="3276702" progId="Visio.Drawing.15">
+                <p:oleObj spid="_x0000_s10244" r:id="rId4" imgW="5705443" imgH="3276702" progId="Visio.Drawing.15">
                   <p:embed/>
                 </p:oleObj>
               </mc:Choice>
@@ -6770,7 +6925,7 @@
                   <p:embed/>
                   <p:pic>
                     <p:nvPicPr>
-                      <p:cNvPr id="0" name="Object 1"/>
+                      <p:cNvPr id="16" name="Object 15"/>
                       <p:cNvPicPr>
                         <a:picLocks noChangeAspect="1" noChangeArrowheads="1"/>
                       </p:cNvPicPr>
@@ -6791,8 +6946,8 @@
                     </p:blipFill>
                     <p:spPr bwMode="auto">
                       <a:xfrm>
-                        <a:off x="215516" y="1985354"/>
-                        <a:ext cx="6226189" cy="3575641"/>
+                        <a:off x="1709614" y="2353614"/>
+                        <a:ext cx="6984071" cy="4010886"/>
                       </a:xfrm>
                       <a:prstGeom prst="rect">
                         <a:avLst/>
@@ -6808,14 +6963,201 @@
       </p:graphicFrame>
       <p:sp>
         <p:nvSpPr>
-          <p:cNvPr id="13" name="TextBox 12"/>
+          <p:cNvPr id="17" name="Rectangle 16"/>
+          <p:cNvSpPr/>
+          <p:nvPr/>
+        </p:nvSpPr>
+        <p:spPr>
+          <a:xfrm>
+            <a:off x="381905" y="1952836"/>
+            <a:ext cx="1327709" cy="3636404"/>
+          </a:xfrm>
+          <a:prstGeom prst="rect">
+            <a:avLst/>
+          </a:prstGeom>
+          <a:noFill/>
+          <a:ln>
+            <a:solidFill>
+              <a:schemeClr val="tx1"/>
+            </a:solidFill>
+          </a:ln>
+        </p:spPr>
+        <p:style>
+          <a:lnRef idx="2">
+            <a:schemeClr val="accent1">
+              <a:shade val="50000"/>
+            </a:schemeClr>
+          </a:lnRef>
+          <a:fillRef idx="1">
+            <a:schemeClr val="accent1"/>
+          </a:fillRef>
+          <a:effectRef idx="0">
+            <a:schemeClr val="accent1"/>
+          </a:effectRef>
+          <a:fontRef idx="minor">
+            <a:schemeClr val="lt1"/>
+          </a:fontRef>
+        </p:style>
+        <p:txBody>
+          <a:bodyPr rtlCol="0" anchor="ctr"/>
+          <a:lstStyle/>
+          <a:p>
+            <a:pPr algn="ctr"/>
+            <a:endParaRPr lang="ro-RO"/>
+          </a:p>
+        </p:txBody>
+      </p:sp>
+      <p:sp>
+        <p:nvSpPr>
+          <p:cNvPr id="18" name="Rectangle 17"/>
+          <p:cNvSpPr/>
+          <p:nvPr/>
+        </p:nvSpPr>
+        <p:spPr>
+          <a:xfrm>
+            <a:off x="381905" y="2132855"/>
+            <a:ext cx="1327709" cy="900101"/>
+          </a:xfrm>
+          <a:prstGeom prst="rect">
+            <a:avLst/>
+          </a:prstGeom>
+          <a:solidFill>
+            <a:srgbClr val="FF0000"/>
+          </a:solidFill>
+          <a:ln>
+            <a:solidFill>
+              <a:srgbClr val="FF0000"/>
+            </a:solidFill>
+          </a:ln>
+        </p:spPr>
+        <p:style>
+          <a:lnRef idx="2">
+            <a:schemeClr val="accent1">
+              <a:shade val="50000"/>
+            </a:schemeClr>
+          </a:lnRef>
+          <a:fillRef idx="1">
+            <a:schemeClr val="accent1"/>
+          </a:fillRef>
+          <a:effectRef idx="0">
+            <a:schemeClr val="accent1"/>
+          </a:effectRef>
+          <a:fontRef idx="minor">
+            <a:schemeClr val="lt1"/>
+          </a:fontRef>
+        </p:style>
+        <p:txBody>
+          <a:bodyPr rtlCol="0" anchor="ctr"/>
+          <a:lstStyle/>
+          <a:p>
+            <a:pPr algn="ctr"/>
+            <a:endParaRPr lang="ro-RO"/>
+          </a:p>
+        </p:txBody>
+      </p:sp>
+      <p:sp>
+        <p:nvSpPr>
+          <p:cNvPr id="19" name="Rectangle 18"/>
+          <p:cNvSpPr/>
+          <p:nvPr/>
+        </p:nvSpPr>
+        <p:spPr>
+          <a:xfrm>
+            <a:off x="381905" y="3176972"/>
+            <a:ext cx="1327709" cy="864096"/>
+          </a:xfrm>
+          <a:prstGeom prst="rect">
+            <a:avLst/>
+          </a:prstGeom>
+          <a:solidFill>
+            <a:srgbClr val="00B050"/>
+          </a:solidFill>
+          <a:ln>
+            <a:solidFill>
+              <a:srgbClr val="92D050"/>
+            </a:solidFill>
+          </a:ln>
+        </p:spPr>
+        <p:style>
+          <a:lnRef idx="2">
+            <a:schemeClr val="accent1">
+              <a:shade val="50000"/>
+            </a:schemeClr>
+          </a:lnRef>
+          <a:fillRef idx="1">
+            <a:schemeClr val="accent1"/>
+          </a:fillRef>
+          <a:effectRef idx="0">
+            <a:schemeClr val="accent1"/>
+          </a:effectRef>
+          <a:fontRef idx="minor">
+            <a:schemeClr val="lt1"/>
+          </a:fontRef>
+        </p:style>
+        <p:txBody>
+          <a:bodyPr rtlCol="0" anchor="ctr"/>
+          <a:lstStyle/>
+          <a:p>
+            <a:pPr algn="ctr"/>
+            <a:endParaRPr lang="ro-RO"/>
+          </a:p>
+        </p:txBody>
+      </p:sp>
+      <p:sp>
+        <p:nvSpPr>
+          <p:cNvPr id="20" name="Rectangle 19"/>
+          <p:cNvSpPr/>
+          <p:nvPr/>
+        </p:nvSpPr>
+        <p:spPr>
+          <a:xfrm>
+            <a:off x="381905" y="4359057"/>
+            <a:ext cx="1327709" cy="797504"/>
+          </a:xfrm>
+          <a:prstGeom prst="rect">
+            <a:avLst/>
+          </a:prstGeom>
+          <a:solidFill>
+            <a:schemeClr val="accent1">
+              <a:lumMod val="75000"/>
+            </a:schemeClr>
+          </a:solidFill>
+        </p:spPr>
+        <p:style>
+          <a:lnRef idx="2">
+            <a:schemeClr val="accent1">
+              <a:shade val="50000"/>
+            </a:schemeClr>
+          </a:lnRef>
+          <a:fillRef idx="1">
+            <a:schemeClr val="accent1"/>
+          </a:fillRef>
+          <a:effectRef idx="0">
+            <a:schemeClr val="accent1"/>
+          </a:effectRef>
+          <a:fontRef idx="minor">
+            <a:schemeClr val="lt1"/>
+          </a:fontRef>
+        </p:style>
+        <p:txBody>
+          <a:bodyPr rtlCol="0" anchor="ctr"/>
+          <a:lstStyle/>
+          <a:p>
+            <a:pPr algn="ctr"/>
+            <a:endParaRPr lang="ro-RO"/>
+          </a:p>
+        </p:txBody>
+      </p:sp>
+      <p:sp>
+        <p:nvSpPr>
+          <p:cNvPr id="2" name="TextBox 1"/>
           <p:cNvSpPr txBox="1"/>
           <p:nvPr/>
         </p:nvSpPr>
         <p:spPr>
           <a:xfrm>
-            <a:off x="86962" y="4732077"/>
-            <a:ext cx="4409092" cy="923330"/>
+            <a:off x="288181" y="5662119"/>
+            <a:ext cx="1452192" cy="369332"/>
           </a:xfrm>
           <a:prstGeom prst="rect">
             <a:avLst/>
@@ -6830,19 +7172,7 @@
           <a:p>
             <a:r>
               <a:rPr lang="en-US" dirty="0" smtClean="0"/>
-              <a:t>Read image from DDR, each </a:t>
-            </a:r>
-          </a:p>
-          <a:p>
-            <a:r>
-              <a:rPr lang="en-US" dirty="0" smtClean="0"/>
-              <a:t>layer written on a separate memory location.</a:t>
-            </a:r>
-          </a:p>
-          <a:p>
-            <a:r>
-              <a:rPr lang="en-US" dirty="0" smtClean="0"/>
-              <a:t>Create input image stream.</a:t>
+              <a:t>DDR Memory</a:t>
             </a:r>
             <a:endParaRPr lang="ro-RO" dirty="0"/>
           </a:p>
@@ -6851,13 +7181,20 @@
     </p:spTree>
     <p:extLst>
       <p:ext uri="{BB962C8B-B14F-4D97-AF65-F5344CB8AC3E}">
-        <p14:creationId xmlns:p14="http://schemas.microsoft.com/office/powerpoint/2010/main" val="2707866377"/>
+        <p14:creationId xmlns:p14="http://schemas.microsoft.com/office/powerpoint/2010/main" val="3300853210"/>
       </p:ext>
     </p:extLst>
   </p:cSld>
   <p:clrMapOvr>
     <a:masterClrMapping/>
   </p:clrMapOvr>
+  <p:timing>
+    <p:tnLst>
+      <p:par>
+        <p:cTn id="1" dur="indefinite" restart="never" nodeType="tmRoot"/>
+      </p:par>
+    </p:tnLst>
+  </p:timing>
 </p:sld>
 </file>
 
@@ -7041,6 +7378,561 @@
       </p:pic>
       <p:sp>
         <p:nvSpPr>
+          <p:cNvPr id="8" name="Rectangle 7">
+            <a:extLst>
+              <a:ext uri="{FF2B5EF4-FFF2-40B4-BE49-F238E27FC236}">
+                <a16:creationId xmlns:a16="http://schemas.microsoft.com/office/drawing/2014/main" id="{D8D0E6A6-871B-40CB-8474-EF83C507DFEF}"/>
+              </a:ext>
+            </a:extLst>
+          </p:cNvPr>
+          <p:cNvSpPr/>
+          <p:nvPr/>
+        </p:nvSpPr>
+        <p:spPr>
+          <a:xfrm>
+            <a:off x="134894" y="1233626"/>
+            <a:ext cx="2180918" cy="646331"/>
+          </a:xfrm>
+          <a:prstGeom prst="rect">
+            <a:avLst/>
+          </a:prstGeom>
+        </p:spPr>
+        <p:txBody>
+          <a:bodyPr wrap="none">
+            <a:spAutoFit/>
+          </a:bodyPr>
+          <a:lstStyle/>
+          <a:p>
+            <a:r>
+              <a:rPr lang="en-US" sz="3600" dirty="0" smtClean="0">
+                <a:solidFill>
+                  <a:srgbClr val="000000"/>
+                </a:solidFill>
+                <a:latin typeface="Calibri" panose="020F0502020204030204" pitchFamily="34" charset="0"/>
+              </a:rPr>
+              <a:t>Simulation</a:t>
+            </a:r>
+            <a:endParaRPr lang="en-US" sz="3600" dirty="0">
+              <a:latin typeface="UT Sans Bold"/>
+            </a:endParaRPr>
+          </a:p>
+        </p:txBody>
+      </p:sp>
+      <p:sp>
+        <p:nvSpPr>
+          <p:cNvPr id="3" name="Rectangle 2">
+            <a:extLst>
+              <a:ext uri="{FF2B5EF4-FFF2-40B4-BE49-F238E27FC236}">
+                <a16:creationId xmlns:a16="http://schemas.microsoft.com/office/drawing/2014/main" id="{3905A521-30B0-45F9-A174-9AD8F1E524CF}"/>
+              </a:ext>
+            </a:extLst>
+          </p:cNvPr>
+          <p:cNvSpPr>
+            <a:spLocks noChangeArrowheads="1"/>
+          </p:cNvSpPr>
+          <p:nvPr/>
+        </p:nvSpPr>
+        <p:spPr bwMode="auto">
+          <a:xfrm>
+            <a:off x="3573015" y="189269"/>
+            <a:ext cx="9144000" cy="0"/>
+          </a:xfrm>
+          <a:prstGeom prst="rect">
+            <a:avLst/>
+          </a:prstGeom>
+          <a:noFill/>
+          <a:ln>
+            <a:noFill/>
+          </a:ln>
+          <a:effectLst/>
+          <a:extLst>
+            <a:ext uri="{909E8E84-426E-40DD-AFC4-6F175D3DCCD1}">
+              <a14:hiddenFill xmlns:a14="http://schemas.microsoft.com/office/drawing/2010/main">
+                <a:solidFill>
+                  <a:schemeClr val="accent1"/>
+                </a:solidFill>
+              </a14:hiddenFill>
+            </a:ext>
+            <a:ext uri="{91240B29-F687-4F45-9708-019B960494DF}">
+              <a14:hiddenLine xmlns:a14="http://schemas.microsoft.com/office/drawing/2010/main" w="9525">
+                <a:solidFill>
+                  <a:schemeClr val="tx1"/>
+                </a:solidFill>
+                <a:miter lim="800000"/>
+                <a:headEnd/>
+                <a:tailEnd/>
+              </a14:hiddenLine>
+            </a:ext>
+            <a:ext uri="{AF507438-7753-43E0-B8FC-AC1667EBCBE1}">
+              <a14:hiddenEffects xmlns:a14="http://schemas.microsoft.com/office/drawing/2010/main">
+                <a:effectLst>
+                  <a:outerShdw dist="35921" dir="2700000" algn="ctr" rotWithShape="0">
+                    <a:schemeClr val="bg2"/>
+                  </a:outerShdw>
+                </a:effectLst>
+              </a14:hiddenEffects>
+            </a:ext>
+          </a:extLst>
+        </p:spPr>
+        <p:txBody>
+          <a:bodyPr vert="horz" wrap="none" lIns="91440" tIns="45720" rIns="91440" bIns="45720" numCol="1" anchor="ctr" anchorCtr="0" compatLnSpc="1">
+            <a:prstTxWarp prst="textNoShape">
+              <a:avLst/>
+            </a:prstTxWarp>
+            <a:spAutoFit/>
+          </a:bodyPr>
+          <a:lstStyle/>
+          <a:p>
+            <a:endParaRPr lang="en-US"/>
+          </a:p>
+        </p:txBody>
+      </p:sp>
+      <p:sp>
+        <p:nvSpPr>
+          <p:cNvPr id="13" name="Rectangle 2"/>
+          <p:cNvSpPr>
+            <a:spLocks noChangeArrowheads="1"/>
+          </p:cNvSpPr>
+          <p:nvPr/>
+        </p:nvSpPr>
+        <p:spPr bwMode="auto">
+          <a:xfrm>
+            <a:off x="0" y="0"/>
+            <a:ext cx="9144000" cy="0"/>
+          </a:xfrm>
+          <a:prstGeom prst="rect">
+            <a:avLst/>
+          </a:prstGeom>
+          <a:noFill/>
+          <a:ln>
+            <a:noFill/>
+          </a:ln>
+          <a:effectLst/>
+          <a:extLst>
+            <a:ext uri="{909E8E84-426E-40DD-AFC4-6F175D3DCCD1}">
+              <a14:hiddenFill xmlns:a14="http://schemas.microsoft.com/office/drawing/2010/main">
+                <a:solidFill>
+                  <a:schemeClr val="accent1"/>
+                </a:solidFill>
+              </a14:hiddenFill>
+            </a:ext>
+            <a:ext uri="{91240B29-F687-4F45-9708-019B960494DF}">
+              <a14:hiddenLine xmlns:a14="http://schemas.microsoft.com/office/drawing/2010/main" w="9525">
+                <a:solidFill>
+                  <a:schemeClr val="tx1"/>
+                </a:solidFill>
+                <a:miter lim="800000"/>
+                <a:headEnd/>
+                <a:tailEnd/>
+              </a14:hiddenLine>
+            </a:ext>
+            <a:ext uri="{AF507438-7753-43E0-B8FC-AC1667EBCBE1}">
+              <a14:hiddenEffects xmlns:a14="http://schemas.microsoft.com/office/drawing/2010/main">
+                <a:effectLst>
+                  <a:outerShdw dist="35921" dir="2700000" algn="ctr" rotWithShape="0">
+                    <a:schemeClr val="bg2"/>
+                  </a:outerShdw>
+                </a:effectLst>
+              </a14:hiddenEffects>
+            </a:ext>
+          </a:extLst>
+        </p:spPr>
+        <p:txBody>
+          <a:bodyPr vert="horz" wrap="none" lIns="91440" tIns="45720" rIns="91440" bIns="45720" numCol="1" anchor="ctr" anchorCtr="0" compatLnSpc="1">
+            <a:prstTxWarp prst="textNoShape">
+              <a:avLst/>
+            </a:prstTxWarp>
+            <a:spAutoFit/>
+          </a:bodyPr>
+          <a:lstStyle/>
+          <a:p>
+            <a:endParaRPr lang="ro-RO"/>
+          </a:p>
+        </p:txBody>
+      </p:sp>
+      <p:sp>
+        <p:nvSpPr>
+          <p:cNvPr id="15" name="Rectangle 4"/>
+          <p:cNvSpPr>
+            <a:spLocks noChangeArrowheads="1"/>
+          </p:cNvSpPr>
+          <p:nvPr/>
+        </p:nvSpPr>
+        <p:spPr bwMode="auto">
+          <a:xfrm>
+            <a:off x="720276" y="2312875"/>
+            <a:ext cx="11193169" cy="45719"/>
+          </a:xfrm>
+          <a:prstGeom prst="rect">
+            <a:avLst/>
+          </a:prstGeom>
+          <a:noFill/>
+          <a:ln>
+            <a:noFill/>
+          </a:ln>
+          <a:effectLst/>
+          <a:extLst>
+            <a:ext uri="{909E8E84-426E-40DD-AFC4-6F175D3DCCD1}">
+              <a14:hiddenFill xmlns:a14="http://schemas.microsoft.com/office/drawing/2010/main">
+                <a:solidFill>
+                  <a:schemeClr val="accent1"/>
+                </a:solidFill>
+              </a14:hiddenFill>
+            </a:ext>
+            <a:ext uri="{91240B29-F687-4F45-9708-019B960494DF}">
+              <a14:hiddenLine xmlns:a14="http://schemas.microsoft.com/office/drawing/2010/main" w="9525">
+                <a:solidFill>
+                  <a:schemeClr val="tx1"/>
+                </a:solidFill>
+                <a:miter lim="800000"/>
+                <a:headEnd/>
+                <a:tailEnd/>
+              </a14:hiddenLine>
+            </a:ext>
+            <a:ext uri="{AF507438-7753-43E0-B8FC-AC1667EBCBE1}">
+              <a14:hiddenEffects xmlns:a14="http://schemas.microsoft.com/office/drawing/2010/main">
+                <a:effectLst>
+                  <a:outerShdw dist="35921" dir="2700000" algn="ctr" rotWithShape="0">
+                    <a:schemeClr val="bg2"/>
+                  </a:outerShdw>
+                </a:effectLst>
+              </a14:hiddenEffects>
+            </a:ext>
+          </a:extLst>
+        </p:spPr>
+        <p:txBody>
+          <a:bodyPr vert="horz" wrap="square" lIns="91440" tIns="45720" rIns="91440" bIns="45720" numCol="1" anchor="ctr" anchorCtr="0" compatLnSpc="1">
+            <a:prstTxWarp prst="textNoShape">
+              <a:avLst/>
+            </a:prstTxWarp>
+            <a:spAutoFit/>
+          </a:bodyPr>
+          <a:lstStyle/>
+          <a:p>
+            <a:endParaRPr lang="ro-RO"/>
+          </a:p>
+        </p:txBody>
+      </p:sp>
+      <p:sp>
+        <p:nvSpPr>
+          <p:cNvPr id="9" name="TextBox 8"/>
+          <p:cNvSpPr txBox="1"/>
+          <p:nvPr/>
+        </p:nvSpPr>
+        <p:spPr>
+          <a:xfrm>
+            <a:off x="381905" y="2312875"/>
+            <a:ext cx="5290038" cy="1477328"/>
+          </a:xfrm>
+          <a:prstGeom prst="rect">
+            <a:avLst/>
+          </a:prstGeom>
+          <a:noFill/>
+        </p:spPr>
+        <p:txBody>
+          <a:bodyPr wrap="none" rtlCol="0">
+            <a:spAutoFit/>
+          </a:bodyPr>
+          <a:lstStyle/>
+          <a:p>
+            <a:r>
+              <a:rPr lang="en-US" dirty="0" smtClean="0"/>
+              <a:t>Create an FPGA environment, simulation in </a:t>
+            </a:r>
+            <a:r>
+              <a:rPr lang="en-US" dirty="0" err="1" smtClean="0"/>
+              <a:t>ModelSim</a:t>
+            </a:r>
+            <a:r>
+              <a:rPr lang="en-US" dirty="0" smtClean="0"/>
+              <a:t>:</a:t>
+            </a:r>
+          </a:p>
+          <a:p>
+            <a:pPr marL="285750" indent="-285750">
+              <a:buFont typeface="Arial" panose="020B0604020202020204" pitchFamily="34" charset="0"/>
+              <a:buChar char="•"/>
+            </a:pPr>
+            <a:r>
+              <a:rPr lang="en-US" dirty="0" smtClean="0"/>
+              <a:t>Interface checkers</a:t>
+            </a:r>
+          </a:p>
+          <a:p>
+            <a:pPr marL="285750" indent="-285750">
+              <a:buFont typeface="Arial" panose="020B0604020202020204" pitchFamily="34" charset="0"/>
+              <a:buChar char="•"/>
+            </a:pPr>
+            <a:r>
+              <a:rPr lang="en-US" dirty="0" smtClean="0"/>
+              <a:t>Xilinx FIFOs</a:t>
+            </a:r>
+          </a:p>
+          <a:p>
+            <a:pPr marL="285750" indent="-285750">
+              <a:buFont typeface="Arial" panose="020B0604020202020204" pitchFamily="34" charset="0"/>
+              <a:buChar char="•"/>
+            </a:pPr>
+            <a:r>
+              <a:rPr lang="en-US" dirty="0" smtClean="0"/>
+              <a:t>Register bank</a:t>
+            </a:r>
+          </a:p>
+          <a:p>
+            <a:pPr marL="285750" indent="-285750">
+              <a:buFont typeface="Arial" panose="020B0604020202020204" pitchFamily="34" charset="0"/>
+              <a:buChar char="•"/>
+            </a:pPr>
+            <a:r>
+              <a:rPr lang="en-US" dirty="0" smtClean="0"/>
+              <a:t>Data injectors (AXI, Frame)</a:t>
+            </a:r>
+          </a:p>
+        </p:txBody>
+      </p:sp>
+      <p:sp>
+        <p:nvSpPr>
+          <p:cNvPr id="10" name="TextBox 9"/>
+          <p:cNvSpPr txBox="1"/>
+          <p:nvPr/>
+        </p:nvSpPr>
+        <p:spPr>
+          <a:xfrm>
+            <a:off x="467544" y="4257092"/>
+            <a:ext cx="7559570" cy="646331"/>
+          </a:xfrm>
+          <a:prstGeom prst="rect">
+            <a:avLst/>
+          </a:prstGeom>
+          <a:noFill/>
+        </p:spPr>
+        <p:txBody>
+          <a:bodyPr wrap="none" rtlCol="0">
+            <a:spAutoFit/>
+          </a:bodyPr>
+          <a:lstStyle/>
+          <a:p>
+            <a:r>
+              <a:rPr lang="en-US" dirty="0" smtClean="0"/>
+              <a:t>Algorithm check: comparison between the model sim result and </a:t>
+            </a:r>
+            <a:r>
+              <a:rPr lang="en-US" dirty="0" err="1" smtClean="0"/>
+              <a:t>Matlab</a:t>
+            </a:r>
+            <a:r>
+              <a:rPr lang="en-US" dirty="0" smtClean="0"/>
+              <a:t> result.</a:t>
+            </a:r>
+          </a:p>
+          <a:p>
+            <a:r>
+              <a:rPr lang="en-US" dirty="0" smtClean="0"/>
+              <a:t>Small differences that cannot be seen with the naked eye.</a:t>
+            </a:r>
+          </a:p>
+        </p:txBody>
+      </p:sp>
+    </p:spTree>
+    <p:extLst>
+      <p:ext uri="{BB962C8B-B14F-4D97-AF65-F5344CB8AC3E}">
+        <p14:creationId xmlns:p14="http://schemas.microsoft.com/office/powerpoint/2010/main" val="2018916770"/>
+      </p:ext>
+    </p:extLst>
+  </p:cSld>
+  <p:clrMapOvr>
+    <a:masterClrMapping/>
+  </p:clrMapOvr>
+  <p:timing>
+    <p:tnLst>
+      <p:par>
+        <p:cTn id="1" dur="indefinite" restart="never" nodeType="tmRoot"/>
+      </p:par>
+    </p:tnLst>
+  </p:timing>
+</p:sld>
+</file>
+
+<file path=ppt/slides/slide15.xml><?xml version="1.0" encoding="utf-8"?>
+<p:sld xmlns:a="http://schemas.openxmlformats.org/drawingml/2006/main" xmlns:r="http://schemas.openxmlformats.org/officeDocument/2006/relationships" xmlns:p="http://schemas.openxmlformats.org/presentationml/2006/main">
+  <p:cSld>
+    <p:spTree>
+      <p:nvGrpSpPr>
+        <p:cNvPr id="1" name=""/>
+        <p:cNvGrpSpPr/>
+        <p:nvPr/>
+      </p:nvGrpSpPr>
+      <p:grpSpPr>
+        <a:xfrm>
+          <a:off x="0" y="0"/>
+          <a:ext cx="0" cy="0"/>
+          <a:chOff x="0" y="0"/>
+          <a:chExt cx="0" cy="0"/>
+        </a:xfrm>
+      </p:grpSpPr>
+      <p:grpSp>
+        <p:nvGrpSpPr>
+          <p:cNvPr id="4" name="Group 3"/>
+          <p:cNvGrpSpPr/>
+          <p:nvPr/>
+        </p:nvGrpSpPr>
+        <p:grpSpPr>
+          <a:xfrm>
+            <a:off x="8460432" y="6237312"/>
+            <a:ext cx="216000" cy="216000"/>
+            <a:chOff x="2772000" y="1932221"/>
+            <a:chExt cx="2340000" cy="2340000"/>
+          </a:xfrm>
+        </p:grpSpPr>
+        <p:sp>
+          <p:nvSpPr>
+            <p:cNvPr id="5" name="Rectangle 4"/>
+            <p:cNvSpPr/>
+            <p:nvPr/>
+          </p:nvSpPr>
+          <p:spPr>
+            <a:xfrm>
+              <a:off x="2772000" y="1932221"/>
+              <a:ext cx="2340000" cy="2340000"/>
+            </a:xfrm>
+            <a:prstGeom prst="rect">
+              <a:avLst/>
+            </a:prstGeom>
+            <a:solidFill>
+              <a:schemeClr val="bg1">
+                <a:lumMod val="75000"/>
+              </a:schemeClr>
+            </a:solidFill>
+            <a:ln>
+              <a:noFill/>
+            </a:ln>
+          </p:spPr>
+          <p:style>
+            <a:lnRef idx="2">
+              <a:schemeClr val="accent1">
+                <a:shade val="50000"/>
+              </a:schemeClr>
+            </a:lnRef>
+            <a:fillRef idx="1">
+              <a:schemeClr val="accent1"/>
+            </a:fillRef>
+            <a:effectRef idx="0">
+              <a:schemeClr val="accent1"/>
+            </a:effectRef>
+            <a:fontRef idx="minor">
+              <a:schemeClr val="lt1"/>
+            </a:fontRef>
+          </p:style>
+          <p:txBody>
+            <a:bodyPr rtlCol="0" anchor="ctr"/>
+            <a:lstStyle/>
+            <a:p>
+              <a:pPr algn="ctr"/>
+              <a:endParaRPr lang="en-US">
+                <a:ln>
+                  <a:solidFill>
+                    <a:schemeClr val="bg2">
+                      <a:lumMod val="75000"/>
+                    </a:schemeClr>
+                  </a:solidFill>
+                </a:ln>
+                <a:solidFill>
+                  <a:schemeClr val="tx1"/>
+                </a:solidFill>
+              </a:endParaRPr>
+            </a:p>
+          </p:txBody>
+        </p:sp>
+        <p:sp>
+          <p:nvSpPr>
+            <p:cNvPr id="6" name="Rectangle 5"/>
+            <p:cNvSpPr/>
+            <p:nvPr/>
+          </p:nvSpPr>
+          <p:spPr>
+            <a:xfrm>
+              <a:off x="3546000" y="2706221"/>
+              <a:ext cx="792000" cy="792000"/>
+            </a:xfrm>
+            <a:prstGeom prst="rect">
+              <a:avLst/>
+            </a:prstGeom>
+            <a:solidFill>
+              <a:schemeClr val="bg1"/>
+            </a:solidFill>
+            <a:ln>
+              <a:noFill/>
+            </a:ln>
+          </p:spPr>
+          <p:style>
+            <a:lnRef idx="2">
+              <a:schemeClr val="accent1">
+                <a:shade val="50000"/>
+              </a:schemeClr>
+            </a:lnRef>
+            <a:fillRef idx="1">
+              <a:schemeClr val="accent1"/>
+            </a:fillRef>
+            <a:effectRef idx="0">
+              <a:schemeClr val="accent1"/>
+            </a:effectRef>
+            <a:fontRef idx="minor">
+              <a:schemeClr val="lt1"/>
+            </a:fontRef>
+          </p:style>
+          <p:txBody>
+            <a:bodyPr rtlCol="0" anchor="ctr"/>
+            <a:lstStyle/>
+            <a:p>
+              <a:pPr algn="ctr"/>
+              <a:endParaRPr lang="en-US">
+                <a:ln>
+                  <a:solidFill>
+                    <a:schemeClr val="bg2">
+                      <a:lumMod val="75000"/>
+                    </a:schemeClr>
+                  </a:solidFill>
+                </a:ln>
+                <a:solidFill>
+                  <a:schemeClr val="tx1"/>
+                </a:solidFill>
+              </a:endParaRPr>
+            </a:p>
+          </p:txBody>
+        </p:sp>
+      </p:grpSp>
+      <p:pic>
+        <p:nvPicPr>
+          <p:cNvPr id="7" name="Picture 6"/>
+          <p:cNvPicPr>
+            <a:picLocks noChangeAspect="1"/>
+          </p:cNvPicPr>
+          <p:nvPr/>
+        </p:nvPicPr>
+        <p:blipFill>
+          <a:blip r:embed="rId2" cstate="print">
+            <a:extLst>
+              <a:ext uri="{28A0092B-C50C-407E-A947-70E740481C1C}">
+                <a14:useLocalDpi xmlns:a14="http://schemas.microsoft.com/office/drawing/2010/main" val="0"/>
+              </a:ext>
+            </a:extLst>
+          </a:blip>
+          <a:stretch>
+            <a:fillRect/>
+          </a:stretch>
+        </p:blipFill>
+        <p:spPr>
+          <a:xfrm>
+            <a:off x="381905" y="332656"/>
+            <a:ext cx="2497907" cy="648072"/>
+          </a:xfrm>
+          <a:prstGeom prst="rect">
+            <a:avLst/>
+          </a:prstGeom>
+        </p:spPr>
+      </p:pic>
+      <p:sp>
+        <p:nvSpPr>
           <p:cNvPr id="2" name="Rectangle 1">
             <a:extLst>
               <a:ext uri="{FF2B5EF4-FFF2-40B4-BE49-F238E27FC236}">
@@ -7220,7 +8112,7 @@
 </p:sld>
 </file>
 
-<file path=ppt/slides/slide15.xml><?xml version="1.0" encoding="utf-8"?>
+<file path=ppt/slides/slide16.xml><?xml version="1.0" encoding="utf-8"?>
 <p:sld xmlns:a="http://schemas.openxmlformats.org/drawingml/2006/main" xmlns:r="http://schemas.openxmlformats.org/officeDocument/2006/relationships" xmlns:p="http://schemas.openxmlformats.org/presentationml/2006/main">
   <p:cSld>
     <p:spTree>
@@ -7877,7 +8769,7 @@
 </p:sld>
 </file>
 
-<file path=ppt/slides/slide16.xml><?xml version="1.0" encoding="utf-8"?>
+<file path=ppt/slides/slide17.xml><?xml version="1.0" encoding="utf-8"?>
 <p:sld xmlns:a="http://schemas.openxmlformats.org/drawingml/2006/main" xmlns:r="http://schemas.openxmlformats.org/officeDocument/2006/relationships" xmlns:p="http://schemas.openxmlformats.org/presentationml/2006/main">
   <p:cSld>
     <p:spTree>
@@ -8223,7 +9115,7 @@
           <a:graphicData uri="http://schemas.openxmlformats.org/presentationml/2006/ole">
             <mc:AlternateContent xmlns:mc="http://schemas.openxmlformats.org/markup-compatibility/2006">
               <mc:Choice xmlns:v="urn:schemas-microsoft-com:vml" Requires="v">
-                <p:oleObj spid="_x0000_s8205" name="Visio" r:id="rId4" imgW="6114942" imgH="1533417" progId="Visio.Drawing.15">
+                <p:oleObj spid="_x0000_s8204" name="Visio" r:id="rId4" imgW="6114942" imgH="1533417" progId="Visio.Drawing.15">
                   <p:embed/>
                 </p:oleObj>
               </mc:Choice>
@@ -9120,7 +10012,452 @@
 </p:sld>
 </file>
 
-<file path=ppt/slides/slide17.xml><?xml version="1.0" encoding="utf-8"?>
+<file path=ppt/slides/slide18.xml><?xml version="1.0" encoding="utf-8"?>
+<p:sld xmlns:a="http://schemas.openxmlformats.org/drawingml/2006/main" xmlns:r="http://schemas.openxmlformats.org/officeDocument/2006/relationships" xmlns:p="http://schemas.openxmlformats.org/presentationml/2006/main">
+  <p:cSld>
+    <p:spTree>
+      <p:nvGrpSpPr>
+        <p:cNvPr id="1" name=""/>
+        <p:cNvGrpSpPr/>
+        <p:nvPr/>
+      </p:nvGrpSpPr>
+      <p:grpSpPr>
+        <a:xfrm>
+          <a:off x="0" y="0"/>
+          <a:ext cx="0" cy="0"/>
+          <a:chOff x="0" y="0"/>
+          <a:chExt cx="0" cy="0"/>
+        </a:xfrm>
+      </p:grpSpPr>
+      <p:grpSp>
+        <p:nvGrpSpPr>
+          <p:cNvPr id="4" name="Group 3"/>
+          <p:cNvGrpSpPr/>
+          <p:nvPr/>
+        </p:nvGrpSpPr>
+        <p:grpSpPr>
+          <a:xfrm>
+            <a:off x="8460432" y="6237312"/>
+            <a:ext cx="216000" cy="216000"/>
+            <a:chOff x="2772000" y="1932221"/>
+            <a:chExt cx="2340000" cy="2340000"/>
+          </a:xfrm>
+        </p:grpSpPr>
+        <p:sp>
+          <p:nvSpPr>
+            <p:cNvPr id="5" name="Rectangle 4"/>
+            <p:cNvSpPr/>
+            <p:nvPr/>
+          </p:nvSpPr>
+          <p:spPr>
+            <a:xfrm>
+              <a:off x="2772000" y="1932221"/>
+              <a:ext cx="2340000" cy="2340000"/>
+            </a:xfrm>
+            <a:prstGeom prst="rect">
+              <a:avLst/>
+            </a:prstGeom>
+            <a:solidFill>
+              <a:schemeClr val="bg1">
+                <a:lumMod val="75000"/>
+              </a:schemeClr>
+            </a:solidFill>
+            <a:ln>
+              <a:noFill/>
+            </a:ln>
+          </p:spPr>
+          <p:style>
+            <a:lnRef idx="2">
+              <a:schemeClr val="accent1">
+                <a:shade val="50000"/>
+              </a:schemeClr>
+            </a:lnRef>
+            <a:fillRef idx="1">
+              <a:schemeClr val="accent1"/>
+            </a:fillRef>
+            <a:effectRef idx="0">
+              <a:schemeClr val="accent1"/>
+            </a:effectRef>
+            <a:fontRef idx="minor">
+              <a:schemeClr val="lt1"/>
+            </a:fontRef>
+          </p:style>
+          <p:txBody>
+            <a:bodyPr rtlCol="0" anchor="ctr"/>
+            <a:lstStyle/>
+            <a:p>
+              <a:pPr algn="ctr"/>
+              <a:endParaRPr lang="en-US">
+                <a:ln>
+                  <a:solidFill>
+                    <a:schemeClr val="bg2">
+                      <a:lumMod val="75000"/>
+                    </a:schemeClr>
+                  </a:solidFill>
+                </a:ln>
+                <a:solidFill>
+                  <a:schemeClr val="tx1"/>
+                </a:solidFill>
+              </a:endParaRPr>
+            </a:p>
+          </p:txBody>
+        </p:sp>
+        <p:sp>
+          <p:nvSpPr>
+            <p:cNvPr id="6" name="Rectangle 5"/>
+            <p:cNvSpPr/>
+            <p:nvPr/>
+          </p:nvSpPr>
+          <p:spPr>
+            <a:xfrm>
+              <a:off x="3546000" y="2706221"/>
+              <a:ext cx="792000" cy="792000"/>
+            </a:xfrm>
+            <a:prstGeom prst="rect">
+              <a:avLst/>
+            </a:prstGeom>
+            <a:solidFill>
+              <a:schemeClr val="bg1"/>
+            </a:solidFill>
+            <a:ln>
+              <a:noFill/>
+            </a:ln>
+          </p:spPr>
+          <p:style>
+            <a:lnRef idx="2">
+              <a:schemeClr val="accent1">
+                <a:shade val="50000"/>
+              </a:schemeClr>
+            </a:lnRef>
+            <a:fillRef idx="1">
+              <a:schemeClr val="accent1"/>
+            </a:fillRef>
+            <a:effectRef idx="0">
+              <a:schemeClr val="accent1"/>
+            </a:effectRef>
+            <a:fontRef idx="minor">
+              <a:schemeClr val="lt1"/>
+            </a:fontRef>
+          </p:style>
+          <p:txBody>
+            <a:bodyPr rtlCol="0" anchor="ctr"/>
+            <a:lstStyle/>
+            <a:p>
+              <a:pPr algn="ctr"/>
+              <a:endParaRPr lang="en-US">
+                <a:ln>
+                  <a:solidFill>
+                    <a:schemeClr val="bg2">
+                      <a:lumMod val="75000"/>
+                    </a:schemeClr>
+                  </a:solidFill>
+                </a:ln>
+                <a:solidFill>
+                  <a:schemeClr val="tx1"/>
+                </a:solidFill>
+              </a:endParaRPr>
+            </a:p>
+          </p:txBody>
+        </p:sp>
+      </p:grpSp>
+      <p:pic>
+        <p:nvPicPr>
+          <p:cNvPr id="7" name="Picture 6"/>
+          <p:cNvPicPr>
+            <a:picLocks noChangeAspect="1"/>
+          </p:cNvPicPr>
+          <p:nvPr/>
+        </p:nvPicPr>
+        <p:blipFill>
+          <a:blip r:embed="rId2" cstate="print">
+            <a:extLst>
+              <a:ext uri="{28A0092B-C50C-407E-A947-70E740481C1C}">
+                <a14:useLocalDpi xmlns:a14="http://schemas.microsoft.com/office/drawing/2010/main" val="0"/>
+              </a:ext>
+            </a:extLst>
+          </a:blip>
+          <a:stretch>
+            <a:fillRect/>
+          </a:stretch>
+        </p:blipFill>
+        <p:spPr>
+          <a:xfrm>
+            <a:off x="381905" y="332656"/>
+            <a:ext cx="2497907" cy="648072"/>
+          </a:xfrm>
+          <a:prstGeom prst="rect">
+            <a:avLst/>
+          </a:prstGeom>
+        </p:spPr>
+      </p:pic>
+      <p:sp>
+        <p:nvSpPr>
+          <p:cNvPr id="2" name="Rectangle 1">
+            <a:extLst>
+              <a:ext uri="{FF2B5EF4-FFF2-40B4-BE49-F238E27FC236}">
+                <a16:creationId xmlns:a16="http://schemas.microsoft.com/office/drawing/2014/main" id="{51DA1308-129E-4E31-B51F-841C639BA182}"/>
+              </a:ext>
+            </a:extLst>
+          </p:cNvPr>
+          <p:cNvSpPr/>
+          <p:nvPr/>
+        </p:nvSpPr>
+        <p:spPr>
+          <a:xfrm>
+            <a:off x="378566" y="1268760"/>
+            <a:ext cx="1915396" cy="646331"/>
+          </a:xfrm>
+          <a:prstGeom prst="rect">
+            <a:avLst/>
+          </a:prstGeom>
+        </p:spPr>
+        <p:txBody>
+          <a:bodyPr wrap="none">
+            <a:spAutoFit/>
+          </a:bodyPr>
+          <a:lstStyle/>
+          <a:p>
+            <a:r>
+              <a:rPr lang="en-US" sz="3600" b="1" dirty="0">
+                <a:latin typeface="UT Sans Bold"/>
+              </a:rPr>
+              <a:t>Software</a:t>
+            </a:r>
+          </a:p>
+        </p:txBody>
+      </p:sp>
+      <p:sp>
+        <p:nvSpPr>
+          <p:cNvPr id="3" name="TextBox 2">
+            <a:extLst>
+              <a:ext uri="{FF2B5EF4-FFF2-40B4-BE49-F238E27FC236}">
+                <a16:creationId xmlns:a16="http://schemas.microsoft.com/office/drawing/2014/main" id="{112EC792-BD5B-403E-9AE1-00A9885C7400}"/>
+              </a:ext>
+            </a:extLst>
+          </p:cNvPr>
+          <p:cNvSpPr txBox="1"/>
+          <p:nvPr/>
+        </p:nvSpPr>
+        <p:spPr>
+          <a:xfrm>
+            <a:off x="378566" y="1915091"/>
+            <a:ext cx="2766206" cy="369332"/>
+          </a:xfrm>
+          <a:prstGeom prst="rect">
+            <a:avLst/>
+          </a:prstGeom>
+          <a:noFill/>
+        </p:spPr>
+        <p:txBody>
+          <a:bodyPr wrap="none" rtlCol="0">
+            <a:spAutoFit/>
+          </a:bodyPr>
+          <a:lstStyle/>
+          <a:p>
+            <a:r>
+              <a:rPr lang="en-US" dirty="0"/>
+              <a:t>Configurating the hardware</a:t>
+            </a:r>
+          </a:p>
+        </p:txBody>
+      </p:sp>
+      <p:pic>
+        <p:nvPicPr>
+          <p:cNvPr id="9" name="Picture 8">
+            <a:extLst>
+              <a:ext uri="{FF2B5EF4-FFF2-40B4-BE49-F238E27FC236}">
+                <a16:creationId xmlns:a16="http://schemas.microsoft.com/office/drawing/2014/main" id="{62E6B65F-EE9F-47DA-9770-7158E4E3AFF3}"/>
+              </a:ext>
+            </a:extLst>
+          </p:cNvPr>
+          <p:cNvPicPr>
+            <a:picLocks noChangeAspect="1"/>
+          </p:cNvPicPr>
+          <p:nvPr/>
+        </p:nvPicPr>
+        <p:blipFill>
+          <a:blip r:embed="rId3">
+            <a:extLst>
+              <a:ext uri="{28A0092B-C50C-407E-A947-70E740481C1C}">
+                <a14:useLocalDpi xmlns:a14="http://schemas.microsoft.com/office/drawing/2010/main" val="0"/>
+              </a:ext>
+            </a:extLst>
+          </a:blip>
+          <a:stretch>
+            <a:fillRect/>
+          </a:stretch>
+        </p:blipFill>
+        <p:spPr>
+          <a:xfrm>
+            <a:off x="287524" y="2295754"/>
+            <a:ext cx="4381500" cy="1270000"/>
+          </a:xfrm>
+          <a:prstGeom prst="rect">
+            <a:avLst/>
+          </a:prstGeom>
+        </p:spPr>
+      </p:pic>
+      <p:pic>
+        <p:nvPicPr>
+          <p:cNvPr id="12" name="Picture 11">
+            <a:extLst>
+              <a:ext uri="{FF2B5EF4-FFF2-40B4-BE49-F238E27FC236}">
+                <a16:creationId xmlns:a16="http://schemas.microsoft.com/office/drawing/2014/main" id="{3F9C38F0-AF47-4C03-9713-CA55AFBBCCDB}"/>
+              </a:ext>
+            </a:extLst>
+          </p:cNvPr>
+          <p:cNvPicPr>
+            <a:picLocks noChangeAspect="1"/>
+          </p:cNvPicPr>
+          <p:nvPr/>
+        </p:nvPicPr>
+        <p:blipFill>
+          <a:blip r:embed="rId4">
+            <a:extLst>
+              <a:ext uri="{28A0092B-C50C-407E-A947-70E740481C1C}">
+                <a14:useLocalDpi xmlns:a14="http://schemas.microsoft.com/office/drawing/2010/main" val="0"/>
+              </a:ext>
+            </a:extLst>
+          </a:blip>
+          <a:stretch>
+            <a:fillRect/>
+          </a:stretch>
+        </p:blipFill>
+        <p:spPr>
+          <a:xfrm>
+            <a:off x="5706252" y="3298529"/>
+            <a:ext cx="2825626" cy="2648656"/>
+          </a:xfrm>
+          <a:prstGeom prst="rect">
+            <a:avLst/>
+          </a:prstGeom>
+        </p:spPr>
+      </p:pic>
+      <p:pic>
+        <p:nvPicPr>
+          <p:cNvPr id="14" name="Picture 13">
+            <a:extLst>
+              <a:ext uri="{FF2B5EF4-FFF2-40B4-BE49-F238E27FC236}">
+                <a16:creationId xmlns:a16="http://schemas.microsoft.com/office/drawing/2014/main" id="{D3E6E8A5-EA24-4D6B-B172-BD16EC7232D1}"/>
+              </a:ext>
+            </a:extLst>
+          </p:cNvPr>
+          <p:cNvPicPr>
+            <a:picLocks noChangeAspect="1"/>
+          </p:cNvPicPr>
+          <p:nvPr/>
+        </p:nvPicPr>
+        <p:blipFill>
+          <a:blip r:embed="rId5">
+            <a:extLst>
+              <a:ext uri="{28A0092B-C50C-407E-A947-70E740481C1C}">
+                <a14:useLocalDpi xmlns:a14="http://schemas.microsoft.com/office/drawing/2010/main" val="0"/>
+              </a:ext>
+            </a:extLst>
+          </a:blip>
+          <a:stretch>
+            <a:fillRect/>
+          </a:stretch>
+        </p:blipFill>
+        <p:spPr>
+          <a:xfrm>
+            <a:off x="5706252" y="461834"/>
+            <a:ext cx="2825626" cy="2765249"/>
+          </a:xfrm>
+          <a:prstGeom prst="rect">
+            <a:avLst/>
+          </a:prstGeom>
+        </p:spPr>
+      </p:pic>
+      <p:sp>
+        <p:nvSpPr>
+          <p:cNvPr id="15" name="TextBox 14">
+            <a:extLst>
+              <a:ext uri="{FF2B5EF4-FFF2-40B4-BE49-F238E27FC236}">
+                <a16:creationId xmlns:a16="http://schemas.microsoft.com/office/drawing/2014/main" id="{A6FBCAE4-E8CC-4A79-B981-695785A9D1EB}"/>
+              </a:ext>
+            </a:extLst>
+          </p:cNvPr>
+          <p:cNvSpPr txBox="1"/>
+          <p:nvPr/>
+        </p:nvSpPr>
+        <p:spPr>
+          <a:xfrm>
+            <a:off x="378566" y="4113076"/>
+            <a:ext cx="4553474" cy="1477328"/>
+          </a:xfrm>
+          <a:prstGeom prst="rect">
+            <a:avLst/>
+          </a:prstGeom>
+          <a:noFill/>
+        </p:spPr>
+        <p:txBody>
+          <a:bodyPr wrap="square" rtlCol="0">
+            <a:spAutoFit/>
+          </a:bodyPr>
+          <a:lstStyle/>
+          <a:p>
+            <a:r>
+              <a:rPr lang="en-US" b="1" dirty="0"/>
+              <a:t>Write registers:</a:t>
+            </a:r>
+          </a:p>
+          <a:p>
+            <a:pPr marL="285750" indent="-285750">
+              <a:buFont typeface="Arial" panose="020B0604020202020204" pitchFamily="34" charset="0"/>
+              <a:buChar char="•"/>
+            </a:pPr>
+            <a:r>
+              <a:rPr lang="en-US" dirty="0"/>
+              <a:t>Configure image dimension</a:t>
+            </a:r>
+          </a:p>
+          <a:p>
+            <a:pPr marL="285750" indent="-285750">
+              <a:buFont typeface="Arial" panose="020B0604020202020204" pitchFamily="34" charset="0"/>
+              <a:buChar char="•"/>
+            </a:pPr>
+            <a:r>
+              <a:rPr lang="en-US" dirty="0"/>
+              <a:t>Set algorithm succession</a:t>
+            </a:r>
+          </a:p>
+          <a:p>
+            <a:pPr marL="285750" indent="-285750">
+              <a:buFont typeface="Arial" panose="020B0604020202020204" pitchFamily="34" charset="0"/>
+              <a:buChar char="•"/>
+            </a:pPr>
+            <a:r>
+              <a:rPr lang="en-US" dirty="0"/>
+              <a:t>Test mode enable/disable</a:t>
+            </a:r>
+          </a:p>
+          <a:p>
+            <a:pPr marL="285750" indent="-285750">
+              <a:buFont typeface="Arial" panose="020B0604020202020204" pitchFamily="34" charset="0"/>
+              <a:buChar char="•"/>
+            </a:pPr>
+            <a:r>
+              <a:rPr lang="en-US" dirty="0"/>
+              <a:t>AXI interface parameters: stride, burst size</a:t>
+            </a:r>
+          </a:p>
+        </p:txBody>
+      </p:sp>
+    </p:spTree>
+    <p:extLst>
+      <p:ext uri="{BB962C8B-B14F-4D97-AF65-F5344CB8AC3E}">
+        <p14:creationId xmlns:p14="http://schemas.microsoft.com/office/powerpoint/2010/main" val="2216790207"/>
+      </p:ext>
+    </p:extLst>
+  </p:cSld>
+  <p:clrMapOvr>
+    <a:masterClrMapping/>
+  </p:clrMapOvr>
+</p:sld>
+</file>
+
+<file path=ppt/slides/slide19.xml><?xml version="1.0" encoding="utf-8"?>
 <p:sld xmlns:a="http://schemas.openxmlformats.org/drawingml/2006/main" xmlns:r="http://schemas.openxmlformats.org/officeDocument/2006/relationships" xmlns:p="http://schemas.openxmlformats.org/presentationml/2006/main">
   <p:cSld>
     <p:spTree>
@@ -9465,7 +10802,7 @@
           <a:graphicData uri="http://schemas.openxmlformats.org/presentationml/2006/ole">
             <mc:AlternateContent xmlns:mc="http://schemas.openxmlformats.org/markup-compatibility/2006">
               <mc:Choice xmlns:v="urn:schemas-microsoft-com:vml" Requires="v">
-                <p:oleObj spid="_x0000_s9239" name="Visio" r:id="rId4" imgW="6905700" imgH="2609939" progId="Visio.Drawing.15">
+                <p:oleObj spid="_x0000_s9237" name="Visio" r:id="rId4" imgW="6905700" imgH="2609939" progId="Visio.Drawing.15">
                   <p:embed/>
                 </p:oleObj>
               </mc:Choice>
@@ -9616,7 +10953,7 @@
           <a:graphicData uri="http://schemas.openxmlformats.org/presentationml/2006/ole">
             <mc:AlternateContent xmlns:mc="http://schemas.openxmlformats.org/markup-compatibility/2006">
               <mc:Choice xmlns:v="urn:schemas-microsoft-com:vml" Requires="v">
-                <p:oleObj spid="_x0000_s9240" name="Visio" r:id="rId6" imgW="4791043" imgH="8105743" progId="Visio.Drawing.15">
+                <p:oleObj spid="_x0000_s9238" name="Visio" r:id="rId6" imgW="4791043" imgH="8105743" progId="Visio.Drawing.15">
                   <p:embed/>
                 </p:oleObj>
               </mc:Choice>
@@ -9674,852 +11011,6 @@
     <p:extLst>
       <p:ext uri="{BB962C8B-B14F-4D97-AF65-F5344CB8AC3E}">
         <p14:creationId xmlns:p14="http://schemas.microsoft.com/office/powerpoint/2010/main" val="1066460996"/>
-      </p:ext>
-    </p:extLst>
-  </p:cSld>
-  <p:clrMapOvr>
-    <a:masterClrMapping/>
-  </p:clrMapOvr>
-</p:sld>
-</file>
-
-<file path=ppt/slides/slide18.xml><?xml version="1.0" encoding="utf-8"?>
-<p:sld xmlns:a="http://schemas.openxmlformats.org/drawingml/2006/main" xmlns:r="http://schemas.openxmlformats.org/officeDocument/2006/relationships" xmlns:p="http://schemas.openxmlformats.org/presentationml/2006/main">
-  <p:cSld>
-    <p:spTree>
-      <p:nvGrpSpPr>
-        <p:cNvPr id="1" name=""/>
-        <p:cNvGrpSpPr/>
-        <p:nvPr/>
-      </p:nvGrpSpPr>
-      <p:grpSpPr>
-        <a:xfrm>
-          <a:off x="0" y="0"/>
-          <a:ext cx="0" cy="0"/>
-          <a:chOff x="0" y="0"/>
-          <a:chExt cx="0" cy="0"/>
-        </a:xfrm>
-      </p:grpSpPr>
-      <p:grpSp>
-        <p:nvGrpSpPr>
-          <p:cNvPr id="4" name="Group 3"/>
-          <p:cNvGrpSpPr/>
-          <p:nvPr/>
-        </p:nvGrpSpPr>
-        <p:grpSpPr>
-          <a:xfrm>
-            <a:off x="8460432" y="6237312"/>
-            <a:ext cx="216000" cy="216000"/>
-            <a:chOff x="2772000" y="1932221"/>
-            <a:chExt cx="2340000" cy="2340000"/>
-          </a:xfrm>
-        </p:grpSpPr>
-        <p:sp>
-          <p:nvSpPr>
-            <p:cNvPr id="5" name="Rectangle 4"/>
-            <p:cNvSpPr/>
-            <p:nvPr/>
-          </p:nvSpPr>
-          <p:spPr>
-            <a:xfrm>
-              <a:off x="2772000" y="1932221"/>
-              <a:ext cx="2340000" cy="2340000"/>
-            </a:xfrm>
-            <a:prstGeom prst="rect">
-              <a:avLst/>
-            </a:prstGeom>
-            <a:solidFill>
-              <a:schemeClr val="bg1">
-                <a:lumMod val="75000"/>
-              </a:schemeClr>
-            </a:solidFill>
-            <a:ln>
-              <a:noFill/>
-            </a:ln>
-          </p:spPr>
-          <p:style>
-            <a:lnRef idx="2">
-              <a:schemeClr val="accent1">
-                <a:shade val="50000"/>
-              </a:schemeClr>
-            </a:lnRef>
-            <a:fillRef idx="1">
-              <a:schemeClr val="accent1"/>
-            </a:fillRef>
-            <a:effectRef idx="0">
-              <a:schemeClr val="accent1"/>
-            </a:effectRef>
-            <a:fontRef idx="minor">
-              <a:schemeClr val="lt1"/>
-            </a:fontRef>
-          </p:style>
-          <p:txBody>
-            <a:bodyPr rtlCol="0" anchor="ctr"/>
-            <a:lstStyle/>
-            <a:p>
-              <a:pPr algn="ctr"/>
-              <a:endParaRPr lang="en-US">
-                <a:ln>
-                  <a:solidFill>
-                    <a:schemeClr val="bg2">
-                      <a:lumMod val="75000"/>
-                    </a:schemeClr>
-                  </a:solidFill>
-                </a:ln>
-                <a:solidFill>
-                  <a:schemeClr val="tx1"/>
-                </a:solidFill>
-              </a:endParaRPr>
-            </a:p>
-          </p:txBody>
-        </p:sp>
-        <p:sp>
-          <p:nvSpPr>
-            <p:cNvPr id="6" name="Rectangle 5"/>
-            <p:cNvSpPr/>
-            <p:nvPr/>
-          </p:nvSpPr>
-          <p:spPr>
-            <a:xfrm>
-              <a:off x="3546000" y="2706221"/>
-              <a:ext cx="792000" cy="792000"/>
-            </a:xfrm>
-            <a:prstGeom prst="rect">
-              <a:avLst/>
-            </a:prstGeom>
-            <a:solidFill>
-              <a:schemeClr val="bg1"/>
-            </a:solidFill>
-            <a:ln>
-              <a:noFill/>
-            </a:ln>
-          </p:spPr>
-          <p:style>
-            <a:lnRef idx="2">
-              <a:schemeClr val="accent1">
-                <a:shade val="50000"/>
-              </a:schemeClr>
-            </a:lnRef>
-            <a:fillRef idx="1">
-              <a:schemeClr val="accent1"/>
-            </a:fillRef>
-            <a:effectRef idx="0">
-              <a:schemeClr val="accent1"/>
-            </a:effectRef>
-            <a:fontRef idx="minor">
-              <a:schemeClr val="lt1"/>
-            </a:fontRef>
-          </p:style>
-          <p:txBody>
-            <a:bodyPr rtlCol="0" anchor="ctr"/>
-            <a:lstStyle/>
-            <a:p>
-              <a:pPr algn="ctr"/>
-              <a:endParaRPr lang="en-US">
-                <a:ln>
-                  <a:solidFill>
-                    <a:schemeClr val="bg2">
-                      <a:lumMod val="75000"/>
-                    </a:schemeClr>
-                  </a:solidFill>
-                </a:ln>
-                <a:solidFill>
-                  <a:schemeClr val="tx1"/>
-                </a:solidFill>
-              </a:endParaRPr>
-            </a:p>
-          </p:txBody>
-        </p:sp>
-      </p:grpSp>
-      <p:pic>
-        <p:nvPicPr>
-          <p:cNvPr id="7" name="Picture 6"/>
-          <p:cNvPicPr>
-            <a:picLocks noChangeAspect="1"/>
-          </p:cNvPicPr>
-          <p:nvPr/>
-        </p:nvPicPr>
-        <p:blipFill>
-          <a:blip r:embed="rId2" cstate="print">
-            <a:extLst>
-              <a:ext uri="{28A0092B-C50C-407E-A947-70E740481C1C}">
-                <a14:useLocalDpi xmlns:a14="http://schemas.microsoft.com/office/drawing/2010/main" val="0"/>
-              </a:ext>
-            </a:extLst>
-          </a:blip>
-          <a:stretch>
-            <a:fillRect/>
-          </a:stretch>
-        </p:blipFill>
-        <p:spPr>
-          <a:xfrm>
-            <a:off x="381905" y="332656"/>
-            <a:ext cx="2497907" cy="648072"/>
-          </a:xfrm>
-          <a:prstGeom prst="rect">
-            <a:avLst/>
-          </a:prstGeom>
-        </p:spPr>
-      </p:pic>
-      <p:sp>
-        <p:nvSpPr>
-          <p:cNvPr id="2" name="Rectangle 1">
-            <a:extLst>
-              <a:ext uri="{FF2B5EF4-FFF2-40B4-BE49-F238E27FC236}">
-                <a16:creationId xmlns:a16="http://schemas.microsoft.com/office/drawing/2014/main" id="{51DA1308-129E-4E31-B51F-841C639BA182}"/>
-              </a:ext>
-            </a:extLst>
-          </p:cNvPr>
-          <p:cNvSpPr/>
-          <p:nvPr/>
-        </p:nvSpPr>
-        <p:spPr>
-          <a:xfrm>
-            <a:off x="378566" y="1268760"/>
-            <a:ext cx="1915396" cy="646331"/>
-          </a:xfrm>
-          <a:prstGeom prst="rect">
-            <a:avLst/>
-          </a:prstGeom>
-        </p:spPr>
-        <p:txBody>
-          <a:bodyPr wrap="none">
-            <a:spAutoFit/>
-          </a:bodyPr>
-          <a:lstStyle/>
-          <a:p>
-            <a:r>
-              <a:rPr lang="en-US" sz="3600" b="1" dirty="0">
-                <a:latin typeface="UT Sans Bold"/>
-              </a:rPr>
-              <a:t>Software</a:t>
-            </a:r>
-          </a:p>
-        </p:txBody>
-      </p:sp>
-      <p:sp>
-        <p:nvSpPr>
-          <p:cNvPr id="3" name="TextBox 2">
-            <a:extLst>
-              <a:ext uri="{FF2B5EF4-FFF2-40B4-BE49-F238E27FC236}">
-                <a16:creationId xmlns:a16="http://schemas.microsoft.com/office/drawing/2014/main" id="{112EC792-BD5B-403E-9AE1-00A9885C7400}"/>
-              </a:ext>
-            </a:extLst>
-          </p:cNvPr>
-          <p:cNvSpPr txBox="1"/>
-          <p:nvPr/>
-        </p:nvSpPr>
-        <p:spPr>
-          <a:xfrm>
-            <a:off x="378566" y="1915091"/>
-            <a:ext cx="2766206" cy="369332"/>
-          </a:xfrm>
-          <a:prstGeom prst="rect">
-            <a:avLst/>
-          </a:prstGeom>
-          <a:noFill/>
-        </p:spPr>
-        <p:txBody>
-          <a:bodyPr wrap="none" rtlCol="0">
-            <a:spAutoFit/>
-          </a:bodyPr>
-          <a:lstStyle/>
-          <a:p>
-            <a:r>
-              <a:rPr lang="en-US" dirty="0"/>
-              <a:t>Configurating the hardware</a:t>
-            </a:r>
-          </a:p>
-        </p:txBody>
-      </p:sp>
-      <p:pic>
-        <p:nvPicPr>
-          <p:cNvPr id="9" name="Picture 8">
-            <a:extLst>
-              <a:ext uri="{FF2B5EF4-FFF2-40B4-BE49-F238E27FC236}">
-                <a16:creationId xmlns:a16="http://schemas.microsoft.com/office/drawing/2014/main" id="{62E6B65F-EE9F-47DA-9770-7158E4E3AFF3}"/>
-              </a:ext>
-            </a:extLst>
-          </p:cNvPr>
-          <p:cNvPicPr>
-            <a:picLocks noChangeAspect="1"/>
-          </p:cNvPicPr>
-          <p:nvPr/>
-        </p:nvPicPr>
-        <p:blipFill>
-          <a:blip r:embed="rId3">
-            <a:extLst>
-              <a:ext uri="{28A0092B-C50C-407E-A947-70E740481C1C}">
-                <a14:useLocalDpi xmlns:a14="http://schemas.microsoft.com/office/drawing/2010/main" val="0"/>
-              </a:ext>
-            </a:extLst>
-          </a:blip>
-          <a:stretch>
-            <a:fillRect/>
-          </a:stretch>
-        </p:blipFill>
-        <p:spPr>
-          <a:xfrm>
-            <a:off x="287524" y="2295754"/>
-            <a:ext cx="4381500" cy="1270000"/>
-          </a:xfrm>
-          <a:prstGeom prst="rect">
-            <a:avLst/>
-          </a:prstGeom>
-        </p:spPr>
-      </p:pic>
-      <p:pic>
-        <p:nvPicPr>
-          <p:cNvPr id="12" name="Picture 11">
-            <a:extLst>
-              <a:ext uri="{FF2B5EF4-FFF2-40B4-BE49-F238E27FC236}">
-                <a16:creationId xmlns:a16="http://schemas.microsoft.com/office/drawing/2014/main" id="{3F9C38F0-AF47-4C03-9713-CA55AFBBCCDB}"/>
-              </a:ext>
-            </a:extLst>
-          </p:cNvPr>
-          <p:cNvPicPr>
-            <a:picLocks noChangeAspect="1"/>
-          </p:cNvPicPr>
-          <p:nvPr/>
-        </p:nvPicPr>
-        <p:blipFill>
-          <a:blip r:embed="rId4">
-            <a:extLst>
-              <a:ext uri="{28A0092B-C50C-407E-A947-70E740481C1C}">
-                <a14:useLocalDpi xmlns:a14="http://schemas.microsoft.com/office/drawing/2010/main" val="0"/>
-              </a:ext>
-            </a:extLst>
-          </a:blip>
-          <a:stretch>
-            <a:fillRect/>
-          </a:stretch>
-        </p:blipFill>
-        <p:spPr>
-          <a:xfrm>
-            <a:off x="5706252" y="3298529"/>
-            <a:ext cx="2825626" cy="2648656"/>
-          </a:xfrm>
-          <a:prstGeom prst="rect">
-            <a:avLst/>
-          </a:prstGeom>
-        </p:spPr>
-      </p:pic>
-      <p:pic>
-        <p:nvPicPr>
-          <p:cNvPr id="14" name="Picture 13">
-            <a:extLst>
-              <a:ext uri="{FF2B5EF4-FFF2-40B4-BE49-F238E27FC236}">
-                <a16:creationId xmlns:a16="http://schemas.microsoft.com/office/drawing/2014/main" id="{D3E6E8A5-EA24-4D6B-B172-BD16EC7232D1}"/>
-              </a:ext>
-            </a:extLst>
-          </p:cNvPr>
-          <p:cNvPicPr>
-            <a:picLocks noChangeAspect="1"/>
-          </p:cNvPicPr>
-          <p:nvPr/>
-        </p:nvPicPr>
-        <p:blipFill>
-          <a:blip r:embed="rId5">
-            <a:extLst>
-              <a:ext uri="{28A0092B-C50C-407E-A947-70E740481C1C}">
-                <a14:useLocalDpi xmlns:a14="http://schemas.microsoft.com/office/drawing/2010/main" val="0"/>
-              </a:ext>
-            </a:extLst>
-          </a:blip>
-          <a:stretch>
-            <a:fillRect/>
-          </a:stretch>
-        </p:blipFill>
-        <p:spPr>
-          <a:xfrm>
-            <a:off x="5706252" y="461834"/>
-            <a:ext cx="2825626" cy="2765249"/>
-          </a:xfrm>
-          <a:prstGeom prst="rect">
-            <a:avLst/>
-          </a:prstGeom>
-        </p:spPr>
-      </p:pic>
-      <p:sp>
-        <p:nvSpPr>
-          <p:cNvPr id="15" name="TextBox 14">
-            <a:extLst>
-              <a:ext uri="{FF2B5EF4-FFF2-40B4-BE49-F238E27FC236}">
-                <a16:creationId xmlns:a16="http://schemas.microsoft.com/office/drawing/2014/main" id="{A6FBCAE4-E8CC-4A79-B981-695785A9D1EB}"/>
-              </a:ext>
-            </a:extLst>
-          </p:cNvPr>
-          <p:cNvSpPr txBox="1"/>
-          <p:nvPr/>
-        </p:nvSpPr>
-        <p:spPr>
-          <a:xfrm>
-            <a:off x="378566" y="4113076"/>
-            <a:ext cx="4553474" cy="1477328"/>
-          </a:xfrm>
-          <a:prstGeom prst="rect">
-            <a:avLst/>
-          </a:prstGeom>
-          <a:noFill/>
-        </p:spPr>
-        <p:txBody>
-          <a:bodyPr wrap="square" rtlCol="0">
-            <a:spAutoFit/>
-          </a:bodyPr>
-          <a:lstStyle/>
-          <a:p>
-            <a:r>
-              <a:rPr lang="en-US" b="1" dirty="0"/>
-              <a:t>Write registers:</a:t>
-            </a:r>
-          </a:p>
-          <a:p>
-            <a:pPr marL="285750" indent="-285750">
-              <a:buFont typeface="Arial" panose="020B0604020202020204" pitchFamily="34" charset="0"/>
-              <a:buChar char="•"/>
-            </a:pPr>
-            <a:r>
-              <a:rPr lang="en-US" dirty="0"/>
-              <a:t>Configure image dimension</a:t>
-            </a:r>
-          </a:p>
-          <a:p>
-            <a:pPr marL="285750" indent="-285750">
-              <a:buFont typeface="Arial" panose="020B0604020202020204" pitchFamily="34" charset="0"/>
-              <a:buChar char="•"/>
-            </a:pPr>
-            <a:r>
-              <a:rPr lang="en-US" dirty="0"/>
-              <a:t>Set algorithm succession</a:t>
-            </a:r>
-          </a:p>
-          <a:p>
-            <a:pPr marL="285750" indent="-285750">
-              <a:buFont typeface="Arial" panose="020B0604020202020204" pitchFamily="34" charset="0"/>
-              <a:buChar char="•"/>
-            </a:pPr>
-            <a:r>
-              <a:rPr lang="en-US" dirty="0"/>
-              <a:t>Test mode enable/disable</a:t>
-            </a:r>
-          </a:p>
-          <a:p>
-            <a:pPr marL="285750" indent="-285750">
-              <a:buFont typeface="Arial" panose="020B0604020202020204" pitchFamily="34" charset="0"/>
-              <a:buChar char="•"/>
-            </a:pPr>
-            <a:r>
-              <a:rPr lang="en-US" dirty="0"/>
-              <a:t>AXI interface parameters: stride, burst size</a:t>
-            </a:r>
-          </a:p>
-        </p:txBody>
-      </p:sp>
-    </p:spTree>
-    <p:extLst>
-      <p:ext uri="{BB962C8B-B14F-4D97-AF65-F5344CB8AC3E}">
-        <p14:creationId xmlns:p14="http://schemas.microsoft.com/office/powerpoint/2010/main" val="2216790207"/>
-      </p:ext>
-    </p:extLst>
-  </p:cSld>
-  <p:clrMapOvr>
-    <a:masterClrMapping/>
-  </p:clrMapOvr>
-</p:sld>
-</file>
-
-<file path=ppt/slides/slide19.xml><?xml version="1.0" encoding="utf-8"?>
-<p:sld xmlns:a="http://schemas.openxmlformats.org/drawingml/2006/main" xmlns:r="http://schemas.openxmlformats.org/officeDocument/2006/relationships" xmlns:p="http://schemas.openxmlformats.org/presentationml/2006/main">
-  <p:cSld>
-    <p:spTree>
-      <p:nvGrpSpPr>
-        <p:cNvPr id="1" name=""/>
-        <p:cNvGrpSpPr/>
-        <p:nvPr/>
-      </p:nvGrpSpPr>
-      <p:grpSpPr>
-        <a:xfrm>
-          <a:off x="0" y="0"/>
-          <a:ext cx="0" cy="0"/>
-          <a:chOff x="0" y="0"/>
-          <a:chExt cx="0" cy="0"/>
-        </a:xfrm>
-      </p:grpSpPr>
-      <p:grpSp>
-        <p:nvGrpSpPr>
-          <p:cNvPr id="4" name="Group 3"/>
-          <p:cNvGrpSpPr/>
-          <p:nvPr/>
-        </p:nvGrpSpPr>
-        <p:grpSpPr>
-          <a:xfrm>
-            <a:off x="8460432" y="6237312"/>
-            <a:ext cx="216000" cy="216000"/>
-            <a:chOff x="2772000" y="1932221"/>
-            <a:chExt cx="2340000" cy="2340000"/>
-          </a:xfrm>
-        </p:grpSpPr>
-        <p:sp>
-          <p:nvSpPr>
-            <p:cNvPr id="5" name="Rectangle 4"/>
-            <p:cNvSpPr/>
-            <p:nvPr/>
-          </p:nvSpPr>
-          <p:spPr>
-            <a:xfrm>
-              <a:off x="2772000" y="1932221"/>
-              <a:ext cx="2340000" cy="2340000"/>
-            </a:xfrm>
-            <a:prstGeom prst="rect">
-              <a:avLst/>
-            </a:prstGeom>
-            <a:solidFill>
-              <a:schemeClr val="bg1">
-                <a:lumMod val="75000"/>
-              </a:schemeClr>
-            </a:solidFill>
-            <a:ln>
-              <a:noFill/>
-            </a:ln>
-          </p:spPr>
-          <p:style>
-            <a:lnRef idx="2">
-              <a:schemeClr val="accent1">
-                <a:shade val="50000"/>
-              </a:schemeClr>
-            </a:lnRef>
-            <a:fillRef idx="1">
-              <a:schemeClr val="accent1"/>
-            </a:fillRef>
-            <a:effectRef idx="0">
-              <a:schemeClr val="accent1"/>
-            </a:effectRef>
-            <a:fontRef idx="minor">
-              <a:schemeClr val="lt1"/>
-            </a:fontRef>
-          </p:style>
-          <p:txBody>
-            <a:bodyPr rtlCol="0" anchor="ctr"/>
-            <a:lstStyle/>
-            <a:p>
-              <a:pPr algn="ctr"/>
-              <a:endParaRPr lang="en-US">
-                <a:ln>
-                  <a:solidFill>
-                    <a:schemeClr val="bg2">
-                      <a:lumMod val="75000"/>
-                    </a:schemeClr>
-                  </a:solidFill>
-                </a:ln>
-                <a:solidFill>
-                  <a:schemeClr val="tx1"/>
-                </a:solidFill>
-              </a:endParaRPr>
-            </a:p>
-          </p:txBody>
-        </p:sp>
-        <p:sp>
-          <p:nvSpPr>
-            <p:cNvPr id="6" name="Rectangle 5"/>
-            <p:cNvSpPr/>
-            <p:nvPr/>
-          </p:nvSpPr>
-          <p:spPr>
-            <a:xfrm>
-              <a:off x="3546000" y="2706221"/>
-              <a:ext cx="792000" cy="792000"/>
-            </a:xfrm>
-            <a:prstGeom prst="rect">
-              <a:avLst/>
-            </a:prstGeom>
-            <a:solidFill>
-              <a:schemeClr val="bg1"/>
-            </a:solidFill>
-            <a:ln>
-              <a:noFill/>
-            </a:ln>
-          </p:spPr>
-          <p:style>
-            <a:lnRef idx="2">
-              <a:schemeClr val="accent1">
-                <a:shade val="50000"/>
-              </a:schemeClr>
-            </a:lnRef>
-            <a:fillRef idx="1">
-              <a:schemeClr val="accent1"/>
-            </a:fillRef>
-            <a:effectRef idx="0">
-              <a:schemeClr val="accent1"/>
-            </a:effectRef>
-            <a:fontRef idx="minor">
-              <a:schemeClr val="lt1"/>
-            </a:fontRef>
-          </p:style>
-          <p:txBody>
-            <a:bodyPr rtlCol="0" anchor="ctr"/>
-            <a:lstStyle/>
-            <a:p>
-              <a:pPr algn="ctr"/>
-              <a:endParaRPr lang="en-US">
-                <a:ln>
-                  <a:solidFill>
-                    <a:schemeClr val="bg2">
-                      <a:lumMod val="75000"/>
-                    </a:schemeClr>
-                  </a:solidFill>
-                </a:ln>
-                <a:solidFill>
-                  <a:schemeClr val="tx1"/>
-                </a:solidFill>
-              </a:endParaRPr>
-            </a:p>
-          </p:txBody>
-        </p:sp>
-      </p:grpSp>
-      <p:pic>
-        <p:nvPicPr>
-          <p:cNvPr id="7" name="Picture 6"/>
-          <p:cNvPicPr>
-            <a:picLocks noChangeAspect="1"/>
-          </p:cNvPicPr>
-          <p:nvPr/>
-        </p:nvPicPr>
-        <p:blipFill>
-          <a:blip r:embed="rId2" cstate="print">
-            <a:extLst>
-              <a:ext uri="{28A0092B-C50C-407E-A947-70E740481C1C}">
-                <a14:useLocalDpi xmlns:a14="http://schemas.microsoft.com/office/drawing/2010/main" val="0"/>
-              </a:ext>
-            </a:extLst>
-          </a:blip>
-          <a:stretch>
-            <a:fillRect/>
-          </a:stretch>
-        </p:blipFill>
-        <p:spPr>
-          <a:xfrm>
-            <a:off x="381905" y="332656"/>
-            <a:ext cx="2497907" cy="648072"/>
-          </a:xfrm>
-          <a:prstGeom prst="rect">
-            <a:avLst/>
-          </a:prstGeom>
-        </p:spPr>
-      </p:pic>
-      <p:sp>
-        <p:nvSpPr>
-          <p:cNvPr id="8" name="TextBox 7">
-            <a:extLst>
-              <a:ext uri="{FF2B5EF4-FFF2-40B4-BE49-F238E27FC236}">
-                <a16:creationId xmlns:a16="http://schemas.microsoft.com/office/drawing/2014/main" id="{EAA6C1AB-CCDF-48DE-ABC5-F2E6E6781219}"/>
-              </a:ext>
-            </a:extLst>
-          </p:cNvPr>
-          <p:cNvSpPr txBox="1"/>
-          <p:nvPr/>
-        </p:nvSpPr>
-        <p:spPr>
-          <a:xfrm>
-            <a:off x="575556" y="1124744"/>
-            <a:ext cx="3054524" cy="646331"/>
-          </a:xfrm>
-          <a:prstGeom prst="rect">
-            <a:avLst/>
-          </a:prstGeom>
-          <a:noFill/>
-        </p:spPr>
-        <p:txBody>
-          <a:bodyPr wrap="square" rtlCol="0">
-            <a:spAutoFit/>
-          </a:bodyPr>
-          <a:lstStyle/>
-          <a:p>
-            <a:r>
-              <a:rPr lang="en-US" sz="3600" dirty="0">
-                <a:latin typeface="UT Sans Bold"/>
-              </a:rPr>
-              <a:t>References</a:t>
-            </a:r>
-          </a:p>
-        </p:txBody>
-      </p:sp>
-      <p:sp>
-        <p:nvSpPr>
-          <p:cNvPr id="2" name="TextBox 1">
-            <a:extLst>
-              <a:ext uri="{FF2B5EF4-FFF2-40B4-BE49-F238E27FC236}">
-                <a16:creationId xmlns:a16="http://schemas.microsoft.com/office/drawing/2014/main" id="{07C36CBA-FD61-4639-AFD3-03A1C155997E}"/>
-              </a:ext>
-            </a:extLst>
-          </p:cNvPr>
-          <p:cNvSpPr txBox="1"/>
-          <p:nvPr/>
-        </p:nvSpPr>
-        <p:spPr>
-          <a:xfrm>
-            <a:off x="143508" y="1787934"/>
-            <a:ext cx="9000492" cy="4247317"/>
-          </a:xfrm>
-          <a:prstGeom prst="rect">
-            <a:avLst/>
-          </a:prstGeom>
-          <a:noFill/>
-        </p:spPr>
-        <p:txBody>
-          <a:bodyPr wrap="square" rtlCol="0">
-            <a:spAutoFit/>
-          </a:bodyPr>
-          <a:lstStyle/>
-          <a:p>
-            <a:r>
-              <a:rPr lang="en-US" dirty="0" err="1"/>
-              <a:t>Miman</a:t>
-            </a:r>
-            <a:r>
-              <a:rPr lang="en-US" dirty="0"/>
-              <a:t>, M., Osman, O. A., &amp; Korkmaz, H. C. (2015). Lane Departure System Design using</a:t>
-            </a:r>
-          </a:p>
-          <a:p>
-            <a:r>
-              <a:rPr lang="en-US" dirty="0"/>
-              <a:t> with IR Camera for Night-time Road Conditions. </a:t>
-            </a:r>
-            <a:r>
-              <a:rPr lang="en-US" i="1" dirty="0" err="1"/>
-              <a:t>Tem</a:t>
-            </a:r>
-            <a:r>
-              <a:rPr lang="en-US" i="1" dirty="0"/>
-              <a:t> Journal</a:t>
-            </a:r>
-            <a:r>
-              <a:rPr lang="en-US" dirty="0"/>
-              <a:t>, </a:t>
-            </a:r>
-            <a:r>
-              <a:rPr lang="en-US" i="1" dirty="0"/>
-              <a:t>4</a:t>
-            </a:r>
-            <a:r>
-              <a:rPr lang="en-US" dirty="0"/>
-              <a:t>(1), 54.</a:t>
-            </a:r>
-          </a:p>
-          <a:p>
-            <a:endParaRPr lang="en-US" dirty="0"/>
-          </a:p>
-          <a:p>
-            <a:r>
-              <a:rPr lang="en-US" dirty="0"/>
-              <a:t>Gonzalez, R. C., &amp; Woods, R. E. (2002). Digital image processing [M]. </a:t>
-            </a:r>
-          </a:p>
-          <a:p>
-            <a:r>
-              <a:rPr lang="en-US" i="1" dirty="0"/>
-              <a:t>Publishing house of electronics industry</a:t>
-            </a:r>
-            <a:r>
-              <a:rPr lang="en-US" dirty="0"/>
-              <a:t>, </a:t>
-            </a:r>
-            <a:r>
-              <a:rPr lang="en-US" i="1" dirty="0"/>
-              <a:t>141</a:t>
-            </a:r>
-            <a:r>
-              <a:rPr lang="en-US" dirty="0"/>
-              <a:t>(7).</a:t>
-            </a:r>
-          </a:p>
-          <a:p>
-            <a:endParaRPr lang="en-US" dirty="0"/>
-          </a:p>
-          <a:p>
-            <a:r>
-              <a:rPr lang="en-US" dirty="0"/>
-              <a:t>Maheshwari, R., Rao, S. S. S. P., &amp; </a:t>
-            </a:r>
-            <a:r>
-              <a:rPr lang="en-US" dirty="0" err="1"/>
-              <a:t>Poonacha</a:t>
-            </a:r>
-            <a:r>
-              <a:rPr lang="en-US" dirty="0"/>
-              <a:t>, P. G. (1997, January). FPGA implementation of </a:t>
-            </a:r>
-          </a:p>
-          <a:p>
-            <a:r>
-              <a:rPr lang="en-US" dirty="0"/>
-              <a:t>median filter. In </a:t>
-            </a:r>
-            <a:r>
-              <a:rPr lang="en-US" i="1" dirty="0"/>
-              <a:t>Proceedings Tenth International Conference on VLSI Design</a:t>
-            </a:r>
-            <a:r>
-              <a:rPr lang="en-US" dirty="0"/>
-              <a:t> (pp. 523-524). IEEE.</a:t>
-            </a:r>
-          </a:p>
-          <a:p>
-            <a:endParaRPr lang="en-US" dirty="0"/>
-          </a:p>
-          <a:p>
-            <a:r>
-              <a:rPr lang="en-US" dirty="0" err="1"/>
-              <a:t>Diakides</a:t>
-            </a:r>
-            <a:r>
-              <a:rPr lang="en-US" dirty="0"/>
-              <a:t>, M., </a:t>
-            </a:r>
-            <a:r>
-              <a:rPr lang="en-US" dirty="0" err="1"/>
-              <a:t>Bronzino</a:t>
-            </a:r>
-            <a:r>
-              <a:rPr lang="en-US" dirty="0"/>
-              <a:t>, J. D., &amp; Peterson, D. R. (Eds.). (2012). </a:t>
-            </a:r>
-            <a:r>
-              <a:rPr lang="en-US" i="1" dirty="0"/>
-              <a:t>Medical infrared imaging: </a:t>
-            </a:r>
-          </a:p>
-          <a:p>
-            <a:r>
-              <a:rPr lang="en-US" i="1" dirty="0"/>
-              <a:t>principles and practices</a:t>
-            </a:r>
-            <a:r>
-              <a:rPr lang="en-US" dirty="0"/>
-              <a:t>. CRC press.</a:t>
-            </a:r>
-          </a:p>
-          <a:p>
-            <a:endParaRPr lang="en-US" dirty="0"/>
-          </a:p>
-          <a:p>
-            <a:r>
-              <a:rPr lang="pl-PL" b="1" dirty="0"/>
-              <a:t>Zybo Z7 Pcam 5C Demo</a:t>
-            </a:r>
-          </a:p>
-          <a:p>
-            <a:r>
-              <a:rPr lang="en-US" dirty="0"/>
-              <a:t>https://reference.digilentinc.com/learn/programmable-logic/tutorials/zybo-z7-pcam-5c-demo/start</a:t>
-            </a:r>
-          </a:p>
-        </p:txBody>
-      </p:sp>
-    </p:spTree>
-    <p:extLst>
-      <p:ext uri="{BB962C8B-B14F-4D97-AF65-F5344CB8AC3E}">
-        <p14:creationId xmlns:p14="http://schemas.microsoft.com/office/powerpoint/2010/main" val="4258369795"/>
       </p:ext>
     </p:extLst>
   </p:cSld>
@@ -10721,8 +11212,8 @@
         </p:nvSpPr>
         <p:spPr>
           <a:xfrm>
-            <a:off x="397991" y="1124742"/>
-            <a:ext cx="3325999" cy="646331"/>
+            <a:off x="575556" y="1124744"/>
+            <a:ext cx="3240360" cy="646331"/>
           </a:xfrm>
           <a:prstGeom prst="rect">
             <a:avLst/>
@@ -11274,8 +11765,8 @@
         </p:blipFill>
         <p:spPr>
           <a:xfrm>
-            <a:off x="381905" y="332656"/>
-            <a:ext cx="2497907" cy="648072"/>
+            <a:off x="359532" y="341671"/>
+            <a:ext cx="1944216" cy="531045"/>
           </a:xfrm>
           <a:prstGeom prst="rect">
             <a:avLst/>
@@ -11284,10 +11775,49 @@
       </p:pic>
       <p:sp>
         <p:nvSpPr>
-          <p:cNvPr id="8" name="TextBox 7">
+          <p:cNvPr id="8" name="Rectangle 7">
             <a:extLst>
               <a:ext uri="{FF2B5EF4-FFF2-40B4-BE49-F238E27FC236}">
-                <a16:creationId xmlns:a16="http://schemas.microsoft.com/office/drawing/2014/main" id="{EAA6C1AB-CCDF-48DE-ABC5-F2E6E6781219}"/>
+                <a16:creationId xmlns:a16="http://schemas.microsoft.com/office/drawing/2014/main" id="{00F5FB1E-5AB9-49C5-A2DE-65151D1028BC}"/>
+              </a:ext>
+            </a:extLst>
+          </p:cNvPr>
+          <p:cNvSpPr/>
+          <p:nvPr/>
+        </p:nvSpPr>
+        <p:spPr>
+          <a:xfrm>
+            <a:off x="0" y="1136721"/>
+            <a:ext cx="2626040" cy="646331"/>
+          </a:xfrm>
+          <a:prstGeom prst="rect">
+            <a:avLst/>
+          </a:prstGeom>
+        </p:spPr>
+        <p:txBody>
+          <a:bodyPr wrap="none">
+            <a:spAutoFit/>
+          </a:bodyPr>
+          <a:lstStyle/>
+          <a:p>
+            <a:r>
+              <a:rPr lang="en-US" sz="3600" dirty="0" smtClean="0">
+                <a:latin typeface="UT Sans Bold"/>
+              </a:rPr>
+              <a:t>Future work</a:t>
+            </a:r>
+            <a:endParaRPr lang="en-US" sz="3600" dirty="0">
+              <a:latin typeface="UT Sans Bold"/>
+            </a:endParaRPr>
+          </a:p>
+        </p:txBody>
+      </p:sp>
+      <p:sp>
+        <p:nvSpPr>
+          <p:cNvPr id="3" name="TextBox 2">
+            <a:extLst>
+              <a:ext uri="{FF2B5EF4-FFF2-40B4-BE49-F238E27FC236}">
+                <a16:creationId xmlns:a16="http://schemas.microsoft.com/office/drawing/2014/main" id="{22D7AF4D-E7F6-4DCE-B0FD-6B5C5859748C}"/>
               </a:ext>
             </a:extLst>
           </p:cNvPr>
@@ -11296,8 +11826,8 @@
         </p:nvSpPr>
         <p:spPr>
           <a:xfrm>
-            <a:off x="3275856" y="2132856"/>
-            <a:ext cx="3054524" cy="1107996"/>
+            <a:off x="179512" y="2229626"/>
+            <a:ext cx="7030451" cy="1323439"/>
           </a:xfrm>
           <a:prstGeom prst="rect">
             <a:avLst/>
@@ -11305,34 +11835,107 @@
           <a:noFill/>
         </p:spPr>
         <p:txBody>
-          <a:bodyPr wrap="square" rtlCol="0">
+          <a:bodyPr wrap="none" rtlCol="0">
             <a:spAutoFit/>
           </a:bodyPr>
           <a:lstStyle/>
           <a:p>
-            <a:r>
-              <a:rPr lang="en-US" sz="6600" dirty="0">
-                <a:latin typeface="UT Sans Bold"/>
-              </a:rPr>
-              <a:t>DEMO</a:t>
-            </a:r>
+            <a:pPr marL="342900" indent="-342900">
+              <a:buFont typeface="Arial" panose="020B0604020202020204" pitchFamily="34" charset="0"/>
+              <a:buChar char="•"/>
+            </a:pPr>
+            <a:r>
+              <a:rPr lang="en-US" sz="2000" dirty="0" smtClean="0"/>
+              <a:t>Increase video resolution</a:t>
+            </a:r>
+            <a:r>
+              <a:rPr lang="ro-RO" sz="2000" dirty="0" smtClean="0"/>
+              <a:t>: </a:t>
+            </a:r>
+            <a:r>
+              <a:rPr lang="ro-RO" sz="2000" dirty="0"/>
+              <a:t>1080p@60Hz</a:t>
+            </a:r>
+          </a:p>
+          <a:p>
+            <a:pPr marL="342900" indent="-342900">
+              <a:buFont typeface="Arial" panose="020B0604020202020204" pitchFamily="34" charset="0"/>
+              <a:buChar char="•"/>
+            </a:pPr>
+            <a:r>
+              <a:rPr lang="en-US" sz="2000" dirty="0" smtClean="0"/>
+              <a:t>Increase image processing unit frequency to</a:t>
+            </a:r>
+            <a:r>
+              <a:rPr lang="ro-RO" sz="2000" dirty="0" smtClean="0"/>
+              <a:t> </a:t>
+            </a:r>
+            <a:r>
+              <a:rPr lang="ro-RO" sz="2000" dirty="0"/>
+              <a:t>150MHz</a:t>
+            </a:r>
+          </a:p>
+          <a:p>
+            <a:pPr marL="342900" indent="-342900">
+              <a:buFont typeface="Arial" panose="020B0604020202020204" pitchFamily="34" charset="0"/>
+              <a:buChar char="•"/>
+            </a:pPr>
+            <a:r>
+              <a:rPr lang="ro-RO" sz="2000" dirty="0" smtClean="0"/>
+              <a:t>Pro</a:t>
+            </a:r>
+            <a:r>
+              <a:rPr lang="en-US" sz="2000" dirty="0" smtClean="0"/>
+              <a:t>c</a:t>
+            </a:r>
+            <a:r>
+              <a:rPr lang="ro-RO" sz="2000" dirty="0" smtClean="0"/>
+              <a:t>e</a:t>
+            </a:r>
+            <a:r>
+              <a:rPr lang="en-US" sz="2000" dirty="0" err="1" smtClean="0"/>
+              <a:t>ss</a:t>
+            </a:r>
+            <a:r>
+              <a:rPr lang="en-US" sz="2000" dirty="0" smtClean="0"/>
+              <a:t> multiple pixels in a clock cycle</a:t>
+            </a:r>
+            <a:endParaRPr lang="ro-RO" sz="2000" dirty="0"/>
+          </a:p>
+          <a:p>
+            <a:pPr marL="342900" indent="-342900">
+              <a:buFont typeface="Arial" panose="020B0604020202020204" pitchFamily="34" charset="0"/>
+              <a:buChar char="•"/>
+            </a:pPr>
+            <a:r>
+              <a:rPr lang="en-US" sz="2000" dirty="0" smtClean="0"/>
+              <a:t>Add more complex algorithm eventually neural network based</a:t>
+            </a:r>
+            <a:endParaRPr lang="en-US" sz="2000" dirty="0"/>
           </a:p>
         </p:txBody>
       </p:sp>
     </p:spTree>
     <p:extLst>
       <p:ext uri="{BB962C8B-B14F-4D97-AF65-F5344CB8AC3E}">
-        <p14:creationId xmlns:p14="http://schemas.microsoft.com/office/powerpoint/2010/main" val="2217453342"/>
+        <p14:creationId xmlns:p14="http://schemas.microsoft.com/office/powerpoint/2010/main" val="271333791"/>
       </p:ext>
     </p:extLst>
   </p:cSld>
   <p:clrMapOvr>
     <a:masterClrMapping/>
   </p:clrMapOvr>
+  <p:timing>
+    <p:tnLst>
+      <p:par>
+        <p:cTn id="1" dur="indefinite" restart="never" nodeType="tmRoot"/>
+      </p:par>
+    </p:tnLst>
+  </p:timing>
 </p:sld>
 </file>
 
-<file path=ppt/slides/slide3.xml><?xml version="1.0" encoding="utf-8"?>
+<file path=ppt/slides/slide21.xml><?xml version="1.0" encoding="utf-8"?>
 <p:sld xmlns:a="http://schemas.openxmlformats.org/drawingml/2006/main" xmlns:r="http://schemas.openxmlformats.org/officeDocument/2006/relationships" xmlns:p="http://schemas.openxmlformats.org/presentationml/2006/main">
   <p:cSld>
     <p:spTree>
@@ -11515,6 +12118,658 @@
           <p:cNvPr id="8" name="TextBox 7">
             <a:extLst>
               <a:ext uri="{FF2B5EF4-FFF2-40B4-BE49-F238E27FC236}">
+                <a16:creationId xmlns:a16="http://schemas.microsoft.com/office/drawing/2014/main" id="{EAA6C1AB-CCDF-48DE-ABC5-F2E6E6781219}"/>
+              </a:ext>
+            </a:extLst>
+          </p:cNvPr>
+          <p:cNvSpPr txBox="1"/>
+          <p:nvPr/>
+        </p:nvSpPr>
+        <p:spPr>
+          <a:xfrm>
+            <a:off x="575556" y="1124744"/>
+            <a:ext cx="3054524" cy="646331"/>
+          </a:xfrm>
+          <a:prstGeom prst="rect">
+            <a:avLst/>
+          </a:prstGeom>
+          <a:noFill/>
+        </p:spPr>
+        <p:txBody>
+          <a:bodyPr wrap="square" rtlCol="0">
+            <a:spAutoFit/>
+          </a:bodyPr>
+          <a:lstStyle/>
+          <a:p>
+            <a:r>
+              <a:rPr lang="en-US" sz="3600" dirty="0">
+                <a:latin typeface="UT Sans Bold"/>
+              </a:rPr>
+              <a:t>References</a:t>
+            </a:r>
+          </a:p>
+        </p:txBody>
+      </p:sp>
+      <p:sp>
+        <p:nvSpPr>
+          <p:cNvPr id="2" name="TextBox 1">
+            <a:extLst>
+              <a:ext uri="{FF2B5EF4-FFF2-40B4-BE49-F238E27FC236}">
+                <a16:creationId xmlns:a16="http://schemas.microsoft.com/office/drawing/2014/main" id="{07C36CBA-FD61-4639-AFD3-03A1C155997E}"/>
+              </a:ext>
+            </a:extLst>
+          </p:cNvPr>
+          <p:cNvSpPr txBox="1"/>
+          <p:nvPr/>
+        </p:nvSpPr>
+        <p:spPr>
+          <a:xfrm>
+            <a:off x="143508" y="1787934"/>
+            <a:ext cx="9000492" cy="4247317"/>
+          </a:xfrm>
+          <a:prstGeom prst="rect">
+            <a:avLst/>
+          </a:prstGeom>
+          <a:noFill/>
+        </p:spPr>
+        <p:txBody>
+          <a:bodyPr wrap="square" rtlCol="0">
+            <a:spAutoFit/>
+          </a:bodyPr>
+          <a:lstStyle/>
+          <a:p>
+            <a:r>
+              <a:rPr lang="en-US" dirty="0" err="1"/>
+              <a:t>Miman</a:t>
+            </a:r>
+            <a:r>
+              <a:rPr lang="en-US" dirty="0"/>
+              <a:t>, M., Osman, O. A., &amp; Korkmaz, H. C. (2015). Lane Departure System Design using</a:t>
+            </a:r>
+          </a:p>
+          <a:p>
+            <a:r>
+              <a:rPr lang="en-US" dirty="0"/>
+              <a:t> with IR Camera for Night-time Road Conditions. </a:t>
+            </a:r>
+            <a:r>
+              <a:rPr lang="en-US" i="1" dirty="0" err="1"/>
+              <a:t>Tem</a:t>
+            </a:r>
+            <a:r>
+              <a:rPr lang="en-US" i="1" dirty="0"/>
+              <a:t> Journal</a:t>
+            </a:r>
+            <a:r>
+              <a:rPr lang="en-US" dirty="0"/>
+              <a:t>, </a:t>
+            </a:r>
+            <a:r>
+              <a:rPr lang="en-US" i="1" dirty="0"/>
+              <a:t>4</a:t>
+            </a:r>
+            <a:r>
+              <a:rPr lang="en-US" dirty="0"/>
+              <a:t>(1), 54.</a:t>
+            </a:r>
+          </a:p>
+          <a:p>
+            <a:endParaRPr lang="en-US" dirty="0"/>
+          </a:p>
+          <a:p>
+            <a:r>
+              <a:rPr lang="en-US" dirty="0"/>
+              <a:t>Gonzalez, R. C., &amp; Woods, R. E. (2002). Digital image processing [M]. </a:t>
+            </a:r>
+          </a:p>
+          <a:p>
+            <a:r>
+              <a:rPr lang="en-US" i="1" dirty="0"/>
+              <a:t>Publishing house of electronics industry</a:t>
+            </a:r>
+            <a:r>
+              <a:rPr lang="en-US" dirty="0"/>
+              <a:t>, </a:t>
+            </a:r>
+            <a:r>
+              <a:rPr lang="en-US" i="1" dirty="0"/>
+              <a:t>141</a:t>
+            </a:r>
+            <a:r>
+              <a:rPr lang="en-US" dirty="0"/>
+              <a:t>(7).</a:t>
+            </a:r>
+          </a:p>
+          <a:p>
+            <a:endParaRPr lang="en-US" dirty="0"/>
+          </a:p>
+          <a:p>
+            <a:r>
+              <a:rPr lang="en-US" dirty="0"/>
+              <a:t>Maheshwari, R., Rao, S. S. S. P., &amp; </a:t>
+            </a:r>
+            <a:r>
+              <a:rPr lang="en-US" dirty="0" err="1"/>
+              <a:t>Poonacha</a:t>
+            </a:r>
+            <a:r>
+              <a:rPr lang="en-US" dirty="0"/>
+              <a:t>, P. G. (1997, January). FPGA implementation of </a:t>
+            </a:r>
+          </a:p>
+          <a:p>
+            <a:r>
+              <a:rPr lang="en-US" dirty="0"/>
+              <a:t>median filter. In </a:t>
+            </a:r>
+            <a:r>
+              <a:rPr lang="en-US" i="1" dirty="0"/>
+              <a:t>Proceedings Tenth International Conference on VLSI Design</a:t>
+            </a:r>
+            <a:r>
+              <a:rPr lang="en-US" dirty="0"/>
+              <a:t> (pp. 523-524). IEEE.</a:t>
+            </a:r>
+          </a:p>
+          <a:p>
+            <a:endParaRPr lang="en-US" dirty="0"/>
+          </a:p>
+          <a:p>
+            <a:r>
+              <a:rPr lang="en-US" dirty="0" err="1"/>
+              <a:t>Diakides</a:t>
+            </a:r>
+            <a:r>
+              <a:rPr lang="en-US" dirty="0"/>
+              <a:t>, M., </a:t>
+            </a:r>
+            <a:r>
+              <a:rPr lang="en-US" dirty="0" err="1"/>
+              <a:t>Bronzino</a:t>
+            </a:r>
+            <a:r>
+              <a:rPr lang="en-US" dirty="0"/>
+              <a:t>, J. D., &amp; Peterson, D. R. (Eds.). (2012). </a:t>
+            </a:r>
+            <a:r>
+              <a:rPr lang="en-US" i="1" dirty="0"/>
+              <a:t>Medical infrared imaging: </a:t>
+            </a:r>
+          </a:p>
+          <a:p>
+            <a:r>
+              <a:rPr lang="en-US" i="1" dirty="0"/>
+              <a:t>principles and practices</a:t>
+            </a:r>
+            <a:r>
+              <a:rPr lang="en-US" dirty="0"/>
+              <a:t>. CRC press.</a:t>
+            </a:r>
+          </a:p>
+          <a:p>
+            <a:endParaRPr lang="en-US" dirty="0"/>
+          </a:p>
+          <a:p>
+            <a:r>
+              <a:rPr lang="pl-PL" b="1" dirty="0"/>
+              <a:t>Zybo Z7 Pcam 5C Demo</a:t>
+            </a:r>
+          </a:p>
+          <a:p>
+            <a:r>
+              <a:rPr lang="en-US" dirty="0"/>
+              <a:t>https://reference.digilentinc.com/learn/programmable-logic/tutorials/zybo-z7-pcam-5c-demo/start</a:t>
+            </a:r>
+          </a:p>
+        </p:txBody>
+      </p:sp>
+    </p:spTree>
+    <p:extLst>
+      <p:ext uri="{BB962C8B-B14F-4D97-AF65-F5344CB8AC3E}">
+        <p14:creationId xmlns:p14="http://schemas.microsoft.com/office/powerpoint/2010/main" val="4258369795"/>
+      </p:ext>
+    </p:extLst>
+  </p:cSld>
+  <p:clrMapOvr>
+    <a:masterClrMapping/>
+  </p:clrMapOvr>
+</p:sld>
+</file>
+
+<file path=ppt/slides/slide22.xml><?xml version="1.0" encoding="utf-8"?>
+<p:sld xmlns:a="http://schemas.openxmlformats.org/drawingml/2006/main" xmlns:r="http://schemas.openxmlformats.org/officeDocument/2006/relationships" xmlns:p="http://schemas.openxmlformats.org/presentationml/2006/main">
+  <p:cSld>
+    <p:spTree>
+      <p:nvGrpSpPr>
+        <p:cNvPr id="1" name=""/>
+        <p:cNvGrpSpPr/>
+        <p:nvPr/>
+      </p:nvGrpSpPr>
+      <p:grpSpPr>
+        <a:xfrm>
+          <a:off x="0" y="0"/>
+          <a:ext cx="0" cy="0"/>
+          <a:chOff x="0" y="0"/>
+          <a:chExt cx="0" cy="0"/>
+        </a:xfrm>
+      </p:grpSpPr>
+      <p:grpSp>
+        <p:nvGrpSpPr>
+          <p:cNvPr id="4" name="Group 3"/>
+          <p:cNvGrpSpPr/>
+          <p:nvPr/>
+        </p:nvGrpSpPr>
+        <p:grpSpPr>
+          <a:xfrm>
+            <a:off x="8460432" y="6237312"/>
+            <a:ext cx="216000" cy="216000"/>
+            <a:chOff x="2772000" y="1932221"/>
+            <a:chExt cx="2340000" cy="2340000"/>
+          </a:xfrm>
+        </p:grpSpPr>
+        <p:sp>
+          <p:nvSpPr>
+            <p:cNvPr id="5" name="Rectangle 4"/>
+            <p:cNvSpPr/>
+            <p:nvPr/>
+          </p:nvSpPr>
+          <p:spPr>
+            <a:xfrm>
+              <a:off x="2772000" y="1932221"/>
+              <a:ext cx="2340000" cy="2340000"/>
+            </a:xfrm>
+            <a:prstGeom prst="rect">
+              <a:avLst/>
+            </a:prstGeom>
+            <a:solidFill>
+              <a:schemeClr val="bg1">
+                <a:lumMod val="75000"/>
+              </a:schemeClr>
+            </a:solidFill>
+            <a:ln>
+              <a:noFill/>
+            </a:ln>
+          </p:spPr>
+          <p:style>
+            <a:lnRef idx="2">
+              <a:schemeClr val="accent1">
+                <a:shade val="50000"/>
+              </a:schemeClr>
+            </a:lnRef>
+            <a:fillRef idx="1">
+              <a:schemeClr val="accent1"/>
+            </a:fillRef>
+            <a:effectRef idx="0">
+              <a:schemeClr val="accent1"/>
+            </a:effectRef>
+            <a:fontRef idx="minor">
+              <a:schemeClr val="lt1"/>
+            </a:fontRef>
+          </p:style>
+          <p:txBody>
+            <a:bodyPr rtlCol="0" anchor="ctr"/>
+            <a:lstStyle/>
+            <a:p>
+              <a:pPr algn="ctr"/>
+              <a:endParaRPr lang="en-US">
+                <a:ln>
+                  <a:solidFill>
+                    <a:schemeClr val="bg2">
+                      <a:lumMod val="75000"/>
+                    </a:schemeClr>
+                  </a:solidFill>
+                </a:ln>
+                <a:solidFill>
+                  <a:schemeClr val="tx1"/>
+                </a:solidFill>
+              </a:endParaRPr>
+            </a:p>
+          </p:txBody>
+        </p:sp>
+        <p:sp>
+          <p:nvSpPr>
+            <p:cNvPr id="6" name="Rectangle 5"/>
+            <p:cNvSpPr/>
+            <p:nvPr/>
+          </p:nvSpPr>
+          <p:spPr>
+            <a:xfrm>
+              <a:off x="3546000" y="2706221"/>
+              <a:ext cx="792000" cy="792000"/>
+            </a:xfrm>
+            <a:prstGeom prst="rect">
+              <a:avLst/>
+            </a:prstGeom>
+            <a:solidFill>
+              <a:schemeClr val="bg1"/>
+            </a:solidFill>
+            <a:ln>
+              <a:noFill/>
+            </a:ln>
+          </p:spPr>
+          <p:style>
+            <a:lnRef idx="2">
+              <a:schemeClr val="accent1">
+                <a:shade val="50000"/>
+              </a:schemeClr>
+            </a:lnRef>
+            <a:fillRef idx="1">
+              <a:schemeClr val="accent1"/>
+            </a:fillRef>
+            <a:effectRef idx="0">
+              <a:schemeClr val="accent1"/>
+            </a:effectRef>
+            <a:fontRef idx="minor">
+              <a:schemeClr val="lt1"/>
+            </a:fontRef>
+          </p:style>
+          <p:txBody>
+            <a:bodyPr rtlCol="0" anchor="ctr"/>
+            <a:lstStyle/>
+            <a:p>
+              <a:pPr algn="ctr"/>
+              <a:endParaRPr lang="en-US">
+                <a:ln>
+                  <a:solidFill>
+                    <a:schemeClr val="bg2">
+                      <a:lumMod val="75000"/>
+                    </a:schemeClr>
+                  </a:solidFill>
+                </a:ln>
+                <a:solidFill>
+                  <a:schemeClr val="tx1"/>
+                </a:solidFill>
+              </a:endParaRPr>
+            </a:p>
+          </p:txBody>
+        </p:sp>
+      </p:grpSp>
+      <p:pic>
+        <p:nvPicPr>
+          <p:cNvPr id="7" name="Picture 6"/>
+          <p:cNvPicPr>
+            <a:picLocks noChangeAspect="1"/>
+          </p:cNvPicPr>
+          <p:nvPr/>
+        </p:nvPicPr>
+        <p:blipFill>
+          <a:blip r:embed="rId2" cstate="print">
+            <a:extLst>
+              <a:ext uri="{28A0092B-C50C-407E-A947-70E740481C1C}">
+                <a14:useLocalDpi xmlns:a14="http://schemas.microsoft.com/office/drawing/2010/main" val="0"/>
+              </a:ext>
+            </a:extLst>
+          </a:blip>
+          <a:stretch>
+            <a:fillRect/>
+          </a:stretch>
+        </p:blipFill>
+        <p:spPr>
+          <a:xfrm>
+            <a:off x="381905" y="332656"/>
+            <a:ext cx="2497907" cy="648072"/>
+          </a:xfrm>
+          <a:prstGeom prst="rect">
+            <a:avLst/>
+          </a:prstGeom>
+        </p:spPr>
+      </p:pic>
+      <p:sp>
+        <p:nvSpPr>
+          <p:cNvPr id="8" name="TextBox 7">
+            <a:extLst>
+              <a:ext uri="{FF2B5EF4-FFF2-40B4-BE49-F238E27FC236}">
+                <a16:creationId xmlns:a16="http://schemas.microsoft.com/office/drawing/2014/main" id="{EAA6C1AB-CCDF-48DE-ABC5-F2E6E6781219}"/>
+              </a:ext>
+            </a:extLst>
+          </p:cNvPr>
+          <p:cNvSpPr txBox="1"/>
+          <p:nvPr/>
+        </p:nvSpPr>
+        <p:spPr>
+          <a:xfrm>
+            <a:off x="3095836" y="1196752"/>
+            <a:ext cx="3054524" cy="1107996"/>
+          </a:xfrm>
+          <a:prstGeom prst="rect">
+            <a:avLst/>
+          </a:prstGeom>
+          <a:noFill/>
+        </p:spPr>
+        <p:txBody>
+          <a:bodyPr wrap="square" rtlCol="0">
+            <a:spAutoFit/>
+          </a:bodyPr>
+          <a:lstStyle/>
+          <a:p>
+            <a:r>
+              <a:rPr lang="en-US" sz="6600" dirty="0">
+                <a:latin typeface="UT Sans Bold"/>
+              </a:rPr>
+              <a:t>DEMO</a:t>
+            </a:r>
+          </a:p>
+        </p:txBody>
+      </p:sp>
+      <p:pic>
+        <p:nvPicPr>
+          <p:cNvPr id="9" name="Picture 8"/>
+          <p:cNvPicPr>
+            <a:picLocks noChangeAspect="1"/>
+          </p:cNvPicPr>
+          <p:nvPr/>
+        </p:nvPicPr>
+        <p:blipFill rotWithShape="1">
+          <a:blip r:embed="rId3"/>
+          <a:srcRect t="4263" b="9765"/>
+          <a:stretch/>
+        </p:blipFill>
+        <p:spPr>
+          <a:xfrm>
+            <a:off x="2318048" y="2204864"/>
+            <a:ext cx="4610100" cy="4356484"/>
+          </a:xfrm>
+          <a:prstGeom prst="rect">
+            <a:avLst/>
+          </a:prstGeom>
+        </p:spPr>
+      </p:pic>
+    </p:spTree>
+    <p:extLst>
+      <p:ext uri="{BB962C8B-B14F-4D97-AF65-F5344CB8AC3E}">
+        <p14:creationId xmlns:p14="http://schemas.microsoft.com/office/powerpoint/2010/main" val="2217453342"/>
+      </p:ext>
+    </p:extLst>
+  </p:cSld>
+  <p:clrMapOvr>
+    <a:masterClrMapping/>
+  </p:clrMapOvr>
+</p:sld>
+</file>
+
+<file path=ppt/slides/slide3.xml><?xml version="1.0" encoding="utf-8"?>
+<p:sld xmlns:a="http://schemas.openxmlformats.org/drawingml/2006/main" xmlns:r="http://schemas.openxmlformats.org/officeDocument/2006/relationships" xmlns:p="http://schemas.openxmlformats.org/presentationml/2006/main">
+  <p:cSld>
+    <p:spTree>
+      <p:nvGrpSpPr>
+        <p:cNvPr id="1" name=""/>
+        <p:cNvGrpSpPr/>
+        <p:nvPr/>
+      </p:nvGrpSpPr>
+      <p:grpSpPr>
+        <a:xfrm>
+          <a:off x="0" y="0"/>
+          <a:ext cx="0" cy="0"/>
+          <a:chOff x="0" y="0"/>
+          <a:chExt cx="0" cy="0"/>
+        </a:xfrm>
+      </p:grpSpPr>
+      <p:grpSp>
+        <p:nvGrpSpPr>
+          <p:cNvPr id="4" name="Group 3"/>
+          <p:cNvGrpSpPr/>
+          <p:nvPr/>
+        </p:nvGrpSpPr>
+        <p:grpSpPr>
+          <a:xfrm>
+            <a:off x="8460432" y="6237312"/>
+            <a:ext cx="216000" cy="216000"/>
+            <a:chOff x="2772000" y="1932221"/>
+            <a:chExt cx="2340000" cy="2340000"/>
+          </a:xfrm>
+        </p:grpSpPr>
+        <p:sp>
+          <p:nvSpPr>
+            <p:cNvPr id="5" name="Rectangle 4"/>
+            <p:cNvSpPr/>
+            <p:nvPr/>
+          </p:nvSpPr>
+          <p:spPr>
+            <a:xfrm>
+              <a:off x="2772000" y="1932221"/>
+              <a:ext cx="2340000" cy="2340000"/>
+            </a:xfrm>
+            <a:prstGeom prst="rect">
+              <a:avLst/>
+            </a:prstGeom>
+            <a:solidFill>
+              <a:schemeClr val="bg1">
+                <a:lumMod val="75000"/>
+              </a:schemeClr>
+            </a:solidFill>
+            <a:ln>
+              <a:noFill/>
+            </a:ln>
+          </p:spPr>
+          <p:style>
+            <a:lnRef idx="2">
+              <a:schemeClr val="accent1">
+                <a:shade val="50000"/>
+              </a:schemeClr>
+            </a:lnRef>
+            <a:fillRef idx="1">
+              <a:schemeClr val="accent1"/>
+            </a:fillRef>
+            <a:effectRef idx="0">
+              <a:schemeClr val="accent1"/>
+            </a:effectRef>
+            <a:fontRef idx="minor">
+              <a:schemeClr val="lt1"/>
+            </a:fontRef>
+          </p:style>
+          <p:txBody>
+            <a:bodyPr rtlCol="0" anchor="ctr"/>
+            <a:lstStyle/>
+            <a:p>
+              <a:pPr algn="ctr"/>
+              <a:endParaRPr lang="en-US">
+                <a:ln>
+                  <a:solidFill>
+                    <a:schemeClr val="bg2">
+                      <a:lumMod val="75000"/>
+                    </a:schemeClr>
+                  </a:solidFill>
+                </a:ln>
+                <a:solidFill>
+                  <a:schemeClr val="tx1"/>
+                </a:solidFill>
+              </a:endParaRPr>
+            </a:p>
+          </p:txBody>
+        </p:sp>
+        <p:sp>
+          <p:nvSpPr>
+            <p:cNvPr id="6" name="Rectangle 5"/>
+            <p:cNvSpPr/>
+            <p:nvPr/>
+          </p:nvSpPr>
+          <p:spPr>
+            <a:xfrm>
+              <a:off x="3546000" y="2706221"/>
+              <a:ext cx="792000" cy="792000"/>
+            </a:xfrm>
+            <a:prstGeom prst="rect">
+              <a:avLst/>
+            </a:prstGeom>
+            <a:solidFill>
+              <a:schemeClr val="bg1"/>
+            </a:solidFill>
+            <a:ln>
+              <a:noFill/>
+            </a:ln>
+          </p:spPr>
+          <p:style>
+            <a:lnRef idx="2">
+              <a:schemeClr val="accent1">
+                <a:shade val="50000"/>
+              </a:schemeClr>
+            </a:lnRef>
+            <a:fillRef idx="1">
+              <a:schemeClr val="accent1"/>
+            </a:fillRef>
+            <a:effectRef idx="0">
+              <a:schemeClr val="accent1"/>
+            </a:effectRef>
+            <a:fontRef idx="minor">
+              <a:schemeClr val="lt1"/>
+            </a:fontRef>
+          </p:style>
+          <p:txBody>
+            <a:bodyPr rtlCol="0" anchor="ctr"/>
+            <a:lstStyle/>
+            <a:p>
+              <a:pPr algn="ctr"/>
+              <a:endParaRPr lang="en-US">
+                <a:ln>
+                  <a:solidFill>
+                    <a:schemeClr val="bg2">
+                      <a:lumMod val="75000"/>
+                    </a:schemeClr>
+                  </a:solidFill>
+                </a:ln>
+                <a:solidFill>
+                  <a:schemeClr val="tx1"/>
+                </a:solidFill>
+              </a:endParaRPr>
+            </a:p>
+          </p:txBody>
+        </p:sp>
+      </p:grpSp>
+      <p:pic>
+        <p:nvPicPr>
+          <p:cNvPr id="7" name="Picture 6"/>
+          <p:cNvPicPr>
+            <a:picLocks noChangeAspect="1"/>
+          </p:cNvPicPr>
+          <p:nvPr/>
+        </p:nvPicPr>
+        <p:blipFill>
+          <a:blip r:embed="rId2" cstate="print">
+            <a:extLst>
+              <a:ext uri="{28A0092B-C50C-407E-A947-70E740481C1C}">
+                <a14:useLocalDpi xmlns:a14="http://schemas.microsoft.com/office/drawing/2010/main" val="0"/>
+              </a:ext>
+            </a:extLst>
+          </a:blip>
+          <a:stretch>
+            <a:fillRect/>
+          </a:stretch>
+        </p:blipFill>
+        <p:spPr>
+          <a:xfrm>
+            <a:off x="381905" y="332656"/>
+            <a:ext cx="2497907" cy="648072"/>
+          </a:xfrm>
+          <a:prstGeom prst="rect">
+            <a:avLst/>
+          </a:prstGeom>
+        </p:spPr>
+      </p:pic>
+      <p:sp>
+        <p:nvSpPr>
+          <p:cNvPr id="8" name="TextBox 7">
+            <a:extLst>
+              <a:ext uri="{FF2B5EF4-FFF2-40B4-BE49-F238E27FC236}">
                 <a16:creationId xmlns:a16="http://schemas.microsoft.com/office/drawing/2014/main" id="{58471791-2E58-4B25-AA37-D181D64E62DE}"/>
               </a:ext>
             </a:extLst>
@@ -11571,7 +12826,7 @@
         <p:spPr>
           <a:xfrm>
             <a:off x="575556" y="1771075"/>
-            <a:ext cx="3816424" cy="1754326"/>
+            <a:ext cx="3260573" cy="2862322"/>
           </a:xfrm>
           <a:prstGeom prst="rect">
             <a:avLst/>
@@ -11579,15 +12834,26 @@
           <a:noFill/>
         </p:spPr>
         <p:txBody>
-          <a:bodyPr wrap="square" rtlCol="0">
+          <a:bodyPr wrap="none" rtlCol="0">
             <a:spAutoFit/>
           </a:bodyPr>
           <a:lstStyle/>
           <a:p>
             <a:r>
-              <a:rPr lang="en-US" b="1" dirty="0"/>
+              <a:rPr lang="en-US" b="1" dirty="0" smtClean="0"/>
               <a:t>Medical</a:t>
             </a:r>
+          </a:p>
+          <a:p>
+            <a:endParaRPr lang="en-US" b="1" dirty="0"/>
+          </a:p>
+          <a:p>
+            <a:endParaRPr lang="en-US" b="1" dirty="0" smtClean="0"/>
+          </a:p>
+          <a:p>
+            <a:endParaRPr lang="en-US" b="1" dirty="0"/>
+          </a:p>
+          <a:p>
             <a:endParaRPr lang="en-US" dirty="0"/>
           </a:p>
           <a:p>
@@ -11700,6 +12966,42 @@
           <a:xfrm>
             <a:off x="4391980" y="2330674"/>
             <a:ext cx="3528392" cy="2399307"/>
+          </a:xfrm>
+          <a:prstGeom prst="rect">
+            <a:avLst/>
+          </a:prstGeom>
+        </p:spPr>
+      </p:pic>
+      <p:pic>
+        <p:nvPicPr>
+          <p:cNvPr id="11" name="Picture 10">
+            <a:extLst>
+              <a:ext uri="{FF2B5EF4-FFF2-40B4-BE49-F238E27FC236}">
+                <a16:creationId xmlns:a16="http://schemas.microsoft.com/office/drawing/2014/main" id="{35E599EA-912D-498D-879D-560378D71466}"/>
+              </a:ext>
+            </a:extLst>
+          </p:cNvPr>
+          <p:cNvPicPr>
+            <a:picLocks noChangeAspect="1"/>
+          </p:cNvPicPr>
+          <p:nvPr/>
+        </p:nvPicPr>
+        <p:blipFill>
+          <a:blip r:embed="rId4" cstate="print">
+            <a:extLst>
+              <a:ext uri="{28A0092B-C50C-407E-A947-70E740481C1C}">
+                <a14:useLocalDpi xmlns:a14="http://schemas.microsoft.com/office/drawing/2010/main" val="0"/>
+              </a:ext>
+            </a:extLst>
+          </a:blip>
+          <a:stretch>
+            <a:fillRect/>
+          </a:stretch>
+        </p:blipFill>
+        <p:spPr>
+          <a:xfrm>
+            <a:off x="1187624" y="2172421"/>
+            <a:ext cx="900100" cy="900100"/>
           </a:xfrm>
           <a:prstGeom prst="rect">
             <a:avLst/>
@@ -12039,7 +13341,7 @@
           <a:graphicData uri="http://schemas.openxmlformats.org/presentationml/2006/ole">
             <mc:AlternateContent xmlns:mc="http://schemas.openxmlformats.org/markup-compatibility/2006">
               <mc:Choice xmlns:v="urn:schemas-microsoft-com:vml" Requires="v">
-                <p:oleObj spid="_x0000_s1039" name="Visio" r:id="rId4" imgW="4419772" imgH="4210101" progId="Visio.Drawing.15">
+                <p:oleObj spid="_x0000_s1038" name="Visio" r:id="rId4" imgW="4419772" imgH="4210101" progId="Visio.Drawing.15">
                   <p:embed/>
                 </p:oleObj>
               </mc:Choice>
@@ -12647,7 +13949,7 @@
         <p:spPr>
           <a:xfrm>
             <a:off x="287524" y="1232756"/>
-            <a:ext cx="5328592" cy="646331"/>
+            <a:ext cx="5148572" cy="646331"/>
           </a:xfrm>
           <a:prstGeom prst="rect">
             <a:avLst/>
@@ -12808,6 +14110,520 @@
 </file>
 
 <file path=ppt/slides/slide7.xml><?xml version="1.0" encoding="utf-8"?>
+<p:sld xmlns:a="http://schemas.openxmlformats.org/drawingml/2006/main" xmlns:r="http://schemas.openxmlformats.org/officeDocument/2006/relationships" xmlns:p="http://schemas.openxmlformats.org/presentationml/2006/main">
+  <p:cSld>
+    <p:spTree>
+      <p:nvGrpSpPr>
+        <p:cNvPr id="1" name=""/>
+        <p:cNvGrpSpPr/>
+        <p:nvPr/>
+      </p:nvGrpSpPr>
+      <p:grpSpPr>
+        <a:xfrm>
+          <a:off x="0" y="0"/>
+          <a:ext cx="0" cy="0"/>
+          <a:chOff x="0" y="0"/>
+          <a:chExt cx="0" cy="0"/>
+        </a:xfrm>
+      </p:grpSpPr>
+      <p:grpSp>
+        <p:nvGrpSpPr>
+          <p:cNvPr id="4" name="Group 3"/>
+          <p:cNvGrpSpPr/>
+          <p:nvPr/>
+        </p:nvGrpSpPr>
+        <p:grpSpPr>
+          <a:xfrm>
+            <a:off x="8460432" y="6237312"/>
+            <a:ext cx="216000" cy="216000"/>
+            <a:chOff x="2772000" y="1932221"/>
+            <a:chExt cx="2340000" cy="2340000"/>
+          </a:xfrm>
+        </p:grpSpPr>
+        <p:sp>
+          <p:nvSpPr>
+            <p:cNvPr id="5" name="Rectangle 4"/>
+            <p:cNvSpPr/>
+            <p:nvPr/>
+          </p:nvSpPr>
+          <p:spPr>
+            <a:xfrm>
+              <a:off x="2772000" y="1932221"/>
+              <a:ext cx="2340000" cy="2340000"/>
+            </a:xfrm>
+            <a:prstGeom prst="rect">
+              <a:avLst/>
+            </a:prstGeom>
+            <a:solidFill>
+              <a:schemeClr val="bg1">
+                <a:lumMod val="75000"/>
+              </a:schemeClr>
+            </a:solidFill>
+            <a:ln>
+              <a:noFill/>
+            </a:ln>
+          </p:spPr>
+          <p:style>
+            <a:lnRef idx="2">
+              <a:schemeClr val="accent1">
+                <a:shade val="50000"/>
+              </a:schemeClr>
+            </a:lnRef>
+            <a:fillRef idx="1">
+              <a:schemeClr val="accent1"/>
+            </a:fillRef>
+            <a:effectRef idx="0">
+              <a:schemeClr val="accent1"/>
+            </a:effectRef>
+            <a:fontRef idx="minor">
+              <a:schemeClr val="lt1"/>
+            </a:fontRef>
+          </p:style>
+          <p:txBody>
+            <a:bodyPr rtlCol="0" anchor="ctr"/>
+            <a:lstStyle/>
+            <a:p>
+              <a:pPr algn="ctr"/>
+              <a:endParaRPr lang="en-US">
+                <a:ln>
+                  <a:solidFill>
+                    <a:schemeClr val="bg2">
+                      <a:lumMod val="75000"/>
+                    </a:schemeClr>
+                  </a:solidFill>
+                </a:ln>
+                <a:solidFill>
+                  <a:schemeClr val="tx1"/>
+                </a:solidFill>
+              </a:endParaRPr>
+            </a:p>
+          </p:txBody>
+        </p:sp>
+        <p:sp>
+          <p:nvSpPr>
+            <p:cNvPr id="6" name="Rectangle 5"/>
+            <p:cNvSpPr/>
+            <p:nvPr/>
+          </p:nvSpPr>
+          <p:spPr>
+            <a:xfrm>
+              <a:off x="3546000" y="2706221"/>
+              <a:ext cx="792000" cy="792000"/>
+            </a:xfrm>
+            <a:prstGeom prst="rect">
+              <a:avLst/>
+            </a:prstGeom>
+            <a:solidFill>
+              <a:schemeClr val="bg1"/>
+            </a:solidFill>
+            <a:ln>
+              <a:noFill/>
+            </a:ln>
+          </p:spPr>
+          <p:style>
+            <a:lnRef idx="2">
+              <a:schemeClr val="accent1">
+                <a:shade val="50000"/>
+              </a:schemeClr>
+            </a:lnRef>
+            <a:fillRef idx="1">
+              <a:schemeClr val="accent1"/>
+            </a:fillRef>
+            <a:effectRef idx="0">
+              <a:schemeClr val="accent1"/>
+            </a:effectRef>
+            <a:fontRef idx="minor">
+              <a:schemeClr val="lt1"/>
+            </a:fontRef>
+          </p:style>
+          <p:txBody>
+            <a:bodyPr rtlCol="0" anchor="ctr"/>
+            <a:lstStyle/>
+            <a:p>
+              <a:pPr algn="ctr"/>
+              <a:endParaRPr lang="en-US">
+                <a:ln>
+                  <a:solidFill>
+                    <a:schemeClr val="bg2">
+                      <a:lumMod val="75000"/>
+                    </a:schemeClr>
+                  </a:solidFill>
+                </a:ln>
+                <a:solidFill>
+                  <a:schemeClr val="tx1"/>
+                </a:solidFill>
+              </a:endParaRPr>
+            </a:p>
+          </p:txBody>
+        </p:sp>
+      </p:grpSp>
+      <p:pic>
+        <p:nvPicPr>
+          <p:cNvPr id="7" name="Picture 6"/>
+          <p:cNvPicPr>
+            <a:picLocks noChangeAspect="1"/>
+          </p:cNvPicPr>
+          <p:nvPr/>
+        </p:nvPicPr>
+        <p:blipFill>
+          <a:blip r:embed="rId3" cstate="print">
+            <a:extLst>
+              <a:ext uri="{28A0092B-C50C-407E-A947-70E740481C1C}">
+                <a14:useLocalDpi xmlns:a14="http://schemas.microsoft.com/office/drawing/2010/main" val="0"/>
+              </a:ext>
+            </a:extLst>
+          </a:blip>
+          <a:stretch>
+            <a:fillRect/>
+          </a:stretch>
+        </p:blipFill>
+        <p:spPr>
+          <a:xfrm>
+            <a:off x="381905" y="332656"/>
+            <a:ext cx="2497907" cy="648072"/>
+          </a:xfrm>
+          <a:prstGeom prst="rect">
+            <a:avLst/>
+          </a:prstGeom>
+        </p:spPr>
+      </p:pic>
+      <p:sp>
+        <p:nvSpPr>
+          <p:cNvPr id="2" name="Rectangle 1">
+            <a:extLst>
+              <a:ext uri="{FF2B5EF4-FFF2-40B4-BE49-F238E27FC236}">
+                <a16:creationId xmlns:a16="http://schemas.microsoft.com/office/drawing/2014/main" id="{20A5B0E5-E70C-476A-9B34-6A0055BDCB5A}"/>
+              </a:ext>
+            </a:extLst>
+          </p:cNvPr>
+          <p:cNvSpPr/>
+          <p:nvPr/>
+        </p:nvSpPr>
+        <p:spPr>
+          <a:xfrm>
+            <a:off x="107504" y="1196752"/>
+            <a:ext cx="5346977" cy="646331"/>
+          </a:xfrm>
+          <a:prstGeom prst="rect">
+            <a:avLst/>
+          </a:prstGeom>
+        </p:spPr>
+        <p:txBody>
+          <a:bodyPr wrap="none">
+            <a:spAutoFit/>
+          </a:bodyPr>
+          <a:lstStyle/>
+          <a:p>
+            <a:r>
+              <a:rPr lang="en-US" sz="3600" b="1" dirty="0">
+                <a:latin typeface="UT Sans Bold"/>
+              </a:rPr>
+              <a:t>Creating the 3x3 submatrix</a:t>
+            </a:r>
+          </a:p>
+        </p:txBody>
+      </p:sp>
+      <p:sp>
+        <p:nvSpPr>
+          <p:cNvPr id="3" name="Rectangle 2">
+            <a:extLst>
+              <a:ext uri="{FF2B5EF4-FFF2-40B4-BE49-F238E27FC236}">
+                <a16:creationId xmlns:a16="http://schemas.microsoft.com/office/drawing/2014/main" id="{DA820E59-69C1-434D-9DAF-DB9FB2947E00}"/>
+              </a:ext>
+            </a:extLst>
+          </p:cNvPr>
+          <p:cNvSpPr>
+            <a:spLocks noChangeArrowheads="1"/>
+          </p:cNvSpPr>
+          <p:nvPr/>
+        </p:nvSpPr>
+        <p:spPr bwMode="auto">
+          <a:xfrm>
+            <a:off x="-144524" y="1700808"/>
+            <a:ext cx="9144000" cy="0"/>
+          </a:xfrm>
+          <a:prstGeom prst="rect">
+            <a:avLst/>
+          </a:prstGeom>
+          <a:noFill/>
+          <a:ln>
+            <a:noFill/>
+          </a:ln>
+          <a:effectLst/>
+          <a:extLst>
+            <a:ext uri="{909E8E84-426E-40DD-AFC4-6F175D3DCCD1}">
+              <a14:hiddenFill xmlns:a14="http://schemas.microsoft.com/office/drawing/2010/main">
+                <a:solidFill>
+                  <a:schemeClr val="accent1"/>
+                </a:solidFill>
+              </a14:hiddenFill>
+            </a:ext>
+            <a:ext uri="{91240B29-F687-4F45-9708-019B960494DF}">
+              <a14:hiddenLine xmlns:a14="http://schemas.microsoft.com/office/drawing/2010/main" w="9525">
+                <a:solidFill>
+                  <a:schemeClr val="tx1"/>
+                </a:solidFill>
+                <a:miter lim="800000"/>
+                <a:headEnd/>
+                <a:tailEnd/>
+              </a14:hiddenLine>
+            </a:ext>
+            <a:ext uri="{AF507438-7753-43E0-B8FC-AC1667EBCBE1}">
+              <a14:hiddenEffects xmlns:a14="http://schemas.microsoft.com/office/drawing/2010/main">
+                <a:effectLst>
+                  <a:outerShdw dist="35921" dir="2700000" algn="ctr" rotWithShape="0">
+                    <a:schemeClr val="bg2"/>
+                  </a:outerShdw>
+                </a:effectLst>
+              </a14:hiddenEffects>
+            </a:ext>
+          </a:extLst>
+        </p:spPr>
+        <p:txBody>
+          <a:bodyPr vert="horz" wrap="none" lIns="91440" tIns="45720" rIns="91440" bIns="45720" numCol="1" anchor="ctr" anchorCtr="0" compatLnSpc="1">
+            <a:prstTxWarp prst="textNoShape">
+              <a:avLst/>
+            </a:prstTxWarp>
+            <a:spAutoFit/>
+          </a:bodyPr>
+          <a:lstStyle/>
+          <a:p>
+            <a:endParaRPr lang="en-US"/>
+          </a:p>
+        </p:txBody>
+      </p:sp>
+      <p:graphicFrame>
+        <p:nvGraphicFramePr>
+          <p:cNvPr id="8" name="Object 7">
+            <a:extLst>
+              <a:ext uri="{FF2B5EF4-FFF2-40B4-BE49-F238E27FC236}">
+                <a16:creationId xmlns:a16="http://schemas.microsoft.com/office/drawing/2014/main" id="{F3BE990C-6BA8-4650-B940-99FA551E161E}"/>
+              </a:ext>
+            </a:extLst>
+          </p:cNvPr>
+          <p:cNvGraphicFramePr>
+            <a:graphicFrameLocks noChangeAspect="1"/>
+          </p:cNvGraphicFramePr>
+          <p:nvPr>
+            <p:extLst>
+              <p:ext uri="{D42A27DB-BD31-4B8C-83A1-F6EECF244321}">
+                <p14:modId xmlns:p14="http://schemas.microsoft.com/office/powerpoint/2010/main" val="2228150312"/>
+              </p:ext>
+            </p:extLst>
+          </p:nvPr>
+        </p:nvGraphicFramePr>
+        <p:xfrm>
+          <a:off x="1096315" y="1831396"/>
+          <a:ext cx="6305550" cy="2628900"/>
+        </p:xfrm>
+        <a:graphic>
+          <a:graphicData uri="http://schemas.openxmlformats.org/presentationml/2006/ole">
+            <mc:AlternateContent xmlns:mc="http://schemas.openxmlformats.org/markup-compatibility/2006">
+              <mc:Choice xmlns:v="urn:schemas-microsoft-com:vml" Requires="v">
+                <p:oleObj spid="_x0000_s7191" name="Visio" r:id="rId4" imgW="7353156" imgH="3066908" progId="Visio.Drawing.15">
+                  <p:embed/>
+                </p:oleObj>
+              </mc:Choice>
+              <mc:Fallback>
+                <p:oleObj name="Visio" r:id="rId4" imgW="7353156" imgH="3066908" progId="Visio.Drawing.15">
+                  <p:embed/>
+                  <p:pic>
+                    <p:nvPicPr>
+                      <p:cNvPr id="0" name="Object 1"/>
+                      <p:cNvPicPr>
+                        <a:picLocks noChangeAspect="1" noChangeArrowheads="1"/>
+                      </p:cNvPicPr>
+                      <p:nvPr/>
+                    </p:nvPicPr>
+                    <p:blipFill>
+                      <a:blip r:embed="rId5"/>
+                      <a:srcRect/>
+                      <a:stretch>
+                        <a:fillRect/>
+                      </a:stretch>
+                    </p:blipFill>
+                    <p:spPr bwMode="auto">
+                      <a:xfrm>
+                        <a:off x="1096315" y="1831396"/>
+                        <a:ext cx="6305550" cy="2628900"/>
+                      </a:xfrm>
+                      <a:prstGeom prst="rect">
+                        <a:avLst/>
+                      </a:prstGeom>
+                      <a:noFill/>
+                      <a:extLst>
+                        <a:ext uri="{909E8E84-426E-40DD-AFC4-6F175D3DCCD1}">
+                          <a14:hiddenFill xmlns:a14="http://schemas.microsoft.com/office/drawing/2010/main">
+                            <a:solidFill>
+                              <a:srgbClr val="FFFFFF"/>
+                            </a:solidFill>
+                          </a14:hiddenFill>
+                        </a:ext>
+                      </a:extLst>
+                    </p:spPr>
+                  </p:pic>
+                </p:oleObj>
+              </mc:Fallback>
+            </mc:AlternateContent>
+          </a:graphicData>
+        </a:graphic>
+      </p:graphicFrame>
+      <p:sp>
+        <p:nvSpPr>
+          <p:cNvPr id="9" name="Rectangle 4">
+            <a:extLst>
+              <a:ext uri="{FF2B5EF4-FFF2-40B4-BE49-F238E27FC236}">
+                <a16:creationId xmlns:a16="http://schemas.microsoft.com/office/drawing/2014/main" id="{3FF2CEB6-212F-44BA-94CE-F02CBA1CD010}"/>
+              </a:ext>
+            </a:extLst>
+          </p:cNvPr>
+          <p:cNvSpPr>
+            <a:spLocks noChangeArrowheads="1"/>
+          </p:cNvSpPr>
+          <p:nvPr/>
+        </p:nvSpPr>
+        <p:spPr bwMode="auto">
+          <a:xfrm flipV="1">
+            <a:off x="360016" y="3282537"/>
+            <a:ext cx="7778148" cy="45719"/>
+          </a:xfrm>
+          <a:prstGeom prst="rect">
+            <a:avLst/>
+          </a:prstGeom>
+          <a:noFill/>
+          <a:ln>
+            <a:noFill/>
+          </a:ln>
+          <a:effectLst/>
+          <a:extLst>
+            <a:ext uri="{909E8E84-426E-40DD-AFC4-6F175D3DCCD1}">
+              <a14:hiddenFill xmlns:a14="http://schemas.microsoft.com/office/drawing/2010/main">
+                <a:solidFill>
+                  <a:schemeClr val="accent1"/>
+                </a:solidFill>
+              </a14:hiddenFill>
+            </a:ext>
+            <a:ext uri="{91240B29-F687-4F45-9708-019B960494DF}">
+              <a14:hiddenLine xmlns:a14="http://schemas.microsoft.com/office/drawing/2010/main" w="9525">
+                <a:solidFill>
+                  <a:schemeClr val="tx1"/>
+                </a:solidFill>
+                <a:miter lim="800000"/>
+                <a:headEnd/>
+                <a:tailEnd/>
+              </a14:hiddenLine>
+            </a:ext>
+            <a:ext uri="{AF507438-7753-43E0-B8FC-AC1667EBCBE1}">
+              <a14:hiddenEffects xmlns:a14="http://schemas.microsoft.com/office/drawing/2010/main">
+                <a:effectLst>
+                  <a:outerShdw dist="35921" dir="2700000" algn="ctr" rotWithShape="0">
+                    <a:schemeClr val="bg2"/>
+                  </a:outerShdw>
+                </a:effectLst>
+              </a14:hiddenEffects>
+            </a:ext>
+          </a:extLst>
+        </p:spPr>
+        <p:txBody>
+          <a:bodyPr vert="horz" wrap="square" lIns="91440" tIns="45720" rIns="91440" bIns="45720" numCol="1" anchor="ctr" anchorCtr="0" compatLnSpc="1">
+            <a:prstTxWarp prst="textNoShape">
+              <a:avLst/>
+            </a:prstTxWarp>
+            <a:spAutoFit/>
+          </a:bodyPr>
+          <a:lstStyle/>
+          <a:p>
+            <a:endParaRPr lang="en-US"/>
+          </a:p>
+        </p:txBody>
+      </p:sp>
+      <p:graphicFrame>
+        <p:nvGraphicFramePr>
+          <p:cNvPr id="10" name="Object 9">
+            <a:extLst>
+              <a:ext uri="{FF2B5EF4-FFF2-40B4-BE49-F238E27FC236}">
+                <a16:creationId xmlns:a16="http://schemas.microsoft.com/office/drawing/2014/main" id="{5150E314-300C-42DE-8200-9CCBCE128320}"/>
+              </a:ext>
+            </a:extLst>
+          </p:cNvPr>
+          <p:cNvGraphicFramePr>
+            <a:graphicFrameLocks noChangeAspect="1"/>
+          </p:cNvGraphicFramePr>
+          <p:nvPr>
+            <p:extLst>
+              <p:ext uri="{D42A27DB-BD31-4B8C-83A1-F6EECF244321}">
+                <p14:modId xmlns:p14="http://schemas.microsoft.com/office/powerpoint/2010/main" val="3120996288"/>
+              </p:ext>
+            </p:extLst>
+          </p:nvPr>
+        </p:nvGraphicFramePr>
+        <p:xfrm>
+          <a:off x="1511660" y="3825044"/>
+          <a:ext cx="5039592" cy="2884397"/>
+        </p:xfrm>
+        <a:graphic>
+          <a:graphicData uri="http://schemas.openxmlformats.org/presentationml/2006/ole">
+            <mc:AlternateContent xmlns:mc="http://schemas.openxmlformats.org/markup-compatibility/2006">
+              <mc:Choice xmlns:v="urn:schemas-microsoft-com:vml" Requires="v">
+                <p:oleObj spid="_x0000_s7192" name="Visio" r:id="rId6" imgW="5934129" imgH="3390925" progId="Visio.Drawing.15">
+                  <p:embed/>
+                </p:oleObj>
+              </mc:Choice>
+              <mc:Fallback>
+                <p:oleObj name="Visio" r:id="rId6" imgW="5934129" imgH="3390925" progId="Visio.Drawing.15">
+                  <p:embed/>
+                  <p:pic>
+                    <p:nvPicPr>
+                      <p:cNvPr id="0" name="Object 3"/>
+                      <p:cNvPicPr>
+                        <a:picLocks noChangeAspect="1" noChangeArrowheads="1"/>
+                      </p:cNvPicPr>
+                      <p:nvPr/>
+                    </p:nvPicPr>
+                    <p:blipFill>
+                      <a:blip r:embed="rId7">
+                        <a:extLst>
+                          <a:ext uri="{28A0092B-C50C-407E-A947-70E740481C1C}">
+                            <a14:useLocalDpi xmlns:a14="http://schemas.microsoft.com/office/drawing/2010/main" val="0"/>
+                          </a:ext>
+                        </a:extLst>
+                      </a:blip>
+                      <a:srcRect/>
+                      <a:stretch>
+                        <a:fillRect/>
+                      </a:stretch>
+                    </p:blipFill>
+                    <p:spPr bwMode="auto">
+                      <a:xfrm>
+                        <a:off x="1511660" y="3825044"/>
+                        <a:ext cx="5039592" cy="2884397"/>
+                      </a:xfrm>
+                      <a:prstGeom prst="rect">
+                        <a:avLst/>
+                      </a:prstGeom>
+                      <a:noFill/>
+                    </p:spPr>
+                  </p:pic>
+                </p:oleObj>
+              </mc:Fallback>
+            </mc:AlternateContent>
+          </a:graphicData>
+        </a:graphic>
+      </p:graphicFrame>
+    </p:spTree>
+    <p:extLst>
+      <p:ext uri="{BB962C8B-B14F-4D97-AF65-F5344CB8AC3E}">
+        <p14:creationId xmlns:p14="http://schemas.microsoft.com/office/powerpoint/2010/main" val="1586514665"/>
+      </p:ext>
+    </p:extLst>
+  </p:cSld>
+  <p:clrMapOvr>
+    <a:masterClrMapping/>
+  </p:clrMapOvr>
+</p:sld>
+</file>
+
+<file path=ppt/slides/slide8.xml><?xml version="1.0" encoding="utf-8"?>
 <p:sld xmlns:a="http://schemas.openxmlformats.org/drawingml/2006/main" xmlns:r="http://schemas.openxmlformats.org/officeDocument/2006/relationships" xmlns:p="http://schemas.openxmlformats.org/presentationml/2006/main">
   <p:cSld>
     <p:spTree>
@@ -13615,7 +15431,7 @@
           <a:graphicData uri="http://schemas.openxmlformats.org/presentationml/2006/ole">
             <mc:AlternateContent xmlns:mc="http://schemas.openxmlformats.org/markup-compatibility/2006">
               <mc:Choice xmlns:v="urn:schemas-microsoft-com:vml" Requires="v">
-                <p:oleObj spid="_x0000_s2062" name="Visio" r:id="rId5" imgW="6372214" imgH="8305634" progId="Visio.Drawing.15">
+                <p:oleObj spid="_x0000_s2061" name="Visio" r:id="rId5" imgW="6372214" imgH="8305634" progId="Visio.Drawing.15">
                   <p:embed/>
                 </p:oleObj>
               </mc:Choice>
@@ -13974,7 +15790,7 @@
 </p:sld>
 </file>
 
-<file path=ppt/slides/slide8.xml><?xml version="1.0" encoding="utf-8"?>
+<file path=ppt/slides/slide9.xml><?xml version="1.0" encoding="utf-8"?>
 <p:sld xmlns:a="http://schemas.openxmlformats.org/drawingml/2006/main" xmlns:r="http://schemas.openxmlformats.org/officeDocument/2006/relationships" xmlns:p="http://schemas.openxmlformats.org/presentationml/2006/main">
   <p:cSld>
     <p:spTree>
@@ -14321,7 +16137,7 @@
           <a:graphicData uri="http://schemas.openxmlformats.org/presentationml/2006/ole">
             <mc:AlternateContent xmlns:mc="http://schemas.openxmlformats.org/markup-compatibility/2006">
               <mc:Choice xmlns:v="urn:schemas-microsoft-com:vml" Requires="v">
-                <p:oleObj spid="_x0000_s3101" name="Visio" r:id="rId5" imgW="4476599" imgH="2933687" progId="Visio.Drawing.15">
+                <p:oleObj spid="_x0000_s3099" name="Visio" r:id="rId5" imgW="4476599" imgH="2933687" progId="Visio.Drawing.15">
                   <p:embed/>
                 </p:oleObj>
               </mc:Choice>
@@ -14472,7 +16288,7 @@
           <a:graphicData uri="http://schemas.openxmlformats.org/presentationml/2006/ole">
             <mc:AlternateContent xmlns:mc="http://schemas.openxmlformats.org/markup-compatibility/2006">
               <mc:Choice xmlns:v="urn:schemas-microsoft-com:vml" Requires="v">
-                <p:oleObj spid="_x0000_s3102" name="Visio" r:id="rId7" imgW="4933972" imgH="561828" progId="Visio.Drawing.15">
+                <p:oleObj spid="_x0000_s3100" name="Visio" r:id="rId7" imgW="4933972" imgH="561828" progId="Visio.Drawing.15">
                   <p:embed/>
                 </p:oleObj>
               </mc:Choice>
@@ -14862,721 +16678,6 @@
     </p:tnLst>
     <p:bldLst>
       <p:bldP spid="15" grpId="0" animBg="1"/>
-    </p:bldLst>
-  </p:timing>
-</p:sld>
-</file>
-
-<file path=ppt/slides/slide9.xml><?xml version="1.0" encoding="utf-8"?>
-<p:sld xmlns:a="http://schemas.openxmlformats.org/drawingml/2006/main" xmlns:r="http://schemas.openxmlformats.org/officeDocument/2006/relationships" xmlns:p="http://schemas.openxmlformats.org/presentationml/2006/main">
-  <p:cSld>
-    <p:spTree>
-      <p:nvGrpSpPr>
-        <p:cNvPr id="1" name=""/>
-        <p:cNvGrpSpPr/>
-        <p:nvPr/>
-      </p:nvGrpSpPr>
-      <p:grpSpPr>
-        <a:xfrm>
-          <a:off x="0" y="0"/>
-          <a:ext cx="0" cy="0"/>
-          <a:chOff x="0" y="0"/>
-          <a:chExt cx="0" cy="0"/>
-        </a:xfrm>
-      </p:grpSpPr>
-      <p:grpSp>
-        <p:nvGrpSpPr>
-          <p:cNvPr id="4" name="Group 3"/>
-          <p:cNvGrpSpPr/>
-          <p:nvPr/>
-        </p:nvGrpSpPr>
-        <p:grpSpPr>
-          <a:xfrm>
-            <a:off x="8460432" y="6237312"/>
-            <a:ext cx="216000" cy="216000"/>
-            <a:chOff x="2772000" y="1932221"/>
-            <a:chExt cx="2340000" cy="2340000"/>
-          </a:xfrm>
-        </p:grpSpPr>
-        <p:sp>
-          <p:nvSpPr>
-            <p:cNvPr id="5" name="Rectangle 4"/>
-            <p:cNvSpPr/>
-            <p:nvPr/>
-          </p:nvSpPr>
-          <p:spPr>
-            <a:xfrm>
-              <a:off x="2772000" y="1932221"/>
-              <a:ext cx="2340000" cy="2340000"/>
-            </a:xfrm>
-            <a:prstGeom prst="rect">
-              <a:avLst/>
-            </a:prstGeom>
-            <a:solidFill>
-              <a:schemeClr val="bg1">
-                <a:lumMod val="75000"/>
-              </a:schemeClr>
-            </a:solidFill>
-            <a:ln>
-              <a:noFill/>
-            </a:ln>
-          </p:spPr>
-          <p:style>
-            <a:lnRef idx="2">
-              <a:schemeClr val="accent1">
-                <a:shade val="50000"/>
-              </a:schemeClr>
-            </a:lnRef>
-            <a:fillRef idx="1">
-              <a:schemeClr val="accent1"/>
-            </a:fillRef>
-            <a:effectRef idx="0">
-              <a:schemeClr val="accent1"/>
-            </a:effectRef>
-            <a:fontRef idx="minor">
-              <a:schemeClr val="lt1"/>
-            </a:fontRef>
-          </p:style>
-          <p:txBody>
-            <a:bodyPr rtlCol="0" anchor="ctr"/>
-            <a:lstStyle/>
-            <a:p>
-              <a:pPr algn="ctr"/>
-              <a:endParaRPr lang="en-US">
-                <a:ln>
-                  <a:solidFill>
-                    <a:schemeClr val="bg2">
-                      <a:lumMod val="75000"/>
-                    </a:schemeClr>
-                  </a:solidFill>
-                </a:ln>
-                <a:solidFill>
-                  <a:schemeClr val="tx1"/>
-                </a:solidFill>
-              </a:endParaRPr>
-            </a:p>
-          </p:txBody>
-        </p:sp>
-        <p:sp>
-          <p:nvSpPr>
-            <p:cNvPr id="6" name="Rectangle 5"/>
-            <p:cNvSpPr/>
-            <p:nvPr/>
-          </p:nvSpPr>
-          <p:spPr>
-            <a:xfrm>
-              <a:off x="3546000" y="2706221"/>
-              <a:ext cx="792000" cy="792000"/>
-            </a:xfrm>
-            <a:prstGeom prst="rect">
-              <a:avLst/>
-            </a:prstGeom>
-            <a:solidFill>
-              <a:schemeClr val="bg1"/>
-            </a:solidFill>
-            <a:ln>
-              <a:noFill/>
-            </a:ln>
-          </p:spPr>
-          <p:style>
-            <a:lnRef idx="2">
-              <a:schemeClr val="accent1">
-                <a:shade val="50000"/>
-              </a:schemeClr>
-            </a:lnRef>
-            <a:fillRef idx="1">
-              <a:schemeClr val="accent1"/>
-            </a:fillRef>
-            <a:effectRef idx="0">
-              <a:schemeClr val="accent1"/>
-            </a:effectRef>
-            <a:fontRef idx="minor">
-              <a:schemeClr val="lt1"/>
-            </a:fontRef>
-          </p:style>
-          <p:txBody>
-            <a:bodyPr rtlCol="0" anchor="ctr"/>
-            <a:lstStyle/>
-            <a:p>
-              <a:pPr algn="ctr"/>
-              <a:endParaRPr lang="en-US">
-                <a:ln>
-                  <a:solidFill>
-                    <a:schemeClr val="bg2">
-                      <a:lumMod val="75000"/>
-                    </a:schemeClr>
-                  </a:solidFill>
-                </a:ln>
-                <a:solidFill>
-                  <a:schemeClr val="tx1"/>
-                </a:solidFill>
-              </a:endParaRPr>
-            </a:p>
-          </p:txBody>
-        </p:sp>
-      </p:grpSp>
-      <p:pic>
-        <p:nvPicPr>
-          <p:cNvPr id="7" name="Picture 6"/>
-          <p:cNvPicPr>
-            <a:picLocks noChangeAspect="1"/>
-          </p:cNvPicPr>
-          <p:nvPr/>
-        </p:nvPicPr>
-        <p:blipFill>
-          <a:blip r:embed="rId3" cstate="print">
-            <a:extLst>
-              <a:ext uri="{28A0092B-C50C-407E-A947-70E740481C1C}">
-                <a14:useLocalDpi xmlns:a14="http://schemas.microsoft.com/office/drawing/2010/main" val="0"/>
-              </a:ext>
-            </a:extLst>
-          </a:blip>
-          <a:stretch>
-            <a:fillRect/>
-          </a:stretch>
-        </p:blipFill>
-        <p:spPr>
-          <a:xfrm>
-            <a:off x="381905" y="332656"/>
-            <a:ext cx="2497907" cy="648072"/>
-          </a:xfrm>
-          <a:prstGeom prst="rect">
-            <a:avLst/>
-          </a:prstGeom>
-        </p:spPr>
-      </p:pic>
-      <p:sp>
-        <p:nvSpPr>
-          <p:cNvPr id="2" name="Rectangle 1">
-            <a:extLst>
-              <a:ext uri="{FF2B5EF4-FFF2-40B4-BE49-F238E27FC236}">
-                <a16:creationId xmlns:a16="http://schemas.microsoft.com/office/drawing/2014/main" id="{E1DB0BBC-37F2-4814-8887-65D4C1D486C4}"/>
-              </a:ext>
-            </a:extLst>
-          </p:cNvPr>
-          <p:cNvSpPr/>
-          <p:nvPr/>
-        </p:nvSpPr>
-        <p:spPr>
-          <a:xfrm>
-            <a:off x="134894" y="1233626"/>
-            <a:ext cx="2981522" cy="646331"/>
-          </a:xfrm>
-          <a:prstGeom prst="rect">
-            <a:avLst/>
-          </a:prstGeom>
-        </p:spPr>
-        <p:txBody>
-          <a:bodyPr wrap="none">
-            <a:spAutoFit/>
-          </a:bodyPr>
-          <a:lstStyle/>
-          <a:p>
-            <a:r>
-              <a:rPr lang="en-US" sz="3600" dirty="0">
-                <a:latin typeface="UT Sans Bold"/>
-              </a:rPr>
-              <a:t>Edge detection</a:t>
-            </a:r>
-          </a:p>
-        </p:txBody>
-      </p:sp>
-      <p:sp>
-        <p:nvSpPr>
-          <p:cNvPr id="3" name="Rectangle 2">
-            <a:extLst>
-              <a:ext uri="{FF2B5EF4-FFF2-40B4-BE49-F238E27FC236}">
-                <a16:creationId xmlns:a16="http://schemas.microsoft.com/office/drawing/2014/main" id="{419B6475-1E1A-400B-8E72-B123A232FA55}"/>
-              </a:ext>
-            </a:extLst>
-          </p:cNvPr>
-          <p:cNvSpPr>
-            <a:spLocks noChangeArrowheads="1"/>
-          </p:cNvSpPr>
-          <p:nvPr/>
-        </p:nvSpPr>
-        <p:spPr bwMode="auto">
-          <a:xfrm>
-            <a:off x="2865176" y="2132856"/>
-            <a:ext cx="9144000" cy="0"/>
-          </a:xfrm>
-          <a:prstGeom prst="rect">
-            <a:avLst/>
-          </a:prstGeom>
-          <a:noFill/>
-          <a:ln>
-            <a:noFill/>
-          </a:ln>
-          <a:effectLst/>
-          <a:extLst>
-            <a:ext uri="{909E8E84-426E-40DD-AFC4-6F175D3DCCD1}">
-              <a14:hiddenFill xmlns:a14="http://schemas.microsoft.com/office/drawing/2010/main">
-                <a:solidFill>
-                  <a:schemeClr val="accent1"/>
-                </a:solidFill>
-              </a14:hiddenFill>
-            </a:ext>
-            <a:ext uri="{91240B29-F687-4F45-9708-019B960494DF}">
-              <a14:hiddenLine xmlns:a14="http://schemas.microsoft.com/office/drawing/2010/main" w="9525">
-                <a:solidFill>
-                  <a:schemeClr val="tx1"/>
-                </a:solidFill>
-                <a:miter lim="800000"/>
-                <a:headEnd/>
-                <a:tailEnd/>
-              </a14:hiddenLine>
-            </a:ext>
-            <a:ext uri="{AF507438-7753-43E0-B8FC-AC1667EBCBE1}">
-              <a14:hiddenEffects xmlns:a14="http://schemas.microsoft.com/office/drawing/2010/main">
-                <a:effectLst>
-                  <a:outerShdw dist="35921" dir="2700000" algn="ctr" rotWithShape="0">
-                    <a:schemeClr val="bg2"/>
-                  </a:outerShdw>
-                </a:effectLst>
-              </a14:hiddenEffects>
-            </a:ext>
-          </a:extLst>
-        </p:spPr>
-        <p:txBody>
-          <a:bodyPr vert="horz" wrap="none" lIns="91440" tIns="45720" rIns="91440" bIns="45720" numCol="1" anchor="ctr" anchorCtr="0" compatLnSpc="1">
-            <a:prstTxWarp prst="textNoShape">
-              <a:avLst/>
-            </a:prstTxWarp>
-            <a:spAutoFit/>
-          </a:bodyPr>
-          <a:lstStyle/>
-          <a:p>
-            <a:endParaRPr lang="en-US"/>
-          </a:p>
-        </p:txBody>
-      </p:sp>
-      <p:graphicFrame>
-        <p:nvGraphicFramePr>
-          <p:cNvPr id="8" name="Object 7">
-            <a:extLst>
-              <a:ext uri="{FF2B5EF4-FFF2-40B4-BE49-F238E27FC236}">
-                <a16:creationId xmlns:a16="http://schemas.microsoft.com/office/drawing/2014/main" id="{8B5E35CE-1346-4724-BEBC-6D63B14B2FA8}"/>
-              </a:ext>
-            </a:extLst>
-          </p:cNvPr>
-          <p:cNvGraphicFramePr>
-            <a:graphicFrameLocks noChangeAspect="1"/>
-          </p:cNvGraphicFramePr>
-          <p:nvPr>
-            <p:extLst>
-              <p:ext uri="{D42A27DB-BD31-4B8C-83A1-F6EECF244321}">
-                <p14:modId xmlns:p14="http://schemas.microsoft.com/office/powerpoint/2010/main" val="2614314306"/>
-              </p:ext>
-            </p:extLst>
-          </p:nvPr>
-        </p:nvGraphicFramePr>
-        <p:xfrm>
-          <a:off x="383075" y="2091596"/>
-          <a:ext cx="6219825" cy="2286000"/>
-        </p:xfrm>
-        <a:graphic>
-          <a:graphicData uri="http://schemas.openxmlformats.org/presentationml/2006/ole">
-            <mc:AlternateContent xmlns:mc="http://schemas.openxmlformats.org/markup-compatibility/2006">
-              <mc:Choice xmlns:v="urn:schemas-microsoft-com:vml" Requires="v">
-                <p:oleObj spid="_x0000_s4110" name="Visio" r:id="rId4" imgW="4791043" imgH="1771497" progId="Visio.Drawing.15">
-                  <p:embed/>
-                </p:oleObj>
-              </mc:Choice>
-              <mc:Fallback>
-                <p:oleObj name="Visio" r:id="rId4" imgW="4791043" imgH="1771497" progId="Visio.Drawing.15">
-                  <p:embed/>
-                  <p:pic>
-                    <p:nvPicPr>
-                      <p:cNvPr id="0" name="Object 1"/>
-                      <p:cNvPicPr>
-                        <a:picLocks noChangeAspect="1" noChangeArrowheads="1"/>
-                      </p:cNvPicPr>
-                      <p:nvPr/>
-                    </p:nvPicPr>
-                    <p:blipFill>
-                      <a:blip r:embed="rId5">
-                        <a:extLst>
-                          <a:ext uri="{28A0092B-C50C-407E-A947-70E740481C1C}">
-                            <a14:useLocalDpi xmlns:a14="http://schemas.microsoft.com/office/drawing/2010/main" val="0"/>
-                          </a:ext>
-                        </a:extLst>
-                      </a:blip>
-                      <a:srcRect/>
-                      <a:stretch>
-                        <a:fillRect/>
-                      </a:stretch>
-                    </p:blipFill>
-                    <p:spPr bwMode="auto">
-                      <a:xfrm>
-                        <a:off x="383075" y="2091596"/>
-                        <a:ext cx="6219825" cy="2286000"/>
-                      </a:xfrm>
-                      <a:prstGeom prst="rect">
-                        <a:avLst/>
-                      </a:prstGeom>
-                      <a:noFill/>
-                      <a:extLst>
-                        <a:ext uri="{909E8E84-426E-40DD-AFC4-6F175D3DCCD1}">
-                          <a14:hiddenFill xmlns:a14="http://schemas.microsoft.com/office/drawing/2010/main">
-                            <a:solidFill>
-                              <a:srgbClr val="FFFFFF"/>
-                            </a:solidFill>
-                          </a14:hiddenFill>
-                        </a:ext>
-                      </a:extLst>
-                    </p:spPr>
-                  </p:pic>
-                </p:oleObj>
-              </mc:Fallback>
-            </mc:AlternateContent>
-          </a:graphicData>
-        </a:graphic>
-      </p:graphicFrame>
-      <p:pic>
-        <p:nvPicPr>
-          <p:cNvPr id="10" name="Picture 9">
-            <a:extLst>
-              <a:ext uri="{FF2B5EF4-FFF2-40B4-BE49-F238E27FC236}">
-                <a16:creationId xmlns:a16="http://schemas.microsoft.com/office/drawing/2014/main" id="{FE19CDFE-4893-4AF0-B5CA-0773C90F2E0E}"/>
-              </a:ext>
-            </a:extLst>
-          </p:cNvPr>
-          <p:cNvPicPr>
-            <a:picLocks noChangeAspect="1"/>
-          </p:cNvPicPr>
-          <p:nvPr/>
-        </p:nvPicPr>
-        <p:blipFill>
-          <a:blip r:embed="rId6">
-            <a:extLst>
-              <a:ext uri="{28A0092B-C50C-407E-A947-70E740481C1C}">
-                <a14:useLocalDpi xmlns:a14="http://schemas.microsoft.com/office/drawing/2010/main" val="0"/>
-              </a:ext>
-            </a:extLst>
-          </a:blip>
-          <a:stretch>
-            <a:fillRect/>
-          </a:stretch>
-        </p:blipFill>
-        <p:spPr>
-          <a:xfrm>
-            <a:off x="4824722" y="855476"/>
-            <a:ext cx="2339566" cy="1476747"/>
-          </a:xfrm>
-          <a:prstGeom prst="rect">
-            <a:avLst/>
-          </a:prstGeom>
-        </p:spPr>
-      </p:pic>
-      <p:pic>
-        <p:nvPicPr>
-          <p:cNvPr id="11" name="Picture 10">
-            <a:extLst>
-              <a:ext uri="{FF2B5EF4-FFF2-40B4-BE49-F238E27FC236}">
-                <a16:creationId xmlns:a16="http://schemas.microsoft.com/office/drawing/2014/main" id="{3F3EE3D2-A766-4DBE-A8DE-20C22CCC0345}"/>
-              </a:ext>
-            </a:extLst>
-          </p:cNvPr>
-          <p:cNvPicPr/>
-          <p:nvPr/>
-        </p:nvPicPr>
-        <p:blipFill>
-          <a:blip r:embed="rId7" cstate="print">
-            <a:extLst>
-              <a:ext uri="{28A0092B-C50C-407E-A947-70E740481C1C}">
-                <a14:useLocalDpi xmlns:a14="http://schemas.microsoft.com/office/drawing/2010/main" val="0"/>
-              </a:ext>
-            </a:extLst>
-          </a:blip>
-          <a:srcRect/>
-          <a:stretch>
-            <a:fillRect/>
-          </a:stretch>
-        </p:blipFill>
-        <p:spPr bwMode="auto">
-          <a:xfrm>
-            <a:off x="755015" y="4685951"/>
-            <a:ext cx="3240898" cy="1622807"/>
-          </a:xfrm>
-          <a:prstGeom prst="rect">
-            <a:avLst/>
-          </a:prstGeom>
-          <a:noFill/>
-          <a:ln>
-            <a:noFill/>
-          </a:ln>
-        </p:spPr>
-      </p:pic>
-      <p:pic>
-        <p:nvPicPr>
-          <p:cNvPr id="12" name="Picture 11">
-            <a:extLst>
-              <a:ext uri="{FF2B5EF4-FFF2-40B4-BE49-F238E27FC236}">
-                <a16:creationId xmlns:a16="http://schemas.microsoft.com/office/drawing/2014/main" id="{A40C6534-9852-47FA-9DD1-2270C46FD7A7}"/>
-              </a:ext>
-            </a:extLst>
-          </p:cNvPr>
-          <p:cNvPicPr/>
-          <p:nvPr/>
-        </p:nvPicPr>
-        <p:blipFill>
-          <a:blip r:embed="rId8" cstate="print">
-            <a:extLst>
-              <a:ext uri="{28A0092B-C50C-407E-A947-70E740481C1C}">
-                <a14:useLocalDpi xmlns:a14="http://schemas.microsoft.com/office/drawing/2010/main" val="0"/>
-              </a:ext>
-            </a:extLst>
-          </a:blip>
-          <a:srcRect/>
-          <a:stretch>
-            <a:fillRect/>
-          </a:stretch>
-        </p:blipFill>
-        <p:spPr bwMode="auto">
-          <a:xfrm>
-            <a:off x="4982451" y="4675814"/>
-            <a:ext cx="3240898" cy="1632944"/>
-          </a:xfrm>
-          <a:prstGeom prst="rect">
-            <a:avLst/>
-          </a:prstGeom>
-          <a:noFill/>
-          <a:ln>
-            <a:noFill/>
-          </a:ln>
-        </p:spPr>
-      </p:pic>
-      <p:sp>
-        <p:nvSpPr>
-          <p:cNvPr id="13" name="Arrow: Right 12">
-            <a:extLst>
-              <a:ext uri="{FF2B5EF4-FFF2-40B4-BE49-F238E27FC236}">
-                <a16:creationId xmlns:a16="http://schemas.microsoft.com/office/drawing/2014/main" id="{B3F536FA-4447-412D-9D8E-E3D04F03345D}"/>
-              </a:ext>
-            </a:extLst>
-          </p:cNvPr>
-          <p:cNvSpPr/>
-          <p:nvPr/>
-        </p:nvSpPr>
-        <p:spPr>
-          <a:xfrm>
-            <a:off x="4068638" y="5289231"/>
-            <a:ext cx="756084" cy="432048"/>
-          </a:xfrm>
-          <a:prstGeom prst="rightArrow">
-            <a:avLst/>
-          </a:prstGeom>
-        </p:spPr>
-        <p:style>
-          <a:lnRef idx="2">
-            <a:schemeClr val="accent1">
-              <a:shade val="50000"/>
-            </a:schemeClr>
-          </a:lnRef>
-          <a:fillRef idx="1">
-            <a:schemeClr val="accent1"/>
-          </a:fillRef>
-          <a:effectRef idx="0">
-            <a:schemeClr val="accent1"/>
-          </a:effectRef>
-          <a:fontRef idx="minor">
-            <a:schemeClr val="lt1"/>
-          </a:fontRef>
-        </p:style>
-        <p:txBody>
-          <a:bodyPr rtlCol="0" anchor="ctr"/>
-          <a:lstStyle/>
-          <a:p>
-            <a:pPr algn="ctr"/>
-            <a:endParaRPr lang="en-US"/>
-          </a:p>
-        </p:txBody>
-      </p:sp>
-    </p:spTree>
-    <p:extLst>
-      <p:ext uri="{BB962C8B-B14F-4D97-AF65-F5344CB8AC3E}">
-        <p14:creationId xmlns:p14="http://schemas.microsoft.com/office/powerpoint/2010/main" val="2511448505"/>
-      </p:ext>
-    </p:extLst>
-  </p:cSld>
-  <p:clrMapOvr>
-    <a:masterClrMapping/>
-  </p:clrMapOvr>
-  <p:timing>
-    <p:tnLst>
-      <p:par>
-        <p:cTn id="1" dur="indefinite" restart="never" nodeType="tmRoot">
-          <p:childTnLst>
-            <p:seq concurrent="1" nextAc="seek">
-              <p:cTn id="2" dur="indefinite" nodeType="mainSeq">
-                <p:childTnLst>
-                  <p:par>
-                    <p:cTn id="3" fill="hold">
-                      <p:stCondLst>
-                        <p:cond delay="indefinite"/>
-                      </p:stCondLst>
-                      <p:childTnLst>
-                        <p:par>
-                          <p:cTn id="4" fill="hold">
-                            <p:stCondLst>
-                              <p:cond delay="0"/>
-                            </p:stCondLst>
-                            <p:childTnLst>
-                              <p:par>
-                                <p:cTn id="5" presetID="1" presetClass="entr" presetSubtype="0" fill="hold" nodeType="clickEffect">
-                                  <p:stCondLst>
-                                    <p:cond delay="0"/>
-                                  </p:stCondLst>
-                                  <p:childTnLst>
-                                    <p:set>
-                                      <p:cBhvr>
-                                        <p:cTn id="6" dur="1" fill="hold">
-                                          <p:stCondLst>
-                                            <p:cond delay="0"/>
-                                          </p:stCondLst>
-                                        </p:cTn>
-                                        <p:tgtEl>
-                                          <p:spTgt spid="8"/>
-                                        </p:tgtEl>
-                                        <p:attrNameLst>
-                                          <p:attrName>style.visibility</p:attrName>
-                                        </p:attrNameLst>
-                                      </p:cBhvr>
-                                      <p:to>
-                                        <p:strVal val="visible"/>
-                                      </p:to>
-                                    </p:set>
-                                  </p:childTnLst>
-                                </p:cTn>
-                              </p:par>
-                            </p:childTnLst>
-                          </p:cTn>
-                        </p:par>
-                      </p:childTnLst>
-                    </p:cTn>
-                  </p:par>
-                  <p:par>
-                    <p:cTn id="7" fill="hold">
-                      <p:stCondLst>
-                        <p:cond delay="indefinite"/>
-                      </p:stCondLst>
-                      <p:childTnLst>
-                        <p:par>
-                          <p:cTn id="8" fill="hold">
-                            <p:stCondLst>
-                              <p:cond delay="0"/>
-                            </p:stCondLst>
-                            <p:childTnLst>
-                              <p:par>
-                                <p:cTn id="9" presetID="1" presetClass="entr" presetSubtype="0" fill="hold" nodeType="clickEffect">
-                                  <p:stCondLst>
-                                    <p:cond delay="0"/>
-                                  </p:stCondLst>
-                                  <p:childTnLst>
-                                    <p:set>
-                                      <p:cBhvr>
-                                        <p:cTn id="10" dur="1" fill="hold">
-                                          <p:stCondLst>
-                                            <p:cond delay="0"/>
-                                          </p:stCondLst>
-                                        </p:cTn>
-                                        <p:tgtEl>
-                                          <p:spTgt spid="11"/>
-                                        </p:tgtEl>
-                                        <p:attrNameLst>
-                                          <p:attrName>style.visibility</p:attrName>
-                                        </p:attrNameLst>
-                                      </p:cBhvr>
-                                      <p:to>
-                                        <p:strVal val="visible"/>
-                                      </p:to>
-                                    </p:set>
-                                  </p:childTnLst>
-                                </p:cTn>
-                              </p:par>
-                              <p:par>
-                                <p:cTn id="11" presetID="1" presetClass="entr" presetSubtype="0" fill="hold" grpId="0" nodeType="withEffect">
-                                  <p:stCondLst>
-                                    <p:cond delay="0"/>
-                                  </p:stCondLst>
-                                  <p:childTnLst>
-                                    <p:set>
-                                      <p:cBhvr>
-                                        <p:cTn id="12" dur="1" fill="hold">
-                                          <p:stCondLst>
-                                            <p:cond delay="0"/>
-                                          </p:stCondLst>
-                                        </p:cTn>
-                                        <p:tgtEl>
-                                          <p:spTgt spid="13"/>
-                                        </p:tgtEl>
-                                        <p:attrNameLst>
-                                          <p:attrName>style.visibility</p:attrName>
-                                        </p:attrNameLst>
-                                      </p:cBhvr>
-                                      <p:to>
-                                        <p:strVal val="visible"/>
-                                      </p:to>
-                                    </p:set>
-                                  </p:childTnLst>
-                                </p:cTn>
-                              </p:par>
-                              <p:par>
-                                <p:cTn id="13" presetID="1" presetClass="entr" presetSubtype="0" fill="hold" nodeType="withEffect">
-                                  <p:stCondLst>
-                                    <p:cond delay="0"/>
-                                  </p:stCondLst>
-                                  <p:childTnLst>
-                                    <p:set>
-                                      <p:cBhvr>
-                                        <p:cTn id="14" dur="1" fill="hold">
-                                          <p:stCondLst>
-                                            <p:cond delay="0"/>
-                                          </p:stCondLst>
-                                        </p:cTn>
-                                        <p:tgtEl>
-                                          <p:spTgt spid="12"/>
-                                        </p:tgtEl>
-                                        <p:attrNameLst>
-                                          <p:attrName>style.visibility</p:attrName>
-                                        </p:attrNameLst>
-                                      </p:cBhvr>
-                                      <p:to>
-                                        <p:strVal val="visible"/>
-                                      </p:to>
-                                    </p:set>
-                                  </p:childTnLst>
-                                </p:cTn>
-                              </p:par>
-                            </p:childTnLst>
-                          </p:cTn>
-                        </p:par>
-                      </p:childTnLst>
-                    </p:cTn>
-                  </p:par>
-                </p:childTnLst>
-              </p:cTn>
-              <p:prevCondLst>
-                <p:cond evt="onPrev" delay="0">
-                  <p:tgtEl>
-                    <p:sldTgt/>
-                  </p:tgtEl>
-                </p:cond>
-              </p:prevCondLst>
-              <p:nextCondLst>
-                <p:cond evt="onNext" delay="0">
-                  <p:tgtEl>
-                    <p:sldTgt/>
-                  </p:tgtEl>
-                </p:cond>
-              </p:nextCondLst>
-            </p:seq>
-          </p:childTnLst>
-        </p:cTn>
-      </p:par>
-    </p:tnLst>
-    <p:bldLst>
-      <p:bldP spid="13" grpId="0" animBg="1"/>
     </p:bldLst>
   </p:timing>
 </p:sld>
